--- a/Documents/Dirt Bike Racer.pptx
+++ b/Documents/Dirt Bike Racer.pptx
@@ -2,18 +2,19 @@
 <file path=ppt/presentation.xml><?xml version="1.0" encoding="utf-8"?>
 <p:presentation xmlns:a="http://schemas.openxmlformats.org/drawingml/2006/main" xmlns:r="http://schemas.openxmlformats.org/officeDocument/2006/relationships" xmlns:p="http://schemas.openxmlformats.org/presentationml/2006/main" saveSubsetFonts="1">
   <p:sldMasterIdLst>
-    <p:sldMasterId id="2147483648" r:id="rId1"/>
+    <p:sldMasterId id="2147483696" r:id="rId1"/>
   </p:sldMasterIdLst>
   <p:notesMasterIdLst>
-    <p:notesMasterId r:id="rId8"/>
+    <p:notesMasterId r:id="rId9"/>
   </p:notesMasterIdLst>
   <p:sldIdLst>
     <p:sldId id="256" r:id="rId2"/>
     <p:sldId id="257" r:id="rId3"/>
     <p:sldId id="258" r:id="rId4"/>
     <p:sldId id="259" r:id="rId5"/>
-    <p:sldId id="260" r:id="rId6"/>
-    <p:sldId id="261" r:id="rId7"/>
+    <p:sldId id="262" r:id="rId6"/>
+    <p:sldId id="260" r:id="rId7"/>
+    <p:sldId id="261" r:id="rId8"/>
   </p:sldIdLst>
   <p:sldSz cx="9144000" cy="6858000" type="screen4x3"/>
   <p:notesSz cx="6858000" cy="9144000"/>
@@ -113,6 +114,401 @@
     </a:lvl9pPr>
   </p:defaultTextStyle>
 </p:presentation>
+</file>
+
+<file path=ppt/charts/chart1.xml><?xml version="1.0" encoding="utf-8"?>
+<c:chartSpace xmlns:c="http://schemas.openxmlformats.org/drawingml/2006/chart" xmlns:a="http://schemas.openxmlformats.org/drawingml/2006/main" xmlns:r="http://schemas.openxmlformats.org/officeDocument/2006/relationships">
+  <c:date1904 val="0"/>
+  <c:lang val="en-US"/>
+  <c:roundedCorners val="0"/>
+  <mc:AlternateContent xmlns:mc="http://schemas.openxmlformats.org/markup-compatibility/2006">
+    <mc:Choice xmlns:c14="http://schemas.microsoft.com/office/drawing/2007/8/2/chart" Requires="c14">
+      <c14:style val="102"/>
+    </mc:Choice>
+    <mc:Fallback>
+      <c:style val="2"/>
+    </mc:Fallback>
+  </mc:AlternateContent>
+  <c:clrMapOvr bg1="lt1" tx1="dk1" bg2="lt2" tx2="dk2" accent1="accent1" accent2="accent2" accent3="accent3" accent4="accent4" accent5="accent5" accent6="accent6" hlink="hlink" folHlink="folHlink"/>
+  <c:chart>
+    <c:autoTitleDeleted val="0"/>
+    <c:plotArea>
+      <c:layout/>
+      <c:lineChart>
+        <c:grouping val="standard"/>
+        <c:varyColors val="0"/>
+        <c:ser>
+          <c:idx val="0"/>
+          <c:order val="0"/>
+          <c:tx>
+            <c:v>Inheritance Tree Depth</c:v>
+          </c:tx>
+          <c:marker>
+            <c:symbol val="none"/>
+          </c:marker>
+          <c:cat>
+            <c:strLit>
+              <c:ptCount val="3"/>
+              <c:pt idx="0">
+                <c:v>Week 8</c:v>
+              </c:pt>
+              <c:pt idx="1">
+                <c:v>Week 9</c:v>
+              </c:pt>
+              <c:pt idx="2">
+                <c:v>Week 10</c:v>
+              </c:pt>
+            </c:strLit>
+          </c:cat>
+          <c:val>
+            <c:numRef>
+              <c:f>Sheet1!$C$1:$C$3</c:f>
+              <c:numCache>
+                <c:formatCode>General</c:formatCode>
+                <c:ptCount val="3"/>
+                <c:pt idx="0">
+                  <c:v>2.4500000000000002</c:v>
+                </c:pt>
+                <c:pt idx="1">
+                  <c:v>2.5</c:v>
+                </c:pt>
+                <c:pt idx="2">
+                  <c:v>2.2200000000000002</c:v>
+                </c:pt>
+              </c:numCache>
+            </c:numRef>
+          </c:val>
+          <c:smooth val="0"/>
+        </c:ser>
+        <c:ser>
+          <c:idx val="1"/>
+          <c:order val="1"/>
+          <c:tx>
+            <c:v>MLoC</c:v>
+          </c:tx>
+          <c:marker>
+            <c:symbol val="none"/>
+          </c:marker>
+          <c:cat>
+            <c:strLit>
+              <c:ptCount val="3"/>
+              <c:pt idx="0">
+                <c:v>Week 8</c:v>
+              </c:pt>
+              <c:pt idx="1">
+                <c:v>Week 9</c:v>
+              </c:pt>
+              <c:pt idx="2">
+                <c:v>Week 10</c:v>
+              </c:pt>
+            </c:strLit>
+          </c:cat>
+          <c:val>
+            <c:numRef>
+              <c:f>Sheet1!$E$1:$E$3</c:f>
+              <c:numCache>
+                <c:formatCode>General</c:formatCode>
+                <c:ptCount val="3"/>
+                <c:pt idx="0">
+                  <c:v>5.8</c:v>
+                </c:pt>
+                <c:pt idx="1">
+                  <c:v>6.1</c:v>
+                </c:pt>
+                <c:pt idx="2">
+                  <c:v>6.7</c:v>
+                </c:pt>
+              </c:numCache>
+            </c:numRef>
+          </c:val>
+          <c:smooth val="0"/>
+        </c:ser>
+        <c:ser>
+          <c:idx val="2"/>
+          <c:order val="2"/>
+          <c:tx>
+            <c:v>Afferent Coupling</c:v>
+          </c:tx>
+          <c:marker>
+            <c:symbol val="none"/>
+          </c:marker>
+          <c:cat>
+            <c:strLit>
+              <c:ptCount val="3"/>
+              <c:pt idx="0">
+                <c:v>Week 8</c:v>
+              </c:pt>
+              <c:pt idx="1">
+                <c:v>Week 9</c:v>
+              </c:pt>
+              <c:pt idx="2">
+                <c:v>Week 10</c:v>
+              </c:pt>
+            </c:strLit>
+          </c:cat>
+          <c:val>
+            <c:numRef>
+              <c:f>Sheet1!$G$1:$G$3</c:f>
+              <c:numCache>
+                <c:formatCode>General</c:formatCode>
+                <c:ptCount val="3"/>
+                <c:pt idx="0">
+                  <c:v>4</c:v>
+                </c:pt>
+                <c:pt idx="1">
+                  <c:v>4</c:v>
+                </c:pt>
+                <c:pt idx="2">
+                  <c:v>1.33</c:v>
+                </c:pt>
+              </c:numCache>
+            </c:numRef>
+          </c:val>
+          <c:smooth val="0"/>
+        </c:ser>
+        <c:ser>
+          <c:idx val="3"/>
+          <c:order val="3"/>
+          <c:tx>
+            <c:v>Efferent Coupling</c:v>
+          </c:tx>
+          <c:marker>
+            <c:symbol val="none"/>
+          </c:marker>
+          <c:cat>
+            <c:strLit>
+              <c:ptCount val="3"/>
+              <c:pt idx="0">
+                <c:v>Week 8</c:v>
+              </c:pt>
+              <c:pt idx="1">
+                <c:v>Week 9</c:v>
+              </c:pt>
+              <c:pt idx="2">
+                <c:v>Week 10</c:v>
+              </c:pt>
+            </c:strLit>
+          </c:cat>
+          <c:val>
+            <c:numRef>
+              <c:f>Sheet1!$I$1:$I$3</c:f>
+              <c:numCache>
+                <c:formatCode>General</c:formatCode>
+                <c:ptCount val="3"/>
+                <c:pt idx="0">
+                  <c:v>1</c:v>
+                </c:pt>
+                <c:pt idx="1">
+                  <c:v>1</c:v>
+                </c:pt>
+                <c:pt idx="2">
+                  <c:v>2.67</c:v>
+                </c:pt>
+              </c:numCache>
+            </c:numRef>
+          </c:val>
+          <c:smooth val="0"/>
+        </c:ser>
+        <c:dLbls>
+          <c:showLegendKey val="0"/>
+          <c:showVal val="0"/>
+          <c:showCatName val="0"/>
+          <c:showSerName val="0"/>
+          <c:showPercent val="0"/>
+          <c:showBubbleSize val="0"/>
+        </c:dLbls>
+        <c:marker val="1"/>
+        <c:smooth val="0"/>
+        <c:axId val="81852288"/>
+        <c:axId val="81853824"/>
+      </c:lineChart>
+      <c:catAx>
+        <c:axId val="81852288"/>
+        <c:scaling>
+          <c:orientation val="minMax"/>
+        </c:scaling>
+        <c:delete val="0"/>
+        <c:axPos val="b"/>
+        <c:majorTickMark val="out"/>
+        <c:minorTickMark val="none"/>
+        <c:tickLblPos val="nextTo"/>
+        <c:crossAx val="81853824"/>
+        <c:crosses val="autoZero"/>
+        <c:auto val="1"/>
+        <c:lblAlgn val="ctr"/>
+        <c:lblOffset val="100"/>
+        <c:noMultiLvlLbl val="0"/>
+      </c:catAx>
+      <c:valAx>
+        <c:axId val="81853824"/>
+        <c:scaling>
+          <c:orientation val="minMax"/>
+        </c:scaling>
+        <c:delete val="0"/>
+        <c:axPos val="l"/>
+        <c:majorGridlines/>
+        <c:numFmt formatCode="General" sourceLinked="1"/>
+        <c:majorTickMark val="out"/>
+        <c:minorTickMark val="none"/>
+        <c:tickLblPos val="nextTo"/>
+        <c:crossAx val="81852288"/>
+        <c:crosses val="autoZero"/>
+        <c:crossBetween val="between"/>
+      </c:valAx>
+    </c:plotArea>
+    <c:legend>
+      <c:legendPos val="r"/>
+      <c:layout/>
+      <c:overlay val="0"/>
+    </c:legend>
+    <c:plotVisOnly val="1"/>
+    <c:dispBlanksAs val="gap"/>
+    <c:showDLblsOverMax val="0"/>
+  </c:chart>
+  <c:spPr>
+    <a:solidFill>
+      <a:sysClr val="window" lastClr="FFFFFF"/>
+    </a:solidFill>
+  </c:spPr>
+  <c:externalData r:id="rId2">
+    <c:autoUpdate val="0"/>
+  </c:externalData>
+</c:chartSpace>
+</file>
+
+<file path=ppt/charts/chart2.xml><?xml version="1.0" encoding="utf-8"?>
+<c:chartSpace xmlns:c="http://schemas.openxmlformats.org/drawingml/2006/chart" xmlns:a="http://schemas.openxmlformats.org/drawingml/2006/main" xmlns:r="http://schemas.openxmlformats.org/officeDocument/2006/relationships">
+  <c:date1904 val="0"/>
+  <c:lang val="en-US"/>
+  <c:roundedCorners val="0"/>
+  <mc:AlternateContent xmlns:mc="http://schemas.openxmlformats.org/markup-compatibility/2006">
+    <mc:Choice xmlns:c14="http://schemas.microsoft.com/office/drawing/2007/8/2/chart" Requires="c14">
+      <c14:style val="102"/>
+    </mc:Choice>
+    <mc:Fallback>
+      <c:style val="2"/>
+    </mc:Fallback>
+  </mc:AlternateContent>
+  <c:clrMapOvr bg1="lt1" tx1="dk1" bg2="lt2" tx2="dk2" accent1="accent1" accent2="accent2" accent3="accent3" accent4="accent4" accent5="accent5" accent6="accent6" hlink="hlink" folHlink="folHlink"/>
+  <c:chart>
+    <c:title>
+      <c:layout/>
+      <c:overlay val="0"/>
+    </c:title>
+    <c:autoTitleDeleted val="0"/>
+    <c:plotArea>
+      <c:layout/>
+      <c:lineChart>
+        <c:grouping val="standard"/>
+        <c:varyColors val="0"/>
+        <c:ser>
+          <c:idx val="0"/>
+          <c:order val="0"/>
+          <c:tx>
+            <c:v>Percent Tests Passed</c:v>
+          </c:tx>
+          <c:marker>
+            <c:symbol val="none"/>
+          </c:marker>
+          <c:cat>
+            <c:strLit>
+              <c:ptCount val="3"/>
+              <c:pt idx="0">
+                <c:v>Week 8</c:v>
+              </c:pt>
+              <c:pt idx="1">
+                <c:v>Week 9</c:v>
+              </c:pt>
+              <c:pt idx="2">
+                <c:v>Week 10</c:v>
+              </c:pt>
+            </c:strLit>
+          </c:cat>
+          <c:val>
+            <c:numRef>
+              <c:f>Sheet1!$K$1:$K$3</c:f>
+              <c:numCache>
+                <c:formatCode>General</c:formatCode>
+                <c:ptCount val="3"/>
+                <c:pt idx="0">
+                  <c:v>87.5</c:v>
+                </c:pt>
+                <c:pt idx="1">
+                  <c:v>70.833333333333343</c:v>
+                </c:pt>
+                <c:pt idx="2">
+                  <c:v>87.5</c:v>
+                </c:pt>
+              </c:numCache>
+            </c:numRef>
+          </c:val>
+          <c:smooth val="0"/>
+        </c:ser>
+        <c:dLbls>
+          <c:showLegendKey val="0"/>
+          <c:showVal val="0"/>
+          <c:showCatName val="0"/>
+          <c:showSerName val="0"/>
+          <c:showPercent val="0"/>
+          <c:showBubbleSize val="0"/>
+        </c:dLbls>
+        <c:marker val="1"/>
+        <c:smooth val="0"/>
+        <c:axId val="82018304"/>
+        <c:axId val="82019840"/>
+      </c:lineChart>
+      <c:catAx>
+        <c:axId val="82018304"/>
+        <c:scaling>
+          <c:orientation val="minMax"/>
+        </c:scaling>
+        <c:delete val="0"/>
+        <c:axPos val="b"/>
+        <c:majorTickMark val="out"/>
+        <c:minorTickMark val="none"/>
+        <c:tickLblPos val="nextTo"/>
+        <c:crossAx val="82019840"/>
+        <c:crosses val="autoZero"/>
+        <c:auto val="1"/>
+        <c:lblAlgn val="ctr"/>
+        <c:lblOffset val="100"/>
+        <c:noMultiLvlLbl val="0"/>
+      </c:catAx>
+      <c:valAx>
+        <c:axId val="82019840"/>
+        <c:scaling>
+          <c:orientation val="minMax"/>
+        </c:scaling>
+        <c:delete val="0"/>
+        <c:axPos val="l"/>
+        <c:majorGridlines/>
+        <c:numFmt formatCode="General" sourceLinked="1"/>
+        <c:majorTickMark val="out"/>
+        <c:minorTickMark val="none"/>
+        <c:tickLblPos val="nextTo"/>
+        <c:crossAx val="82018304"/>
+        <c:crosses val="autoZero"/>
+        <c:crossBetween val="between"/>
+      </c:valAx>
+    </c:plotArea>
+    <c:legend>
+      <c:legendPos val="r"/>
+      <c:layout/>
+      <c:overlay val="0"/>
+    </c:legend>
+    <c:plotVisOnly val="1"/>
+    <c:dispBlanksAs val="gap"/>
+    <c:showDLblsOverMax val="0"/>
+  </c:chart>
+  <c:spPr>
+    <a:solidFill>
+      <a:sysClr val="window" lastClr="FFFFFF"/>
+    </a:solidFill>
+  </c:spPr>
+  <c:externalData r:id="rId2">
+    <c:autoUpdate val="0"/>
+  </c:externalData>
+</c:chartSpace>
 </file>
 
 <file path=ppt/notesMasters/notesMaster1.xml><?xml version="1.0" encoding="utf-8"?>
@@ -539,6 +935,18 @@
           <a:p>
             <a:pPr lvl="0"/>
             <a:r>
+              <a:rPr lang="en-US" sz="1200" kern="1200" baseline="0" dirty="0" smtClean="0">
+                <a:solidFill>
+                  <a:schemeClr val="tx1"/>
+                </a:solidFill>
+                <a:effectLst/>
+                <a:latin typeface="+mn-lt"/>
+                <a:ea typeface="+mn-ea"/>
+                <a:cs typeface="+mn-cs"/>
+              </a:rPr>
+              <a:t>     </a:t>
+            </a:r>
+            <a:r>
               <a:rPr lang="en-US" sz="1200" kern="1200" dirty="0" smtClean="0">
                 <a:solidFill>
                   <a:schemeClr val="tx1"/>
@@ -548,11 +956,8 @@
                 <a:ea typeface="+mn-ea"/>
                 <a:cs typeface="+mn-cs"/>
               </a:rPr>
-              <a:t>This is the average of the percentage of test cases passed each week.</a:t>
-            </a:r>
-          </a:p>
-          <a:p>
-            <a:pPr lvl="0"/>
+              <a:t>This </a:t>
+            </a:r>
             <a:r>
               <a:rPr lang="en-US" sz="1200" kern="1200" dirty="0" smtClean="0">
                 <a:solidFill>
@@ -563,7 +968,7 @@
                 <a:ea typeface="+mn-ea"/>
                 <a:cs typeface="+mn-cs"/>
               </a:rPr>
-              <a:t>We will track this each week and keep the records in a text doc.</a:t>
+              <a:t>is the average of the percentage of test cases passed each week.</a:t>
             </a:r>
           </a:p>
           <a:p>
@@ -578,11 +983,8 @@
                 <a:ea typeface="+mn-ea"/>
                 <a:cs typeface="+mn-cs"/>
               </a:rPr>
-              <a:t>If this metric is high, it means we are meeting our goals and if it is low, we are not.</a:t>
-            </a:r>
-          </a:p>
-          <a:p>
-            <a:pPr lvl="0"/>
+              <a:t>     We </a:t>
+            </a:r>
             <a:r>
               <a:rPr lang="en-US" sz="1200" kern="1200" dirty="0" smtClean="0">
                 <a:solidFill>
@@ -593,7 +995,61 @@
                 <a:ea typeface="+mn-ea"/>
                 <a:cs typeface="+mn-cs"/>
               </a:rPr>
-              <a:t>This will show us how production changes week to week.</a:t>
+              <a:t>will track this each week and keep the records in a text doc.</a:t>
+            </a:r>
+          </a:p>
+          <a:p>
+            <a:pPr lvl="0"/>
+            <a:r>
+              <a:rPr lang="en-US" sz="1200" kern="1200" dirty="0" smtClean="0">
+                <a:solidFill>
+                  <a:schemeClr val="tx1"/>
+                </a:solidFill>
+                <a:effectLst/>
+                <a:latin typeface="+mn-lt"/>
+                <a:ea typeface="+mn-ea"/>
+                <a:cs typeface="+mn-cs"/>
+              </a:rPr>
+              <a:t>     If </a:t>
+            </a:r>
+            <a:r>
+              <a:rPr lang="en-US" sz="1200" kern="1200" dirty="0" smtClean="0">
+                <a:solidFill>
+                  <a:schemeClr val="tx1"/>
+                </a:solidFill>
+                <a:effectLst/>
+                <a:latin typeface="+mn-lt"/>
+                <a:ea typeface="+mn-ea"/>
+                <a:cs typeface="+mn-cs"/>
+              </a:rPr>
+              <a:t>this metric is high, it means we are meeting our goals and if it is low, we are not.</a:t>
+            </a:r>
+          </a:p>
+          <a:p>
+            <a:pPr lvl="0"/>
+            <a:r>
+              <a:rPr lang="en-US" sz="1200" kern="1200" dirty="0" smtClean="0">
+                <a:solidFill>
+                  <a:schemeClr val="tx1"/>
+                </a:solidFill>
+                <a:effectLst/>
+                <a:latin typeface="+mn-lt"/>
+                <a:ea typeface="+mn-ea"/>
+                <a:cs typeface="+mn-cs"/>
+              </a:rPr>
+              <a:t>     This </a:t>
+            </a:r>
+            <a:r>
+              <a:rPr lang="en-US" sz="1200" kern="1200" dirty="0" smtClean="0">
+                <a:solidFill>
+                  <a:schemeClr val="tx1"/>
+                </a:solidFill>
+                <a:effectLst/>
+                <a:latin typeface="+mn-lt"/>
+                <a:ea typeface="+mn-ea"/>
+                <a:cs typeface="+mn-cs"/>
+              </a:rPr>
+              <a:t>will show us how production changes week to week.</a:t>
             </a:r>
           </a:p>
           <a:p>
@@ -622,11 +1078,8 @@
                 <a:ea typeface="+mn-ea"/>
                 <a:cs typeface="+mn-cs"/>
               </a:rPr>
-              <a:t>The number of packages that depend upon classes within the package. </a:t>
-            </a:r>
-          </a:p>
-          <a:p>
-            <a:pPr lvl="0"/>
+              <a:t>     The </a:t>
+            </a:r>
             <a:r>
               <a:rPr lang="en-US" sz="1200" kern="1200" dirty="0" smtClean="0">
                 <a:solidFill>
@@ -637,7 +1090,7 @@
                 <a:ea typeface="+mn-ea"/>
                 <a:cs typeface="+mn-cs"/>
               </a:rPr>
-              <a:t>We’ll use the Metric plugin in eclipse to track this metric.</a:t>
+              <a:t>number of packages that depend upon classes within the package. </a:t>
             </a:r>
           </a:p>
           <a:p>
@@ -652,11 +1105,8 @@
                 <a:ea typeface="+mn-ea"/>
                 <a:cs typeface="+mn-cs"/>
               </a:rPr>
-              <a:t>If this metric is high, it indicates class independence, if it’s low dependence.</a:t>
-            </a:r>
-          </a:p>
-          <a:p>
-            <a:pPr lvl="0"/>
+              <a:t>     We’ll </a:t>
+            </a:r>
             <a:r>
               <a:rPr lang="en-US" sz="1200" kern="1200" dirty="0" smtClean="0">
                 <a:solidFill>
@@ -667,7 +1117,61 @@
                 <a:ea typeface="+mn-ea"/>
                 <a:cs typeface="+mn-cs"/>
               </a:rPr>
-              <a:t>We can use this to tell how coupled our overall project is.</a:t>
+              <a:t>use the Metric plugin in eclipse to track this metric.</a:t>
+            </a:r>
+          </a:p>
+          <a:p>
+            <a:pPr lvl="0"/>
+            <a:r>
+              <a:rPr lang="en-US" sz="1200" kern="1200" dirty="0" smtClean="0">
+                <a:solidFill>
+                  <a:schemeClr val="tx1"/>
+                </a:solidFill>
+                <a:effectLst/>
+                <a:latin typeface="+mn-lt"/>
+                <a:ea typeface="+mn-ea"/>
+                <a:cs typeface="+mn-cs"/>
+              </a:rPr>
+              <a:t>     If </a:t>
+            </a:r>
+            <a:r>
+              <a:rPr lang="en-US" sz="1200" kern="1200" dirty="0" smtClean="0">
+                <a:solidFill>
+                  <a:schemeClr val="tx1"/>
+                </a:solidFill>
+                <a:effectLst/>
+                <a:latin typeface="+mn-lt"/>
+                <a:ea typeface="+mn-ea"/>
+                <a:cs typeface="+mn-cs"/>
+              </a:rPr>
+              <a:t>this metric is high, it indicates class independence, if it’s low dependence.</a:t>
+            </a:r>
+          </a:p>
+          <a:p>
+            <a:pPr lvl="0"/>
+            <a:r>
+              <a:rPr lang="en-US" sz="1200" kern="1200" dirty="0" smtClean="0">
+                <a:solidFill>
+                  <a:schemeClr val="tx1"/>
+                </a:solidFill>
+                <a:effectLst/>
+                <a:latin typeface="+mn-lt"/>
+                <a:ea typeface="+mn-ea"/>
+                <a:cs typeface="+mn-cs"/>
+              </a:rPr>
+              <a:t>     We </a:t>
+            </a:r>
+            <a:r>
+              <a:rPr lang="en-US" sz="1200" kern="1200" dirty="0" smtClean="0">
+                <a:solidFill>
+                  <a:schemeClr val="tx1"/>
+                </a:solidFill>
+                <a:effectLst/>
+                <a:latin typeface="+mn-lt"/>
+                <a:ea typeface="+mn-ea"/>
+                <a:cs typeface="+mn-cs"/>
+              </a:rPr>
+              <a:t>can use this to tell how coupled our overall project is.</a:t>
             </a:r>
           </a:p>
           <a:p>
@@ -696,11 +1200,8 @@
                 <a:ea typeface="+mn-ea"/>
                 <a:cs typeface="+mn-cs"/>
               </a:rPr>
-              <a:t>The number of packages that the classes in the package depend upon.</a:t>
-            </a:r>
-          </a:p>
-          <a:p>
-            <a:pPr lvl="0"/>
+              <a:t>     The </a:t>
+            </a:r>
             <a:r>
               <a:rPr lang="en-US" sz="1200" kern="1200" dirty="0" smtClean="0">
                 <a:solidFill>
@@ -711,7 +1212,7 @@
                 <a:ea typeface="+mn-ea"/>
                 <a:cs typeface="+mn-cs"/>
               </a:rPr>
-              <a:t>We’ll use the Metric plugin in eclipse to track this metric.</a:t>
+              <a:t>number of packages that the classes in the package depend upon.</a:t>
             </a:r>
           </a:p>
           <a:p>
@@ -726,11 +1227,8 @@
                 <a:ea typeface="+mn-ea"/>
                 <a:cs typeface="+mn-cs"/>
               </a:rPr>
-              <a:t>If this metric is high, it indicates class independence, if its low dependence.</a:t>
-            </a:r>
-          </a:p>
-          <a:p>
-            <a:pPr lvl="0"/>
+              <a:t>     We’ll </a:t>
+            </a:r>
             <a:r>
               <a:rPr lang="en-US" sz="1200" kern="1200" dirty="0" smtClean="0">
                 <a:solidFill>
@@ -741,7 +1239,109 @@
                 <a:ea typeface="+mn-ea"/>
                 <a:cs typeface="+mn-cs"/>
               </a:rPr>
-              <a:t>We can use this to tell how coupled our overall project is.</a:t>
+              <a:t>use the Metric plugin in eclipse to track this metric.</a:t>
+            </a:r>
+          </a:p>
+          <a:p>
+            <a:pPr lvl="0"/>
+            <a:r>
+              <a:rPr lang="en-US" sz="1200" kern="1200" dirty="0" smtClean="0">
+                <a:solidFill>
+                  <a:schemeClr val="tx1"/>
+                </a:solidFill>
+                <a:effectLst/>
+                <a:latin typeface="+mn-lt"/>
+                <a:ea typeface="+mn-ea"/>
+                <a:cs typeface="+mn-cs"/>
+              </a:rPr>
+              <a:t>     If </a:t>
+            </a:r>
+            <a:r>
+              <a:rPr lang="en-US" sz="1200" kern="1200" dirty="0" smtClean="0">
+                <a:solidFill>
+                  <a:schemeClr val="tx1"/>
+                </a:solidFill>
+                <a:effectLst/>
+                <a:latin typeface="+mn-lt"/>
+                <a:ea typeface="+mn-ea"/>
+                <a:cs typeface="+mn-cs"/>
+              </a:rPr>
+              <a:t>this metric is high, it indicates class </a:t>
+            </a:r>
+            <a:r>
+              <a:rPr lang="en-US" sz="1200" kern="1200" dirty="0" smtClean="0">
+                <a:solidFill>
+                  <a:schemeClr val="tx1"/>
+                </a:solidFill>
+                <a:effectLst/>
+                <a:latin typeface="+mn-lt"/>
+                <a:ea typeface="+mn-ea"/>
+                <a:cs typeface="+mn-cs"/>
+              </a:rPr>
+              <a:t>dependence</a:t>
+            </a:r>
+            <a:r>
+              <a:rPr lang="en-US" sz="1200" kern="1200" dirty="0" smtClean="0">
+                <a:solidFill>
+                  <a:schemeClr val="tx1"/>
+                </a:solidFill>
+                <a:effectLst/>
+                <a:latin typeface="+mn-lt"/>
+                <a:ea typeface="+mn-ea"/>
+                <a:cs typeface="+mn-cs"/>
+              </a:rPr>
+              <a:t>, if its low </a:t>
+            </a:r>
+            <a:r>
+              <a:rPr lang="en-US" sz="1200" kern="1200" dirty="0" smtClean="0">
+                <a:solidFill>
+                  <a:schemeClr val="tx1"/>
+                </a:solidFill>
+                <a:effectLst/>
+                <a:latin typeface="+mn-lt"/>
+                <a:ea typeface="+mn-ea"/>
+                <a:cs typeface="+mn-cs"/>
+              </a:rPr>
+              <a:t>independence</a:t>
+            </a:r>
+            <a:r>
+              <a:rPr lang="en-US" sz="1200" kern="1200" dirty="0" smtClean="0">
+                <a:solidFill>
+                  <a:schemeClr val="tx1"/>
+                </a:solidFill>
+                <a:effectLst/>
+                <a:latin typeface="+mn-lt"/>
+                <a:ea typeface="+mn-ea"/>
+                <a:cs typeface="+mn-cs"/>
+              </a:rPr>
+              <a:t>.</a:t>
+            </a:r>
+          </a:p>
+          <a:p>
+            <a:pPr lvl="0"/>
+            <a:r>
+              <a:rPr lang="en-US" sz="1200" kern="1200" dirty="0" smtClean="0">
+                <a:solidFill>
+                  <a:schemeClr val="tx1"/>
+                </a:solidFill>
+                <a:effectLst/>
+                <a:latin typeface="+mn-lt"/>
+                <a:ea typeface="+mn-ea"/>
+                <a:cs typeface="+mn-cs"/>
+              </a:rPr>
+              <a:t>     We </a:t>
+            </a:r>
+            <a:r>
+              <a:rPr lang="en-US" sz="1200" kern="1200" dirty="0" smtClean="0">
+                <a:solidFill>
+                  <a:schemeClr val="tx1"/>
+                </a:solidFill>
+                <a:effectLst/>
+                <a:latin typeface="+mn-lt"/>
+                <a:ea typeface="+mn-ea"/>
+                <a:cs typeface="+mn-cs"/>
+              </a:rPr>
+              <a:t>can use this to tell how coupled our overall project is.</a:t>
             </a:r>
           </a:p>
           <a:p>
@@ -770,11 +1370,8 @@
                 <a:ea typeface="+mn-ea"/>
                 <a:cs typeface="+mn-cs"/>
               </a:rPr>
-              <a:t>Lines of code that make up the methods within the project.</a:t>
-            </a:r>
-          </a:p>
-          <a:p>
-            <a:pPr lvl="0"/>
+              <a:t>     Lines </a:t>
+            </a:r>
             <a:r>
               <a:rPr lang="en-US" sz="1200" kern="1200" dirty="0" smtClean="0">
                 <a:solidFill>
@@ -785,7 +1382,7 @@
                 <a:ea typeface="+mn-ea"/>
                 <a:cs typeface="+mn-cs"/>
               </a:rPr>
-              <a:t>We’ll use the Metric plugin in eclipse to track this metric.</a:t>
+              <a:t>of code that make up the methods within the project.</a:t>
             </a:r>
           </a:p>
           <a:p>
@@ -800,11 +1397,8 @@
                 <a:ea typeface="+mn-ea"/>
                 <a:cs typeface="+mn-cs"/>
               </a:rPr>
-              <a:t>This metric is a better indication of how many lines of working code that we have written. compared to just lines of code, which includes comments and headers.</a:t>
-            </a:r>
-          </a:p>
-          <a:p>
-            <a:pPr lvl="0"/>
+              <a:t>     We’ll </a:t>
+            </a:r>
             <a:r>
               <a:rPr lang="en-US" sz="1200" kern="1200" dirty="0" smtClean="0">
                 <a:solidFill>
@@ -815,7 +1409,61 @@
                 <a:ea typeface="+mn-ea"/>
                 <a:cs typeface="+mn-cs"/>
               </a:rPr>
-              <a:t>This can be used to measure the overall size or the project and the progress each week.</a:t>
+              <a:t>use the Metric plugin in eclipse to track this metric.</a:t>
+            </a:r>
+          </a:p>
+          <a:p>
+            <a:pPr lvl="0"/>
+            <a:r>
+              <a:rPr lang="en-US" sz="1200" kern="1200" dirty="0" smtClean="0">
+                <a:solidFill>
+                  <a:schemeClr val="tx1"/>
+                </a:solidFill>
+                <a:effectLst/>
+                <a:latin typeface="+mn-lt"/>
+                <a:ea typeface="+mn-ea"/>
+                <a:cs typeface="+mn-cs"/>
+              </a:rPr>
+              <a:t>     This </a:t>
+            </a:r>
+            <a:r>
+              <a:rPr lang="en-US" sz="1200" kern="1200" dirty="0" smtClean="0">
+                <a:solidFill>
+                  <a:schemeClr val="tx1"/>
+                </a:solidFill>
+                <a:effectLst/>
+                <a:latin typeface="+mn-lt"/>
+                <a:ea typeface="+mn-ea"/>
+                <a:cs typeface="+mn-cs"/>
+              </a:rPr>
+              <a:t>metric is a better indication of how many lines of working code that we have written. compared to just lines of code, which includes comments and headers.</a:t>
+            </a:r>
+          </a:p>
+          <a:p>
+            <a:pPr lvl="0"/>
+            <a:r>
+              <a:rPr lang="en-US" sz="1200" kern="1200" dirty="0" smtClean="0">
+                <a:solidFill>
+                  <a:schemeClr val="tx1"/>
+                </a:solidFill>
+                <a:effectLst/>
+                <a:latin typeface="+mn-lt"/>
+                <a:ea typeface="+mn-ea"/>
+                <a:cs typeface="+mn-cs"/>
+              </a:rPr>
+              <a:t>     This </a:t>
+            </a:r>
+            <a:r>
+              <a:rPr lang="en-US" sz="1200" kern="1200" dirty="0" smtClean="0">
+                <a:solidFill>
+                  <a:schemeClr val="tx1"/>
+                </a:solidFill>
+                <a:effectLst/>
+                <a:latin typeface="+mn-lt"/>
+                <a:ea typeface="+mn-ea"/>
+                <a:cs typeface="+mn-cs"/>
+              </a:rPr>
+              <a:t>can be used to measure the overall size or the project and the progress each week.</a:t>
             </a:r>
           </a:p>
           <a:p>
@@ -844,11 +1492,8 @@
                 <a:ea typeface="+mn-ea"/>
                 <a:cs typeface="+mn-cs"/>
               </a:rPr>
-              <a:t>The maximum length of a path from a class to a root class in an inheritance structure.</a:t>
-            </a:r>
-          </a:p>
-          <a:p>
-            <a:pPr lvl="0"/>
+              <a:t>     The </a:t>
+            </a:r>
             <a:r>
               <a:rPr lang="en-US" sz="1200" kern="1200" dirty="0" smtClean="0">
                 <a:solidFill>
@@ -859,7 +1504,7 @@
                 <a:ea typeface="+mn-ea"/>
                 <a:cs typeface="+mn-cs"/>
               </a:rPr>
-              <a:t>We’ll use the Metric plugin in eclipse to track this metric.</a:t>
+              <a:t>maximum length of a path from a class to a root class in an inheritance structure.</a:t>
             </a:r>
           </a:p>
           <a:p>
@@ -874,11 +1519,8 @@
                 <a:ea typeface="+mn-ea"/>
                 <a:cs typeface="+mn-cs"/>
               </a:rPr>
-              <a:t>The DIT can affect a lot of things like Re-Usability, Maintainability, and Portability.</a:t>
-            </a:r>
-          </a:p>
-          <a:p>
-            <a:pPr lvl="0"/>
+              <a:t>     We’ll </a:t>
+            </a:r>
             <a:r>
               <a:rPr lang="en-US" sz="1200" kern="1200" dirty="0" smtClean="0">
                 <a:solidFill>
@@ -889,7 +1531,61 @@
                 <a:ea typeface="+mn-ea"/>
                 <a:cs typeface="+mn-cs"/>
               </a:rPr>
-              <a:t>We can use this to assess the state of the project and use the information to increase its efficiency. </a:t>
+              <a:t>use the Metric plugin in eclipse to track this metric.</a:t>
+            </a:r>
+          </a:p>
+          <a:p>
+            <a:pPr lvl="0"/>
+            <a:r>
+              <a:rPr lang="en-US" sz="1200" kern="1200" dirty="0" smtClean="0">
+                <a:solidFill>
+                  <a:schemeClr val="tx1"/>
+                </a:solidFill>
+                <a:effectLst/>
+                <a:latin typeface="+mn-lt"/>
+                <a:ea typeface="+mn-ea"/>
+                <a:cs typeface="+mn-cs"/>
+              </a:rPr>
+              <a:t>     The </a:t>
+            </a:r>
+            <a:r>
+              <a:rPr lang="en-US" sz="1200" kern="1200" dirty="0" smtClean="0">
+                <a:solidFill>
+                  <a:schemeClr val="tx1"/>
+                </a:solidFill>
+                <a:effectLst/>
+                <a:latin typeface="+mn-lt"/>
+                <a:ea typeface="+mn-ea"/>
+                <a:cs typeface="+mn-cs"/>
+              </a:rPr>
+              <a:t>DIT can affect a lot of things like Re-Usability, Maintainability, and Portability.</a:t>
+            </a:r>
+          </a:p>
+          <a:p>
+            <a:pPr lvl="0"/>
+            <a:r>
+              <a:rPr lang="en-US" sz="1200" kern="1200" dirty="0" smtClean="0">
+                <a:solidFill>
+                  <a:schemeClr val="tx1"/>
+                </a:solidFill>
+                <a:effectLst/>
+                <a:latin typeface="+mn-lt"/>
+                <a:ea typeface="+mn-ea"/>
+                <a:cs typeface="+mn-cs"/>
+              </a:rPr>
+              <a:t>     We </a:t>
+            </a:r>
+            <a:r>
+              <a:rPr lang="en-US" sz="1200" kern="1200" dirty="0" smtClean="0">
+                <a:solidFill>
+                  <a:schemeClr val="tx1"/>
+                </a:solidFill>
+                <a:effectLst/>
+                <a:latin typeface="+mn-lt"/>
+                <a:ea typeface="+mn-ea"/>
+                <a:cs typeface="+mn-cs"/>
+              </a:rPr>
+              <a:t>can use this to assess the state of the project and use the information to increase its efficiency. </a:t>
             </a:r>
           </a:p>
           <a:p>
@@ -914,7 +1610,7 @@
           <a:p>
             <a:fld id="{35F88FE3-90FE-4A25-9102-33D68B97EB2D}" type="slidenum">
               <a:rPr lang="en-US" smtClean="0"/>
-              <a:t>5</a:t>
+              <a:t>6</a:t>
             </a:fld>
             <a:endParaRPr lang="en-US"/>
           </a:p>
@@ -934,7 +1630,7 @@
 </file>
 
 <file path=ppt/slideLayouts/slideLayout1.xml><?xml version="1.0" encoding="utf-8"?>
-<p:sldLayout xmlns:a="http://schemas.openxmlformats.org/drawingml/2006/main" xmlns:r="http://schemas.openxmlformats.org/officeDocument/2006/relationships" xmlns:p="http://schemas.openxmlformats.org/presentationml/2006/main" type="title" preserve="1">
+<p:sldLayout xmlns:a="http://schemas.openxmlformats.org/drawingml/2006/main" xmlns:r="http://schemas.openxmlformats.org/officeDocument/2006/relationships" xmlns:p="http://schemas.openxmlformats.org/presentationml/2006/main" showMasterSp="0" type="title" preserve="1">
   <p:cSld name="Title Slide">
     <p:spTree>
       <p:nvGrpSpPr>
@@ -952,7 +1648,57 @@
       </p:grpSpPr>
       <p:sp>
         <p:nvSpPr>
-          <p:cNvPr id="2" name="Title 1"/>
+          <p:cNvPr id="7" name="Straight Connector 6"/>
+          <p:cNvSpPr>
+            <a:spLocks noChangeShapeType="1"/>
+          </p:cNvSpPr>
+          <p:nvPr/>
+        </p:nvSpPr>
+        <p:spPr bwMode="auto">
+          <a:xfrm>
+            <a:off x="514350" y="5349902"/>
+            <a:ext cx="8629650" cy="2381"/>
+          </a:xfrm>
+          <a:prstGeom prst="line">
+            <a:avLst/>
+          </a:prstGeom>
+          <a:noFill/>
+          <a:ln w="9525" cap="flat" cmpd="sng" algn="ctr">
+            <a:gradFill flip="none" rotWithShape="1">
+              <a:gsLst>
+                <a:gs pos="0">
+                  <a:schemeClr val="accent1">
+                    <a:alpha val="0"/>
+                  </a:schemeClr>
+                </a:gs>
+                <a:gs pos="17000">
+                  <a:schemeClr val="accent1"/>
+                </a:gs>
+                <a:gs pos="100000">
+                  <a:schemeClr val="accent1"/>
+                </a:gs>
+              </a:gsLst>
+              <a:lin ang="0" scaled="1"/>
+              <a:tileRect/>
+            </a:gradFill>
+            <a:prstDash val="solid"/>
+            <a:round/>
+            <a:headEnd type="none" w="med" len="med"/>
+            <a:tailEnd type="none" w="med" len="med"/>
+          </a:ln>
+          <a:effectLst/>
+        </p:spPr>
+        <p:txBody>
+          <a:bodyPr vert="horz" wrap="square" lIns="91440" tIns="45720" rIns="91440" bIns="45720" anchor="t" compatLnSpc="1"/>
+          <a:lstStyle/>
+          <a:p>
+            <a:endParaRPr kumimoji="0" lang="en-US"/>
+          </a:p>
+        </p:txBody>
+      </p:sp>
+      <p:sp>
+        <p:nvSpPr>
+          <p:cNvPr id="29" name="Title 28"/>
           <p:cNvSpPr>
             <a:spLocks noGrp="1"/>
           </p:cNvSpPr>
@@ -962,25 +1708,25 @@
         </p:nvSpPr>
         <p:spPr>
           <a:xfrm>
-            <a:off x="685800" y="2130425"/>
-            <a:ext cx="7772400" cy="1470025"/>
+            <a:off x="381000" y="4853411"/>
+            <a:ext cx="8458200" cy="1222375"/>
           </a:xfrm>
         </p:spPr>
         <p:txBody>
-          <a:bodyPr/>
+          <a:bodyPr anchor="t"/>
           <a:lstStyle/>
           <a:p>
             <a:r>
-              <a:rPr lang="en-US" smtClean="0"/>
+              <a:rPr kumimoji="0" lang="en-US" smtClean="0"/>
               <a:t>Click to edit Master title style</a:t>
             </a:r>
-            <a:endParaRPr lang="en-US"/>
-          </a:p>
-        </p:txBody>
-      </p:sp>
-      <p:sp>
-        <p:nvSpPr>
-          <p:cNvPr id="3" name="Subtitle 2"/>
+            <a:endParaRPr kumimoji="0" lang="en-US"/>
+          </a:p>
+        </p:txBody>
+      </p:sp>
+      <p:sp>
+        <p:nvSpPr>
+          <p:cNvPr id="9" name="Subtitle 8"/>
           <p:cNvSpPr>
             <a:spLocks noGrp="1"/>
           </p:cNvSpPr>
@@ -990,116 +1736,60 @@
         </p:nvSpPr>
         <p:spPr>
           <a:xfrm>
-            <a:off x="1371600" y="3886200"/>
-            <a:ext cx="6400800" cy="1752600"/>
+            <a:off x="381000" y="3886200"/>
+            <a:ext cx="8458200" cy="914400"/>
           </a:xfrm>
         </p:spPr>
         <p:txBody>
-          <a:bodyPr/>
+          <a:bodyPr anchor="b"/>
           <a:lstStyle>
-            <a:lvl1pPr marL="0" indent="0" algn="ctr">
+            <a:lvl1pPr marL="0" indent="0" algn="l">
               <a:buNone/>
-              <a:defRPr>
+              <a:defRPr sz="2400">
                 <a:solidFill>
-                  <a:schemeClr val="tx1">
-                    <a:tint val="75000"/>
+                  <a:schemeClr val="tx2">
+                    <a:shade val="75000"/>
                   </a:schemeClr>
                 </a:solidFill>
               </a:defRPr>
             </a:lvl1pPr>
             <a:lvl2pPr marL="457200" indent="0" algn="ctr">
               <a:buNone/>
-              <a:defRPr>
-                <a:solidFill>
-                  <a:schemeClr val="tx1">
-                    <a:tint val="75000"/>
-                  </a:schemeClr>
-                </a:solidFill>
-              </a:defRPr>
             </a:lvl2pPr>
             <a:lvl3pPr marL="914400" indent="0" algn="ctr">
               <a:buNone/>
-              <a:defRPr>
-                <a:solidFill>
-                  <a:schemeClr val="tx1">
-                    <a:tint val="75000"/>
-                  </a:schemeClr>
-                </a:solidFill>
-              </a:defRPr>
             </a:lvl3pPr>
             <a:lvl4pPr marL="1371600" indent="0" algn="ctr">
               <a:buNone/>
-              <a:defRPr>
-                <a:solidFill>
-                  <a:schemeClr val="tx1">
-                    <a:tint val="75000"/>
-                  </a:schemeClr>
-                </a:solidFill>
-              </a:defRPr>
             </a:lvl4pPr>
             <a:lvl5pPr marL="1828800" indent="0" algn="ctr">
               <a:buNone/>
-              <a:defRPr>
-                <a:solidFill>
-                  <a:schemeClr val="tx1">
-                    <a:tint val="75000"/>
-                  </a:schemeClr>
-                </a:solidFill>
-              </a:defRPr>
             </a:lvl5pPr>
             <a:lvl6pPr marL="2286000" indent="0" algn="ctr">
               <a:buNone/>
-              <a:defRPr>
-                <a:solidFill>
-                  <a:schemeClr val="tx1">
-                    <a:tint val="75000"/>
-                  </a:schemeClr>
-                </a:solidFill>
-              </a:defRPr>
             </a:lvl6pPr>
             <a:lvl7pPr marL="2743200" indent="0" algn="ctr">
               <a:buNone/>
-              <a:defRPr>
-                <a:solidFill>
-                  <a:schemeClr val="tx1">
-                    <a:tint val="75000"/>
-                  </a:schemeClr>
-                </a:solidFill>
-              </a:defRPr>
             </a:lvl7pPr>
             <a:lvl8pPr marL="3200400" indent="0" algn="ctr">
               <a:buNone/>
-              <a:defRPr>
-                <a:solidFill>
-                  <a:schemeClr val="tx1">
-                    <a:tint val="75000"/>
-                  </a:schemeClr>
-                </a:solidFill>
-              </a:defRPr>
             </a:lvl8pPr>
             <a:lvl9pPr marL="3657600" indent="0" algn="ctr">
               <a:buNone/>
-              <a:defRPr>
-                <a:solidFill>
-                  <a:schemeClr val="tx1">
-                    <a:tint val="75000"/>
-                  </a:schemeClr>
-                </a:solidFill>
-              </a:defRPr>
             </a:lvl9pPr>
           </a:lstStyle>
           <a:p>
             <a:r>
-              <a:rPr lang="en-US" smtClean="0"/>
+              <a:rPr kumimoji="0" lang="en-US" smtClean="0"/>
               <a:t>Click to edit Master subtitle style</a:t>
             </a:r>
-            <a:endParaRPr lang="en-US"/>
-          </a:p>
-        </p:txBody>
-      </p:sp>
-      <p:sp>
-        <p:nvSpPr>
-          <p:cNvPr id="4" name="Date Placeholder 3"/>
+            <a:endParaRPr kumimoji="0" lang="en-US"/>
+          </a:p>
+        </p:txBody>
+      </p:sp>
+      <p:sp>
+        <p:nvSpPr>
+          <p:cNvPr id="16" name="Date Placeholder 15"/>
           <p:cNvSpPr>
             <a:spLocks noGrp="1"/>
           </p:cNvSpPr>
@@ -1114,7 +1804,7 @@
           <a:p>
             <a:fld id="{BACB522A-172F-43EC-BE00-BEF294CBFD59}" type="datetimeFigureOut">
               <a:rPr lang="en-US" smtClean="0"/>
-              <a:t>5/17/2012</a:t>
+              <a:t>5/18/2012</a:t>
             </a:fld>
             <a:endParaRPr lang="en-US"/>
           </a:p>
@@ -1122,7 +1812,7 @@
       </p:sp>
       <p:sp>
         <p:nvSpPr>
-          <p:cNvPr id="5" name="Footer Placeholder 4"/>
+          <p:cNvPr id="2" name="Footer Placeholder 1"/>
           <p:cNvSpPr>
             <a:spLocks noGrp="1"/>
           </p:cNvSpPr>
@@ -1141,7 +1831,7 @@
       </p:sp>
       <p:sp>
         <p:nvSpPr>
-          <p:cNvPr id="6" name="Slide Number Placeholder 5"/>
+          <p:cNvPr id="15" name="Slide Number Placeholder 14"/>
           <p:cNvSpPr>
             <a:spLocks noGrp="1"/>
           </p:cNvSpPr>
@@ -1149,7 +1839,12 @@
             <p:ph type="sldNum" sz="quarter" idx="12"/>
           </p:nvPr>
         </p:nvSpPr>
-        <p:spPr/>
+        <p:spPr>
+          <a:xfrm>
+            <a:off x="8229600" y="6473952"/>
+            <a:ext cx="758952" cy="246888"/>
+          </a:xfrm>
+        </p:spPr>
         <p:txBody>
           <a:bodyPr/>
           <a:lstStyle/>
@@ -1163,11 +1858,6 @@
         </p:txBody>
       </p:sp>
     </p:spTree>
-    <p:extLst>
-      <p:ext uri="{BB962C8B-B14F-4D97-AF65-F5344CB8AC3E}">
-        <p14:creationId xmlns:p14="http://schemas.microsoft.com/office/powerpoint/2010/main" val="1977054546"/>
-      </p:ext>
-    </p:extLst>
   </p:cSld>
   <p:clrMapOvr>
     <a:masterClrMapping/>
@@ -1208,10 +1898,10 @@
           <a:lstStyle/>
           <a:p>
             <a:r>
-              <a:rPr lang="en-US" smtClean="0"/>
+              <a:rPr kumimoji="0" lang="en-US" smtClean="0"/>
               <a:t>Click to edit Master title style</a:t>
             </a:r>
-            <a:endParaRPr lang="en-US"/>
+            <a:endParaRPr kumimoji="0" lang="en-US"/>
           </a:p>
         </p:txBody>
       </p:sp>
@@ -1230,40 +1920,40 @@
           <a:bodyPr vert="eaVert"/>
           <a:lstStyle/>
           <a:p>
-            <a:pPr lvl="0"/>
+            <a:pPr lvl="0" eaLnBrk="1" latinLnBrk="0" hangingPunct="1"/>
             <a:r>
               <a:rPr lang="en-US" smtClean="0"/>
               <a:t>Click to edit Master text styles</a:t>
             </a:r>
           </a:p>
           <a:p>
-            <a:pPr lvl="1"/>
+            <a:pPr lvl="1" eaLnBrk="1" latinLnBrk="0" hangingPunct="1"/>
             <a:r>
               <a:rPr lang="en-US" smtClean="0"/>
               <a:t>Second level</a:t>
             </a:r>
           </a:p>
           <a:p>
-            <a:pPr lvl="2"/>
+            <a:pPr lvl="2" eaLnBrk="1" latinLnBrk="0" hangingPunct="1"/>
             <a:r>
               <a:rPr lang="en-US" smtClean="0"/>
               <a:t>Third level</a:t>
             </a:r>
           </a:p>
           <a:p>
-            <a:pPr lvl="3"/>
+            <a:pPr lvl="3" eaLnBrk="1" latinLnBrk="0" hangingPunct="1"/>
             <a:r>
               <a:rPr lang="en-US" smtClean="0"/>
               <a:t>Fourth level</a:t>
             </a:r>
           </a:p>
           <a:p>
-            <a:pPr lvl="4"/>
+            <a:pPr lvl="4" eaLnBrk="1" latinLnBrk="0" hangingPunct="1"/>
             <a:r>
               <a:rPr lang="en-US" smtClean="0"/>
               <a:t>Fifth level</a:t>
             </a:r>
-            <a:endParaRPr lang="en-US"/>
+            <a:endParaRPr kumimoji="0" lang="en-US"/>
           </a:p>
         </p:txBody>
       </p:sp>
@@ -1284,7 +1974,7 @@
           <a:p>
             <a:fld id="{BACB522A-172F-43EC-BE00-BEF294CBFD59}" type="datetimeFigureOut">
               <a:rPr lang="en-US" smtClean="0"/>
-              <a:t>5/17/2012</a:t>
+              <a:t>5/18/2012</a:t>
             </a:fld>
             <a:endParaRPr lang="en-US"/>
           </a:p>
@@ -1333,11 +2023,6 @@
         </p:txBody>
       </p:sp>
     </p:spTree>
-    <p:extLst>
-      <p:ext uri="{BB962C8B-B14F-4D97-AF65-F5344CB8AC3E}">
-        <p14:creationId xmlns:p14="http://schemas.microsoft.com/office/powerpoint/2010/main" val="823566666"/>
-      </p:ext>
-    </p:extLst>
   </p:cSld>
   <p:clrMapOvr>
     <a:masterClrMapping/>
@@ -1346,7 +2031,7 @@
 </file>
 
 <file path=ppt/slideLayouts/slideLayout11.xml><?xml version="1.0" encoding="utf-8"?>
-<p:sldLayout xmlns:a="http://schemas.openxmlformats.org/drawingml/2006/main" xmlns:r="http://schemas.openxmlformats.org/officeDocument/2006/relationships" xmlns:p="http://schemas.openxmlformats.org/presentationml/2006/main" type="vertTitleAndTx" preserve="1">
+<p:sldLayout xmlns:a="http://schemas.openxmlformats.org/drawingml/2006/main" xmlns:r="http://schemas.openxmlformats.org/officeDocument/2006/relationships" xmlns:p="http://schemas.openxmlformats.org/presentationml/2006/main" showMasterSp="0" type="vertTitleAndTx" preserve="1">
   <p:cSld name="Vertical Title and Text">
     <p:spTree>
       <p:nvGrpSpPr>
@@ -1374,8 +2059,8 @@
         </p:nvSpPr>
         <p:spPr>
           <a:xfrm>
-            <a:off x="6629400" y="274638"/>
-            <a:ext cx="2057400" cy="5851525"/>
+            <a:off x="6858000" y="549276"/>
+            <a:ext cx="1828800" cy="5851525"/>
           </a:xfrm>
         </p:spPr>
         <p:txBody>
@@ -1383,10 +2068,10 @@
           <a:lstStyle/>
           <a:p>
             <a:r>
-              <a:rPr lang="en-US" smtClean="0"/>
+              <a:rPr kumimoji="0" lang="en-US" smtClean="0"/>
               <a:t>Click to edit Master title style</a:t>
             </a:r>
-            <a:endParaRPr lang="en-US"/>
+            <a:endParaRPr kumimoji="0" lang="en-US"/>
           </a:p>
         </p:txBody>
       </p:sp>
@@ -1402,48 +2087,48 @@
         </p:nvSpPr>
         <p:spPr>
           <a:xfrm>
-            <a:off x="457200" y="274638"/>
-            <a:ext cx="6019800" cy="5851525"/>
+            <a:off x="457200" y="549276"/>
+            <a:ext cx="6248400" cy="5851525"/>
           </a:xfrm>
         </p:spPr>
         <p:txBody>
           <a:bodyPr vert="eaVert"/>
           <a:lstStyle/>
           <a:p>
-            <a:pPr lvl="0"/>
+            <a:pPr lvl="0" eaLnBrk="1" latinLnBrk="0" hangingPunct="1"/>
             <a:r>
               <a:rPr lang="en-US" smtClean="0"/>
               <a:t>Click to edit Master text styles</a:t>
             </a:r>
           </a:p>
           <a:p>
-            <a:pPr lvl="1"/>
+            <a:pPr lvl="1" eaLnBrk="1" latinLnBrk="0" hangingPunct="1"/>
             <a:r>
               <a:rPr lang="en-US" smtClean="0"/>
               <a:t>Second level</a:t>
             </a:r>
           </a:p>
           <a:p>
-            <a:pPr lvl="2"/>
+            <a:pPr lvl="2" eaLnBrk="1" latinLnBrk="0" hangingPunct="1"/>
             <a:r>
               <a:rPr lang="en-US" smtClean="0"/>
               <a:t>Third level</a:t>
             </a:r>
           </a:p>
           <a:p>
-            <a:pPr lvl="3"/>
+            <a:pPr lvl="3" eaLnBrk="1" latinLnBrk="0" hangingPunct="1"/>
             <a:r>
               <a:rPr lang="en-US" smtClean="0"/>
               <a:t>Fourth level</a:t>
             </a:r>
           </a:p>
           <a:p>
-            <a:pPr lvl="4"/>
+            <a:pPr lvl="4" eaLnBrk="1" latinLnBrk="0" hangingPunct="1"/>
             <a:r>
               <a:rPr lang="en-US" smtClean="0"/>
               <a:t>Fifth level</a:t>
             </a:r>
-            <a:endParaRPr lang="en-US"/>
+            <a:endParaRPr kumimoji="0" lang="en-US"/>
           </a:p>
         </p:txBody>
       </p:sp>
@@ -1464,7 +2149,7 @@
           <a:p>
             <a:fld id="{BACB522A-172F-43EC-BE00-BEF294CBFD59}" type="datetimeFigureOut">
               <a:rPr lang="en-US" smtClean="0"/>
-              <a:t>5/17/2012</a:t>
+              <a:t>5/18/2012</a:t>
             </a:fld>
             <a:endParaRPr lang="en-US"/>
           </a:p>
@@ -1513,11 +2198,6 @@
         </p:txBody>
       </p:sp>
     </p:spTree>
-    <p:extLst>
-      <p:ext uri="{BB962C8B-B14F-4D97-AF65-F5344CB8AC3E}">
-        <p14:creationId xmlns:p14="http://schemas.microsoft.com/office/powerpoint/2010/main" val="4204239312"/>
-      </p:ext>
-    </p:extLst>
   </p:cSld>
   <p:clrMapOvr>
     <a:masterClrMapping/>
@@ -1544,7 +2224,7 @@
       </p:grpSpPr>
       <p:sp>
         <p:nvSpPr>
-          <p:cNvPr id="2" name="Title 1"/>
+          <p:cNvPr id="22" name="Title 21"/>
           <p:cNvSpPr>
             <a:spLocks noGrp="1"/>
           </p:cNvSpPr>
@@ -1558,16 +2238,16 @@
           <a:lstStyle/>
           <a:p>
             <a:r>
-              <a:rPr lang="en-US" smtClean="0"/>
+              <a:rPr kumimoji="0" lang="en-US" smtClean="0"/>
               <a:t>Click to edit Master title style</a:t>
             </a:r>
-            <a:endParaRPr lang="en-US"/>
-          </a:p>
-        </p:txBody>
-      </p:sp>
-      <p:sp>
-        <p:nvSpPr>
-          <p:cNvPr id="3" name="Content Placeholder 2"/>
+            <a:endParaRPr kumimoji="0" lang="en-US"/>
+          </a:p>
+        </p:txBody>
+      </p:sp>
+      <p:sp>
+        <p:nvSpPr>
+          <p:cNvPr id="27" name="Content Placeholder 26"/>
           <p:cNvSpPr>
             <a:spLocks noGrp="1"/>
           </p:cNvSpPr>
@@ -1580,46 +2260,46 @@
           <a:bodyPr/>
           <a:lstStyle/>
           <a:p>
-            <a:pPr lvl="0"/>
+            <a:pPr lvl="0" eaLnBrk="1" latinLnBrk="0" hangingPunct="1"/>
             <a:r>
               <a:rPr lang="en-US" smtClean="0"/>
               <a:t>Click to edit Master text styles</a:t>
             </a:r>
           </a:p>
           <a:p>
-            <a:pPr lvl="1"/>
+            <a:pPr lvl="1" eaLnBrk="1" latinLnBrk="0" hangingPunct="1"/>
             <a:r>
               <a:rPr lang="en-US" smtClean="0"/>
               <a:t>Second level</a:t>
             </a:r>
           </a:p>
           <a:p>
-            <a:pPr lvl="2"/>
+            <a:pPr lvl="2" eaLnBrk="1" latinLnBrk="0" hangingPunct="1"/>
             <a:r>
               <a:rPr lang="en-US" smtClean="0"/>
               <a:t>Third level</a:t>
             </a:r>
           </a:p>
           <a:p>
-            <a:pPr lvl="3"/>
+            <a:pPr lvl="3" eaLnBrk="1" latinLnBrk="0" hangingPunct="1"/>
             <a:r>
               <a:rPr lang="en-US" smtClean="0"/>
               <a:t>Fourth level</a:t>
             </a:r>
           </a:p>
           <a:p>
-            <a:pPr lvl="4"/>
+            <a:pPr lvl="4" eaLnBrk="1" latinLnBrk="0" hangingPunct="1"/>
             <a:r>
               <a:rPr lang="en-US" smtClean="0"/>
               <a:t>Fifth level</a:t>
             </a:r>
-            <a:endParaRPr lang="en-US"/>
-          </a:p>
-        </p:txBody>
-      </p:sp>
-      <p:sp>
-        <p:nvSpPr>
-          <p:cNvPr id="4" name="Date Placeholder 3"/>
+            <a:endParaRPr kumimoji="0" lang="en-US"/>
+          </a:p>
+        </p:txBody>
+      </p:sp>
+      <p:sp>
+        <p:nvSpPr>
+          <p:cNvPr id="25" name="Date Placeholder 24"/>
           <p:cNvSpPr>
             <a:spLocks noGrp="1"/>
           </p:cNvSpPr>
@@ -1634,7 +2314,7 @@
           <a:p>
             <a:fld id="{BACB522A-172F-43EC-BE00-BEF294CBFD59}" type="datetimeFigureOut">
               <a:rPr lang="en-US" smtClean="0"/>
-              <a:t>5/17/2012</a:t>
+              <a:t>5/18/2012</a:t>
             </a:fld>
             <a:endParaRPr lang="en-US"/>
           </a:p>
@@ -1642,7 +2322,7 @@
       </p:sp>
       <p:sp>
         <p:nvSpPr>
-          <p:cNvPr id="5" name="Footer Placeholder 4"/>
+          <p:cNvPr id="19" name="Footer Placeholder 18"/>
           <p:cNvSpPr>
             <a:spLocks noGrp="1"/>
           </p:cNvSpPr>
@@ -1650,7 +2330,12 @@
             <p:ph type="ftr" sz="quarter" idx="11"/>
           </p:nvPr>
         </p:nvSpPr>
-        <p:spPr/>
+        <p:spPr>
+          <a:xfrm>
+            <a:off x="3581400" y="76200"/>
+            <a:ext cx="2895600" cy="288925"/>
+          </a:xfrm>
+        </p:spPr>
         <p:txBody>
           <a:bodyPr/>
           <a:lstStyle/>
@@ -1661,7 +2346,7 @@
       </p:sp>
       <p:sp>
         <p:nvSpPr>
-          <p:cNvPr id="6" name="Slide Number Placeholder 5"/>
+          <p:cNvPr id="16" name="Slide Number Placeholder 15"/>
           <p:cNvSpPr>
             <a:spLocks noGrp="1"/>
           </p:cNvSpPr>
@@ -1669,7 +2354,12 @@
             <p:ph type="sldNum" sz="quarter" idx="12"/>
           </p:nvPr>
         </p:nvSpPr>
-        <p:spPr/>
+        <p:spPr>
+          <a:xfrm>
+            <a:off x="8229600" y="6473952"/>
+            <a:ext cx="758952" cy="246888"/>
+          </a:xfrm>
+        </p:spPr>
         <p:txBody>
           <a:bodyPr/>
           <a:lstStyle/>
@@ -1683,11 +2373,6 @@
         </p:txBody>
       </p:sp>
     </p:spTree>
-    <p:extLst>
-      <p:ext uri="{BB962C8B-B14F-4D97-AF65-F5344CB8AC3E}">
-        <p14:creationId xmlns:p14="http://schemas.microsoft.com/office/powerpoint/2010/main" val="2736300614"/>
-      </p:ext>
-    </p:extLst>
   </p:cSld>
   <p:clrMapOvr>
     <a:masterClrMapping/>
@@ -1696,8 +2381,13 @@
 </file>
 
 <file path=ppt/slideLayouts/slideLayout3.xml><?xml version="1.0" encoding="utf-8"?>
-<p:sldLayout xmlns:a="http://schemas.openxmlformats.org/drawingml/2006/main" xmlns:r="http://schemas.openxmlformats.org/officeDocument/2006/relationships" xmlns:p="http://schemas.openxmlformats.org/presentationml/2006/main" type="secHead" preserve="1">
+<p:sldLayout xmlns:a="http://schemas.openxmlformats.org/drawingml/2006/main" xmlns:r="http://schemas.openxmlformats.org/officeDocument/2006/relationships" xmlns:p="http://schemas.openxmlformats.org/presentationml/2006/main" showMasterSp="0" type="secHead" preserve="1">
   <p:cSld name="Section Header">
+    <p:bg>
+      <p:bgRef idx="1003">
+        <a:schemeClr val="bg2"/>
+      </p:bgRef>
+    </p:bg>
     <p:spTree>
       <p:nvGrpSpPr>
         <p:cNvPr id="1" name=""/>
@@ -1714,66 +2404,84 @@
       </p:grpSpPr>
       <p:sp>
         <p:nvSpPr>
-          <p:cNvPr id="2" name="Title 1"/>
-          <p:cNvSpPr>
-            <a:spLocks noGrp="1"/>
-          </p:cNvSpPr>
-          <p:nvPr>
-            <p:ph type="title"/>
+          <p:cNvPr id="7" name="Straight Connector 6"/>
+          <p:cNvSpPr>
+            <a:spLocks noChangeShapeType="1"/>
+          </p:cNvSpPr>
+          <p:nvPr/>
+        </p:nvSpPr>
+        <p:spPr bwMode="auto">
+          <a:xfrm>
+            <a:off x="514350" y="3444902"/>
+            <a:ext cx="8629650" cy="2381"/>
+          </a:xfrm>
+          <a:prstGeom prst="line">
+            <a:avLst/>
+          </a:prstGeom>
+          <a:noFill/>
+          <a:ln w="9525" cap="flat" cmpd="sng" algn="ctr">
+            <a:gradFill flip="none" rotWithShape="1">
+              <a:gsLst>
+                <a:gs pos="0">
+                  <a:schemeClr val="accent1">
+                    <a:alpha val="0"/>
+                  </a:schemeClr>
+                </a:gs>
+                <a:gs pos="17000">
+                  <a:schemeClr val="accent1"/>
+                </a:gs>
+                <a:gs pos="100000">
+                  <a:schemeClr val="accent1"/>
+                </a:gs>
+              </a:gsLst>
+              <a:lin ang="0" scaled="1"/>
+              <a:tileRect/>
+            </a:gradFill>
+            <a:prstDash val="solid"/>
+            <a:round/>
+            <a:headEnd type="none" w="med" len="med"/>
+            <a:tailEnd type="none" w="med" len="med"/>
+          </a:ln>
+          <a:effectLst/>
+        </p:spPr>
+        <p:txBody>
+          <a:bodyPr vert="horz" wrap="square" lIns="91440" tIns="45720" rIns="91440" bIns="45720" anchor="t" compatLnSpc="1"/>
+          <a:lstStyle/>
+          <a:p>
+            <a:endParaRPr kumimoji="0" lang="en-US"/>
+          </a:p>
+        </p:txBody>
+      </p:sp>
+      <p:sp>
+        <p:nvSpPr>
+          <p:cNvPr id="6" name="Text Placeholder 5"/>
+          <p:cNvSpPr>
+            <a:spLocks noGrp="1"/>
+          </p:cNvSpPr>
+          <p:nvPr>
+            <p:ph type="body" idx="1"/>
           </p:nvPr>
         </p:nvSpPr>
         <p:spPr>
           <a:xfrm>
-            <a:off x="722313" y="4406900"/>
-            <a:ext cx="7772400" cy="1362075"/>
+            <a:off x="381000" y="1676400"/>
+            <a:ext cx="8458200" cy="1219200"/>
           </a:xfrm>
         </p:spPr>
         <p:txBody>
-          <a:bodyPr anchor="t"/>
-          <a:lstStyle>
-            <a:lvl1pPr algn="l">
-              <a:defRPr sz="4000" b="1" cap="all"/>
-            </a:lvl1pPr>
-          </a:lstStyle>
-          <a:p>
-            <a:r>
-              <a:rPr lang="en-US" smtClean="0"/>
-              <a:t>Click to edit Master title style</a:t>
-            </a:r>
-            <a:endParaRPr lang="en-US"/>
-          </a:p>
-        </p:txBody>
-      </p:sp>
-      <p:sp>
-        <p:nvSpPr>
-          <p:cNvPr id="3" name="Text Placeholder 2"/>
-          <p:cNvSpPr>
-            <a:spLocks noGrp="1"/>
-          </p:cNvSpPr>
-          <p:nvPr>
-            <p:ph type="body" idx="1"/>
-          </p:nvPr>
-        </p:nvSpPr>
-        <p:spPr>
-          <a:xfrm>
-            <a:off x="722313" y="2906713"/>
-            <a:ext cx="7772400" cy="1500187"/>
-          </a:xfrm>
-        </p:spPr>
-        <p:txBody>
           <a:bodyPr anchor="b"/>
           <a:lstStyle>
-            <a:lvl1pPr marL="0" indent="0">
+            <a:lvl1pPr marL="0" indent="0" algn="r">
               <a:buNone/>
               <a:defRPr sz="2000">
                 <a:solidFill>
-                  <a:schemeClr val="tx1">
-                    <a:tint val="75000"/>
+                  <a:schemeClr val="tx2">
+                    <a:shade val="75000"/>
                   </a:schemeClr>
                 </a:solidFill>
               </a:defRPr>
             </a:lvl1pPr>
-            <a:lvl2pPr marL="457200" indent="0">
+            <a:lvl2pPr>
               <a:buNone/>
               <a:defRPr sz="1800">
                 <a:solidFill>
@@ -1783,7 +2491,7 @@
                 </a:solidFill>
               </a:defRPr>
             </a:lvl2pPr>
-            <a:lvl3pPr marL="914400" indent="0">
+            <a:lvl3pPr>
               <a:buNone/>
               <a:defRPr sz="1600">
                 <a:solidFill>
@@ -1793,7 +2501,7 @@
                 </a:solidFill>
               </a:defRPr>
             </a:lvl3pPr>
-            <a:lvl4pPr marL="1371600" indent="0">
+            <a:lvl4pPr>
               <a:buNone/>
               <a:defRPr sz="1400">
                 <a:solidFill>
@@ -1803,7 +2511,7 @@
                 </a:solidFill>
               </a:defRPr>
             </a:lvl4pPr>
-            <a:lvl5pPr marL="1828800" indent="0">
+            <a:lvl5pPr>
               <a:buNone/>
               <a:defRPr sz="1400">
                 <a:solidFill>
@@ -1813,51 +2521,11 @@
                 </a:solidFill>
               </a:defRPr>
             </a:lvl5pPr>
-            <a:lvl6pPr marL="2286000" indent="0">
-              <a:buNone/>
-              <a:defRPr sz="1400">
-                <a:solidFill>
-                  <a:schemeClr val="tx1">
-                    <a:tint val="75000"/>
-                  </a:schemeClr>
-                </a:solidFill>
-              </a:defRPr>
-            </a:lvl6pPr>
-            <a:lvl7pPr marL="2743200" indent="0">
-              <a:buNone/>
-              <a:defRPr sz="1400">
-                <a:solidFill>
-                  <a:schemeClr val="tx1">
-                    <a:tint val="75000"/>
-                  </a:schemeClr>
-                </a:solidFill>
-              </a:defRPr>
-            </a:lvl7pPr>
-            <a:lvl8pPr marL="3200400" indent="0">
-              <a:buNone/>
-              <a:defRPr sz="1400">
-                <a:solidFill>
-                  <a:schemeClr val="tx1">
-                    <a:tint val="75000"/>
-                  </a:schemeClr>
-                </a:solidFill>
-              </a:defRPr>
-            </a:lvl8pPr>
-            <a:lvl9pPr marL="3657600" indent="0">
-              <a:buNone/>
-              <a:defRPr sz="1400">
-                <a:solidFill>
-                  <a:schemeClr val="tx1">
-                    <a:tint val="75000"/>
-                  </a:schemeClr>
-                </a:solidFill>
-              </a:defRPr>
-            </a:lvl9pPr>
           </a:lstStyle>
           <a:p>
-            <a:pPr lvl="0"/>
-            <a:r>
-              <a:rPr lang="en-US" smtClean="0"/>
+            <a:pPr lvl="0" eaLnBrk="1" latinLnBrk="0" hangingPunct="1"/>
+            <a:r>
+              <a:rPr kumimoji="0" lang="en-US" smtClean="0"/>
               <a:t>Click to edit Master text styles</a:t>
             </a:r>
           </a:p>
@@ -1865,7 +2533,7 @@
       </p:sp>
       <p:sp>
         <p:nvSpPr>
-          <p:cNvPr id="4" name="Date Placeholder 3"/>
+          <p:cNvPr id="19" name="Date Placeholder 18"/>
           <p:cNvSpPr>
             <a:spLocks noGrp="1"/>
           </p:cNvSpPr>
@@ -1880,7 +2548,7 @@
           <a:p>
             <a:fld id="{BACB522A-172F-43EC-BE00-BEF294CBFD59}" type="datetimeFigureOut">
               <a:rPr lang="en-US" smtClean="0"/>
-              <a:t>5/17/2012</a:t>
+              <a:t>5/18/2012</a:t>
             </a:fld>
             <a:endParaRPr lang="en-US"/>
           </a:p>
@@ -1888,7 +2556,7 @@
       </p:sp>
       <p:sp>
         <p:nvSpPr>
-          <p:cNvPr id="5" name="Footer Placeholder 4"/>
+          <p:cNvPr id="11" name="Footer Placeholder 10"/>
           <p:cNvSpPr>
             <a:spLocks noGrp="1"/>
           </p:cNvSpPr>
@@ -1907,7 +2575,7 @@
       </p:sp>
       <p:sp>
         <p:nvSpPr>
-          <p:cNvPr id="6" name="Slide Number Placeholder 5"/>
+          <p:cNvPr id="16" name="Slide Number Placeholder 15"/>
           <p:cNvSpPr>
             <a:spLocks noGrp="1"/>
           </p:cNvSpPr>
@@ -1928,15 +2596,42 @@
           </a:p>
         </p:txBody>
       </p:sp>
+      <p:sp>
+        <p:nvSpPr>
+          <p:cNvPr id="8" name="Title 7"/>
+          <p:cNvSpPr>
+            <a:spLocks noGrp="1"/>
+          </p:cNvSpPr>
+          <p:nvPr>
+            <p:ph type="title"/>
+          </p:nvPr>
+        </p:nvSpPr>
+        <p:spPr>
+          <a:xfrm>
+            <a:off x="180475" y="2947085"/>
+            <a:ext cx="8686800" cy="1184825"/>
+          </a:xfrm>
+        </p:spPr>
+        <p:txBody>
+          <a:bodyPr rtlCol="0" anchor="t"/>
+          <a:lstStyle>
+            <a:lvl1pPr algn="r">
+              <a:defRPr/>
+            </a:lvl1pPr>
+          </a:lstStyle>
+          <a:p>
+            <a:r>
+              <a:rPr kumimoji="0" lang="en-US" smtClean="0"/>
+              <a:t>Click to edit Master title style</a:t>
+            </a:r>
+            <a:endParaRPr kumimoji="0" lang="en-US"/>
+          </a:p>
+        </p:txBody>
+      </p:sp>
     </p:spTree>
-    <p:extLst>
-      <p:ext uri="{BB962C8B-B14F-4D97-AF65-F5344CB8AC3E}">
-        <p14:creationId xmlns:p14="http://schemas.microsoft.com/office/powerpoint/2010/main" val="272068719"/>
-      </p:ext>
-    </p:extLst>
   </p:cSld>
   <p:clrMapOvr>
-    <a:masterClrMapping/>
+    <a:overrideClrMapping bg1="dk1" tx1="lt1" bg2="dk2" tx2="lt2" accent1="accent1" accent2="accent2" accent3="accent3" accent4="accent4" accent5="accent5" accent6="accent6" hlink="hlink" folHlink="folHlink"/>
   </p:clrMapOvr>
 </p:sldLayout>
 </file>
@@ -1960,7 +2655,7 @@
       </p:grpSpPr>
       <p:sp>
         <p:nvSpPr>
-          <p:cNvPr id="2" name="Title 1"/>
+          <p:cNvPr id="20" name="Title 19"/>
           <p:cNvSpPr>
             <a:spLocks noGrp="1"/>
           </p:cNvSpPr>
@@ -1968,22 +2663,27 @@
             <p:ph type="title"/>
           </p:nvPr>
         </p:nvSpPr>
-        <p:spPr/>
+        <p:spPr>
+          <a:xfrm>
+            <a:off x="301752" y="457200"/>
+            <a:ext cx="8686800" cy="841248"/>
+          </a:xfrm>
+        </p:spPr>
         <p:txBody>
           <a:bodyPr/>
           <a:lstStyle/>
           <a:p>
             <a:r>
-              <a:rPr lang="en-US" smtClean="0"/>
+              <a:rPr kumimoji="0" lang="en-US" smtClean="0"/>
               <a:t>Click to edit Master title style</a:t>
             </a:r>
-            <a:endParaRPr lang="en-US"/>
-          </a:p>
-        </p:txBody>
-      </p:sp>
-      <p:sp>
-        <p:nvSpPr>
-          <p:cNvPr id="3" name="Content Placeholder 2"/>
+            <a:endParaRPr kumimoji="0" lang="en-US"/>
+          </a:p>
+        </p:txBody>
+      </p:sp>
+      <p:sp>
+        <p:nvSpPr>
+          <p:cNvPr id="14" name="Content Placeholder 13"/>
           <p:cNvSpPr>
             <a:spLocks noGrp="1"/>
           </p:cNvSpPr>
@@ -1993,8 +2693,8 @@
         </p:nvSpPr>
         <p:spPr>
           <a:xfrm>
-            <a:off x="457200" y="1600200"/>
-            <a:ext cx="4038600" cy="4525963"/>
+            <a:off x="304800" y="1600200"/>
+            <a:ext cx="4191000" cy="4724400"/>
           </a:xfrm>
         </p:spPr>
         <p:txBody>
@@ -2015,60 +2715,48 @@
             <a:lvl5pPr>
               <a:defRPr sz="1800"/>
             </a:lvl5pPr>
-            <a:lvl6pPr>
-              <a:defRPr sz="1800"/>
-            </a:lvl6pPr>
-            <a:lvl7pPr>
-              <a:defRPr sz="1800"/>
-            </a:lvl7pPr>
-            <a:lvl8pPr>
-              <a:defRPr sz="1800"/>
-            </a:lvl8pPr>
-            <a:lvl9pPr>
-              <a:defRPr sz="1800"/>
-            </a:lvl9pPr>
           </a:lstStyle>
           <a:p>
-            <a:pPr lvl="0"/>
+            <a:pPr lvl="0" eaLnBrk="1" latinLnBrk="0" hangingPunct="1"/>
             <a:r>
               <a:rPr lang="en-US" smtClean="0"/>
               <a:t>Click to edit Master text styles</a:t>
             </a:r>
           </a:p>
           <a:p>
-            <a:pPr lvl="1"/>
+            <a:pPr lvl="1" eaLnBrk="1" latinLnBrk="0" hangingPunct="1"/>
             <a:r>
               <a:rPr lang="en-US" smtClean="0"/>
               <a:t>Second level</a:t>
             </a:r>
           </a:p>
           <a:p>
-            <a:pPr lvl="2"/>
+            <a:pPr lvl="2" eaLnBrk="1" latinLnBrk="0" hangingPunct="1"/>
             <a:r>
               <a:rPr lang="en-US" smtClean="0"/>
               <a:t>Third level</a:t>
             </a:r>
           </a:p>
           <a:p>
-            <a:pPr lvl="3"/>
+            <a:pPr lvl="3" eaLnBrk="1" latinLnBrk="0" hangingPunct="1"/>
             <a:r>
               <a:rPr lang="en-US" smtClean="0"/>
               <a:t>Fourth level</a:t>
             </a:r>
           </a:p>
           <a:p>
-            <a:pPr lvl="4"/>
+            <a:pPr lvl="4" eaLnBrk="1" latinLnBrk="0" hangingPunct="1"/>
             <a:r>
               <a:rPr lang="en-US" smtClean="0"/>
               <a:t>Fifth level</a:t>
             </a:r>
-            <a:endParaRPr lang="en-US"/>
-          </a:p>
-        </p:txBody>
-      </p:sp>
-      <p:sp>
-        <p:nvSpPr>
-          <p:cNvPr id="4" name="Content Placeholder 3"/>
+            <a:endParaRPr kumimoji="0" lang="en-US"/>
+          </a:p>
+        </p:txBody>
+      </p:sp>
+      <p:sp>
+        <p:nvSpPr>
+          <p:cNvPr id="13" name="Content Placeholder 12"/>
           <p:cNvSpPr>
             <a:spLocks noGrp="1"/>
           </p:cNvSpPr>
@@ -2079,7 +2767,7 @@
         <p:spPr>
           <a:xfrm>
             <a:off x="4648200" y="1600200"/>
-            <a:ext cx="4038600" cy="4525963"/>
+            <a:ext cx="4343400" cy="4724400"/>
           </a:xfrm>
         </p:spPr>
         <p:txBody>
@@ -2100,60 +2788,48 @@
             <a:lvl5pPr>
               <a:defRPr sz="1800"/>
             </a:lvl5pPr>
-            <a:lvl6pPr>
-              <a:defRPr sz="1800"/>
-            </a:lvl6pPr>
-            <a:lvl7pPr>
-              <a:defRPr sz="1800"/>
-            </a:lvl7pPr>
-            <a:lvl8pPr>
-              <a:defRPr sz="1800"/>
-            </a:lvl8pPr>
-            <a:lvl9pPr>
-              <a:defRPr sz="1800"/>
-            </a:lvl9pPr>
           </a:lstStyle>
           <a:p>
-            <a:pPr lvl="0"/>
+            <a:pPr lvl="0" eaLnBrk="1" latinLnBrk="0" hangingPunct="1"/>
             <a:r>
               <a:rPr lang="en-US" smtClean="0"/>
               <a:t>Click to edit Master text styles</a:t>
             </a:r>
           </a:p>
           <a:p>
-            <a:pPr lvl="1"/>
+            <a:pPr lvl="1" eaLnBrk="1" latinLnBrk="0" hangingPunct="1"/>
             <a:r>
               <a:rPr lang="en-US" smtClean="0"/>
               <a:t>Second level</a:t>
             </a:r>
           </a:p>
           <a:p>
-            <a:pPr lvl="2"/>
+            <a:pPr lvl="2" eaLnBrk="1" latinLnBrk="0" hangingPunct="1"/>
             <a:r>
               <a:rPr lang="en-US" smtClean="0"/>
               <a:t>Third level</a:t>
             </a:r>
           </a:p>
           <a:p>
-            <a:pPr lvl="3"/>
+            <a:pPr lvl="3" eaLnBrk="1" latinLnBrk="0" hangingPunct="1"/>
             <a:r>
               <a:rPr lang="en-US" smtClean="0"/>
               <a:t>Fourth level</a:t>
             </a:r>
           </a:p>
           <a:p>
-            <a:pPr lvl="4"/>
+            <a:pPr lvl="4" eaLnBrk="1" latinLnBrk="0" hangingPunct="1"/>
             <a:r>
               <a:rPr lang="en-US" smtClean="0"/>
               <a:t>Fifth level</a:t>
             </a:r>
-            <a:endParaRPr lang="en-US"/>
-          </a:p>
-        </p:txBody>
-      </p:sp>
-      <p:sp>
-        <p:nvSpPr>
-          <p:cNvPr id="5" name="Date Placeholder 4"/>
+            <a:endParaRPr kumimoji="0" lang="en-US"/>
+          </a:p>
+        </p:txBody>
+      </p:sp>
+      <p:sp>
+        <p:nvSpPr>
+          <p:cNvPr id="21" name="Date Placeholder 20"/>
           <p:cNvSpPr>
             <a:spLocks noGrp="1"/>
           </p:cNvSpPr>
@@ -2168,7 +2844,7 @@
           <a:p>
             <a:fld id="{BACB522A-172F-43EC-BE00-BEF294CBFD59}" type="datetimeFigureOut">
               <a:rPr lang="en-US" smtClean="0"/>
-              <a:t>5/17/2012</a:t>
+              <a:t>5/18/2012</a:t>
             </a:fld>
             <a:endParaRPr lang="en-US"/>
           </a:p>
@@ -2176,7 +2852,7 @@
       </p:sp>
       <p:sp>
         <p:nvSpPr>
-          <p:cNvPr id="6" name="Footer Placeholder 5"/>
+          <p:cNvPr id="10" name="Footer Placeholder 9"/>
           <p:cNvSpPr>
             <a:spLocks noGrp="1"/>
           </p:cNvSpPr>
@@ -2195,7 +2871,7 @@
       </p:sp>
       <p:sp>
         <p:nvSpPr>
-          <p:cNvPr id="7" name="Slide Number Placeholder 6"/>
+          <p:cNvPr id="31" name="Slide Number Placeholder 30"/>
           <p:cNvSpPr>
             <a:spLocks noGrp="1"/>
           </p:cNvSpPr>
@@ -2217,11 +2893,6 @@
         </p:txBody>
       </p:sp>
     </p:spTree>
-    <p:extLst>
-      <p:ext uri="{BB962C8B-B14F-4D97-AF65-F5344CB8AC3E}">
-        <p14:creationId xmlns:p14="http://schemas.microsoft.com/office/powerpoint/2010/main" val="1224610195"/>
-      </p:ext>
-    </p:extLst>
   </p:cSld>
   <p:clrMapOvr>
     <a:masterClrMapping/>
@@ -2230,7 +2901,7 @@
 </file>
 
 <file path=ppt/slideLayouts/slideLayout5.xml><?xml version="1.0" encoding="utf-8"?>
-<p:sldLayout xmlns:a="http://schemas.openxmlformats.org/drawingml/2006/main" xmlns:r="http://schemas.openxmlformats.org/officeDocument/2006/relationships" xmlns:p="http://schemas.openxmlformats.org/presentationml/2006/main" type="twoTxTwoObj" preserve="1">
+<p:sldLayout xmlns:a="http://schemas.openxmlformats.org/drawingml/2006/main" xmlns:r="http://schemas.openxmlformats.org/officeDocument/2006/relationships" xmlns:p="http://schemas.openxmlformats.org/presentationml/2006/main" showMasterSp="0" type="twoTxTwoObj" preserve="1">
   <p:cSld name="Comparison">
     <p:spTree>
       <p:nvGrpSpPr>
@@ -2248,7 +2919,7 @@
       </p:grpSpPr>
       <p:sp>
         <p:nvSpPr>
-          <p:cNvPr id="2" name="Title 1"/>
+          <p:cNvPr id="29" name="Title 28"/>
           <p:cNvSpPr>
             <a:spLocks noGrp="1"/>
           </p:cNvSpPr>
@@ -2256,9 +2927,14 @@
             <p:ph type="title"/>
           </p:nvPr>
         </p:nvSpPr>
-        <p:spPr/>
-        <p:txBody>
-          <a:bodyPr/>
+        <p:spPr>
+          <a:xfrm>
+            <a:off x="304800" y="5410200"/>
+            <a:ext cx="8610600" cy="882650"/>
+          </a:xfrm>
+        </p:spPr>
+        <p:txBody>
+          <a:bodyPr anchor="ctr"/>
           <a:lstStyle>
             <a:lvl1pPr>
               <a:defRPr/>
@@ -2266,16 +2942,16 @@
           </a:lstStyle>
           <a:p>
             <a:r>
-              <a:rPr lang="en-US" smtClean="0"/>
+              <a:rPr kumimoji="0" lang="en-US" smtClean="0"/>
               <a:t>Click to edit Master title style</a:t>
             </a:r>
-            <a:endParaRPr lang="en-US"/>
-          </a:p>
-        </p:txBody>
-      </p:sp>
-      <p:sp>
-        <p:nvSpPr>
-          <p:cNvPr id="3" name="Text Placeholder 2"/>
+            <a:endParaRPr kumimoji="0" lang="en-US"/>
+          </a:p>
+        </p:txBody>
+      </p:sp>
+      <p:sp>
+        <p:nvSpPr>
+          <p:cNvPr id="13" name="Text Placeholder 12"/>
           <p:cNvSpPr>
             <a:spLocks noGrp="1"/>
           </p:cNvSpPr>
@@ -2285,54 +2961,105 @@
         </p:nvSpPr>
         <p:spPr>
           <a:xfrm>
-            <a:off x="457200" y="1535113"/>
-            <a:ext cx="4040188" cy="639762"/>
+            <a:off x="281444" y="666750"/>
+            <a:ext cx="4290556" cy="639762"/>
           </a:xfrm>
         </p:spPr>
         <p:txBody>
-          <a:bodyPr anchor="b"/>
+          <a:bodyPr anchor="ctr"/>
           <a:lstStyle>
             <a:lvl1pPr marL="0" indent="0">
               <a:buNone/>
-              <a:defRPr sz="2400" b="1"/>
+              <a:defRPr sz="1800" b="0" cap="all" baseline="0">
+                <a:solidFill>
+                  <a:schemeClr val="accent1">
+                    <a:shade val="50000"/>
+                  </a:schemeClr>
+                </a:solidFill>
+                <a:latin typeface="+mj-lt"/>
+                <a:ea typeface="+mj-ea"/>
+                <a:cs typeface="+mj-cs"/>
+              </a:defRPr>
             </a:lvl1pPr>
-            <a:lvl2pPr marL="457200" indent="0">
+            <a:lvl2pPr>
               <a:buNone/>
               <a:defRPr sz="2000" b="1"/>
             </a:lvl2pPr>
-            <a:lvl3pPr marL="914400" indent="0">
+            <a:lvl3pPr>
               <a:buNone/>
               <a:defRPr sz="1800" b="1"/>
             </a:lvl3pPr>
-            <a:lvl4pPr marL="1371600" indent="0">
+            <a:lvl4pPr>
               <a:buNone/>
               <a:defRPr sz="1600" b="1"/>
             </a:lvl4pPr>
-            <a:lvl5pPr marL="1828800" indent="0">
+            <a:lvl5pPr>
               <a:buNone/>
               <a:defRPr sz="1600" b="1"/>
             </a:lvl5pPr>
-            <a:lvl6pPr marL="2286000" indent="0">
+          </a:lstStyle>
+          <a:p>
+            <a:pPr lvl="0" eaLnBrk="1" latinLnBrk="0" hangingPunct="1"/>
+            <a:r>
+              <a:rPr kumimoji="0" lang="en-US" smtClean="0"/>
+              <a:t>Click to edit Master text styles</a:t>
+            </a:r>
+          </a:p>
+        </p:txBody>
+      </p:sp>
+      <p:sp>
+        <p:nvSpPr>
+          <p:cNvPr id="25" name="Text Placeholder 24"/>
+          <p:cNvSpPr>
+            <a:spLocks noGrp="1"/>
+          </p:cNvSpPr>
+          <p:nvPr>
+            <p:ph type="body" sz="half" idx="3"/>
+          </p:nvPr>
+        </p:nvSpPr>
+        <p:spPr>
+          <a:xfrm>
+            <a:off x="4645025" y="666750"/>
+            <a:ext cx="4292241" cy="639762"/>
+          </a:xfrm>
+        </p:spPr>
+        <p:txBody>
+          <a:bodyPr anchor="ctr"/>
+          <a:lstStyle>
+            <a:lvl1pPr marL="0" indent="0">
+              <a:buNone/>
+              <a:defRPr sz="1800" b="0" cap="all" baseline="0">
+                <a:solidFill>
+                  <a:schemeClr val="accent1">
+                    <a:shade val="50000"/>
+                  </a:schemeClr>
+                </a:solidFill>
+                <a:latin typeface="+mj-lt"/>
+                <a:ea typeface="+mj-ea"/>
+                <a:cs typeface="+mj-cs"/>
+              </a:defRPr>
+            </a:lvl1pPr>
+            <a:lvl2pPr>
+              <a:buNone/>
+              <a:defRPr sz="2000" b="1"/>
+            </a:lvl2pPr>
+            <a:lvl3pPr>
+              <a:buNone/>
+              <a:defRPr sz="1800" b="1"/>
+            </a:lvl3pPr>
+            <a:lvl4pPr>
               <a:buNone/>
               <a:defRPr sz="1600" b="1"/>
-            </a:lvl6pPr>
-            <a:lvl7pPr marL="2743200" indent="0">
+            </a:lvl4pPr>
+            <a:lvl5pPr>
               <a:buNone/>
               <a:defRPr sz="1600" b="1"/>
-            </a:lvl7pPr>
-            <a:lvl8pPr marL="3200400" indent="0">
-              <a:buNone/>
-              <a:defRPr sz="1600" b="1"/>
-            </a:lvl8pPr>
-            <a:lvl9pPr marL="3657600" indent="0">
-              <a:buNone/>
-              <a:defRPr sz="1600" b="1"/>
-            </a:lvl9pPr>
+            </a:lvl5pPr>
           </a:lstStyle>
           <a:p>
-            <a:pPr lvl="0"/>
-            <a:r>
-              <a:rPr lang="en-US" smtClean="0"/>
+            <a:pPr lvl="0" eaLnBrk="1" latinLnBrk="0" hangingPunct="1"/>
+            <a:r>
+              <a:rPr kumimoji="0" lang="en-US" smtClean="0"/>
               <a:t>Click to edit Master text styles</a:t>
             </a:r>
           </a:p>
@@ -2345,13 +3072,13 @@
             <a:spLocks noGrp="1"/>
           </p:cNvSpPr>
           <p:nvPr>
-            <p:ph sz="half" idx="2"/>
+            <p:ph sz="quarter" idx="2"/>
           </p:nvPr>
         </p:nvSpPr>
         <p:spPr>
           <a:xfrm>
-            <a:off x="457200" y="2174875"/>
-            <a:ext cx="4040188" cy="3951288"/>
+            <a:off x="281444" y="1316037"/>
+            <a:ext cx="4290556" cy="3941763"/>
           </a:xfrm>
         </p:spPr>
         <p:txBody>
@@ -2372,136 +3099,59 @@
             <a:lvl5pPr>
               <a:defRPr sz="1600"/>
             </a:lvl5pPr>
-            <a:lvl6pPr>
-              <a:defRPr sz="1600"/>
-            </a:lvl6pPr>
-            <a:lvl7pPr>
-              <a:defRPr sz="1600"/>
-            </a:lvl7pPr>
-            <a:lvl8pPr>
-              <a:defRPr sz="1600"/>
-            </a:lvl8pPr>
-            <a:lvl9pPr>
-              <a:defRPr sz="1600"/>
-            </a:lvl9pPr>
           </a:lstStyle>
           <a:p>
-            <a:pPr lvl="0"/>
+            <a:pPr lvl="0" eaLnBrk="1" latinLnBrk="0" hangingPunct="1"/>
             <a:r>
               <a:rPr lang="en-US" smtClean="0"/>
               <a:t>Click to edit Master text styles</a:t>
             </a:r>
           </a:p>
           <a:p>
-            <a:pPr lvl="1"/>
+            <a:pPr lvl="1" eaLnBrk="1" latinLnBrk="0" hangingPunct="1"/>
             <a:r>
               <a:rPr lang="en-US" smtClean="0"/>
               <a:t>Second level</a:t>
             </a:r>
           </a:p>
           <a:p>
-            <a:pPr lvl="2"/>
+            <a:pPr lvl="2" eaLnBrk="1" latinLnBrk="0" hangingPunct="1"/>
             <a:r>
               <a:rPr lang="en-US" smtClean="0"/>
               <a:t>Third level</a:t>
             </a:r>
           </a:p>
           <a:p>
-            <a:pPr lvl="3"/>
+            <a:pPr lvl="3" eaLnBrk="1" latinLnBrk="0" hangingPunct="1"/>
             <a:r>
               <a:rPr lang="en-US" smtClean="0"/>
               <a:t>Fourth level</a:t>
             </a:r>
           </a:p>
           <a:p>
-            <a:pPr lvl="4"/>
+            <a:pPr lvl="4" eaLnBrk="1" latinLnBrk="0" hangingPunct="1"/>
             <a:r>
               <a:rPr lang="en-US" smtClean="0"/>
               <a:t>Fifth level</a:t>
             </a:r>
-            <a:endParaRPr lang="en-US"/>
-          </a:p>
-        </p:txBody>
-      </p:sp>
-      <p:sp>
-        <p:nvSpPr>
-          <p:cNvPr id="5" name="Text Placeholder 4"/>
-          <p:cNvSpPr>
-            <a:spLocks noGrp="1"/>
-          </p:cNvSpPr>
-          <p:nvPr>
-            <p:ph type="body" sz="quarter" idx="3"/>
+            <a:endParaRPr kumimoji="0" lang="en-US"/>
+          </a:p>
+        </p:txBody>
+      </p:sp>
+      <p:sp>
+        <p:nvSpPr>
+          <p:cNvPr id="28" name="Content Placeholder 27"/>
+          <p:cNvSpPr>
+            <a:spLocks noGrp="1"/>
+          </p:cNvSpPr>
+          <p:nvPr>
+            <p:ph sz="quarter" idx="4"/>
           </p:nvPr>
         </p:nvSpPr>
         <p:spPr>
           <a:xfrm>
-            <a:off x="4645025" y="1535113"/>
-            <a:ext cx="4041775" cy="639762"/>
-          </a:xfrm>
-        </p:spPr>
-        <p:txBody>
-          <a:bodyPr anchor="b"/>
-          <a:lstStyle>
-            <a:lvl1pPr marL="0" indent="0">
-              <a:buNone/>
-              <a:defRPr sz="2400" b="1"/>
-            </a:lvl1pPr>
-            <a:lvl2pPr marL="457200" indent="0">
-              <a:buNone/>
-              <a:defRPr sz="2000" b="1"/>
-            </a:lvl2pPr>
-            <a:lvl3pPr marL="914400" indent="0">
-              <a:buNone/>
-              <a:defRPr sz="1800" b="1"/>
-            </a:lvl3pPr>
-            <a:lvl4pPr marL="1371600" indent="0">
-              <a:buNone/>
-              <a:defRPr sz="1600" b="1"/>
-            </a:lvl4pPr>
-            <a:lvl5pPr marL="1828800" indent="0">
-              <a:buNone/>
-              <a:defRPr sz="1600" b="1"/>
-            </a:lvl5pPr>
-            <a:lvl6pPr marL="2286000" indent="0">
-              <a:buNone/>
-              <a:defRPr sz="1600" b="1"/>
-            </a:lvl6pPr>
-            <a:lvl7pPr marL="2743200" indent="0">
-              <a:buNone/>
-              <a:defRPr sz="1600" b="1"/>
-            </a:lvl7pPr>
-            <a:lvl8pPr marL="3200400" indent="0">
-              <a:buNone/>
-              <a:defRPr sz="1600" b="1"/>
-            </a:lvl8pPr>
-            <a:lvl9pPr marL="3657600" indent="0">
-              <a:buNone/>
-              <a:defRPr sz="1600" b="1"/>
-            </a:lvl9pPr>
-          </a:lstStyle>
-          <a:p>
-            <a:pPr lvl="0"/>
-            <a:r>
-              <a:rPr lang="en-US" smtClean="0"/>
-              <a:t>Click to edit Master text styles</a:t>
-            </a:r>
-          </a:p>
-        </p:txBody>
-      </p:sp>
-      <p:sp>
-        <p:nvSpPr>
-          <p:cNvPr id="6" name="Content Placeholder 5"/>
-          <p:cNvSpPr>
-            <a:spLocks noGrp="1"/>
-          </p:cNvSpPr>
-          <p:nvPr>
-            <p:ph sz="quarter" idx="4"/>
-          </p:nvPr>
-        </p:nvSpPr>
-        <p:spPr>
-          <a:xfrm>
-            <a:off x="4645025" y="2174875"/>
-            <a:ext cx="4041775" cy="3951288"/>
+            <a:off x="4648730" y="1316037"/>
+            <a:ext cx="4288536" cy="3941763"/>
           </a:xfrm>
         </p:spPr>
         <p:txBody>
@@ -2522,60 +3172,48 @@
             <a:lvl5pPr>
               <a:defRPr sz="1600"/>
             </a:lvl5pPr>
-            <a:lvl6pPr>
-              <a:defRPr sz="1600"/>
-            </a:lvl6pPr>
-            <a:lvl7pPr>
-              <a:defRPr sz="1600"/>
-            </a:lvl7pPr>
-            <a:lvl8pPr>
-              <a:defRPr sz="1600"/>
-            </a:lvl8pPr>
-            <a:lvl9pPr>
-              <a:defRPr sz="1600"/>
-            </a:lvl9pPr>
           </a:lstStyle>
           <a:p>
-            <a:pPr lvl="0"/>
+            <a:pPr lvl="0" eaLnBrk="1" latinLnBrk="0" hangingPunct="1"/>
             <a:r>
               <a:rPr lang="en-US" smtClean="0"/>
               <a:t>Click to edit Master text styles</a:t>
             </a:r>
           </a:p>
           <a:p>
-            <a:pPr lvl="1"/>
+            <a:pPr lvl="1" eaLnBrk="1" latinLnBrk="0" hangingPunct="1"/>
             <a:r>
               <a:rPr lang="en-US" smtClean="0"/>
               <a:t>Second level</a:t>
             </a:r>
           </a:p>
           <a:p>
-            <a:pPr lvl="2"/>
+            <a:pPr lvl="2" eaLnBrk="1" latinLnBrk="0" hangingPunct="1"/>
             <a:r>
               <a:rPr lang="en-US" smtClean="0"/>
               <a:t>Third level</a:t>
             </a:r>
           </a:p>
           <a:p>
-            <a:pPr lvl="3"/>
+            <a:pPr lvl="3" eaLnBrk="1" latinLnBrk="0" hangingPunct="1"/>
             <a:r>
               <a:rPr lang="en-US" smtClean="0"/>
               <a:t>Fourth level</a:t>
             </a:r>
           </a:p>
           <a:p>
-            <a:pPr lvl="4"/>
+            <a:pPr lvl="4" eaLnBrk="1" latinLnBrk="0" hangingPunct="1"/>
             <a:r>
               <a:rPr lang="en-US" smtClean="0"/>
               <a:t>Fifth level</a:t>
             </a:r>
-            <a:endParaRPr lang="en-US"/>
-          </a:p>
-        </p:txBody>
-      </p:sp>
-      <p:sp>
-        <p:nvSpPr>
-          <p:cNvPr id="7" name="Date Placeholder 6"/>
+            <a:endParaRPr kumimoji="0" lang="en-US"/>
+          </a:p>
+        </p:txBody>
+      </p:sp>
+      <p:sp>
+        <p:nvSpPr>
+          <p:cNvPr id="10" name="Date Placeholder 9"/>
           <p:cNvSpPr>
             <a:spLocks noGrp="1"/>
           </p:cNvSpPr>
@@ -2590,7 +3228,7 @@
           <a:p>
             <a:fld id="{BACB522A-172F-43EC-BE00-BEF294CBFD59}" type="datetimeFigureOut">
               <a:rPr lang="en-US" smtClean="0"/>
-              <a:t>5/17/2012</a:t>
+              <a:t>5/18/2012</a:t>
             </a:fld>
             <a:endParaRPr lang="en-US"/>
           </a:p>
@@ -2598,7 +3236,7 @@
       </p:sp>
       <p:sp>
         <p:nvSpPr>
-          <p:cNvPr id="8" name="Footer Placeholder 7"/>
+          <p:cNvPr id="6" name="Footer Placeholder 5"/>
           <p:cNvSpPr>
             <a:spLocks noGrp="1"/>
           </p:cNvSpPr>
@@ -2617,7 +3255,7 @@
       </p:sp>
       <p:sp>
         <p:nvSpPr>
-          <p:cNvPr id="9" name="Slide Number Placeholder 8"/>
+          <p:cNvPr id="7" name="Slide Number Placeholder 6"/>
           <p:cNvSpPr>
             <a:spLocks noGrp="1"/>
           </p:cNvSpPr>
@@ -2625,7 +3263,12 @@
             <p:ph type="sldNum" sz="quarter" idx="12"/>
           </p:nvPr>
         </p:nvSpPr>
-        <p:spPr/>
+        <p:spPr>
+          <a:xfrm>
+            <a:off x="8229600" y="6477000"/>
+            <a:ext cx="762000" cy="246888"/>
+          </a:xfrm>
+        </p:spPr>
         <p:txBody>
           <a:bodyPr/>
           <a:lstStyle/>
@@ -2638,12 +3281,57 @@
           </a:p>
         </p:txBody>
       </p:sp>
+      <p:sp>
+        <p:nvSpPr>
+          <p:cNvPr id="11" name="Straight Connector 10"/>
+          <p:cNvSpPr>
+            <a:spLocks noChangeShapeType="1"/>
+          </p:cNvSpPr>
+          <p:nvPr/>
+        </p:nvSpPr>
+        <p:spPr bwMode="auto">
+          <a:xfrm>
+            <a:off x="514350" y="6019800"/>
+            <a:ext cx="8629650" cy="2381"/>
+          </a:xfrm>
+          <a:prstGeom prst="line">
+            <a:avLst/>
+          </a:prstGeom>
+          <a:noFill/>
+          <a:ln w="9525" cap="flat" cmpd="sng" algn="ctr">
+            <a:gradFill flip="none" rotWithShape="1">
+              <a:gsLst>
+                <a:gs pos="0">
+                  <a:schemeClr val="accent1">
+                    <a:alpha val="0"/>
+                  </a:schemeClr>
+                </a:gs>
+                <a:gs pos="17000">
+                  <a:schemeClr val="accent1"/>
+                </a:gs>
+                <a:gs pos="100000">
+                  <a:schemeClr val="accent1"/>
+                </a:gs>
+              </a:gsLst>
+              <a:lin ang="0" scaled="1"/>
+              <a:tileRect/>
+            </a:gradFill>
+            <a:prstDash val="solid"/>
+            <a:round/>
+            <a:headEnd type="none" w="med" len="med"/>
+            <a:tailEnd type="none" w="med" len="med"/>
+          </a:ln>
+          <a:effectLst/>
+        </p:spPr>
+        <p:txBody>
+          <a:bodyPr vert="horz" wrap="square" lIns="91440" tIns="45720" rIns="91440" bIns="45720" anchor="t" compatLnSpc="1"/>
+          <a:lstStyle/>
+          <a:p>
+            <a:endParaRPr kumimoji="0" lang="en-US"/>
+          </a:p>
+        </p:txBody>
+      </p:sp>
     </p:spTree>
-    <p:extLst>
-      <p:ext uri="{BB962C8B-B14F-4D97-AF65-F5344CB8AC3E}">
-        <p14:creationId xmlns:p14="http://schemas.microsoft.com/office/powerpoint/2010/main" val="3567836244"/>
-      </p:ext>
-    </p:extLst>
   </p:cSld>
   <p:clrMapOvr>
     <a:masterClrMapping/>
@@ -2670,7 +3358,7 @@
       </p:grpSpPr>
       <p:sp>
         <p:nvSpPr>
-          <p:cNvPr id="2" name="Title 1"/>
+          <p:cNvPr id="30" name="Title 29"/>
           <p:cNvSpPr>
             <a:spLocks noGrp="1"/>
           </p:cNvSpPr>
@@ -2678,22 +3366,27 @@
             <p:ph type="title"/>
           </p:nvPr>
         </p:nvSpPr>
-        <p:spPr/>
+        <p:spPr>
+          <a:xfrm>
+            <a:off x="301752" y="457200"/>
+            <a:ext cx="8686800" cy="841248"/>
+          </a:xfrm>
+        </p:spPr>
         <p:txBody>
           <a:bodyPr/>
           <a:lstStyle/>
           <a:p>
             <a:r>
-              <a:rPr lang="en-US" smtClean="0"/>
+              <a:rPr kumimoji="0" lang="en-US" smtClean="0"/>
               <a:t>Click to edit Master title style</a:t>
             </a:r>
-            <a:endParaRPr lang="en-US"/>
-          </a:p>
-        </p:txBody>
-      </p:sp>
-      <p:sp>
-        <p:nvSpPr>
-          <p:cNvPr id="3" name="Date Placeholder 2"/>
+            <a:endParaRPr kumimoji="0" lang="en-US"/>
+          </a:p>
+        </p:txBody>
+      </p:sp>
+      <p:sp>
+        <p:nvSpPr>
+          <p:cNvPr id="12" name="Date Placeholder 11"/>
           <p:cNvSpPr>
             <a:spLocks noGrp="1"/>
           </p:cNvSpPr>
@@ -2708,7 +3401,7 @@
           <a:p>
             <a:fld id="{BACB522A-172F-43EC-BE00-BEF294CBFD59}" type="datetimeFigureOut">
               <a:rPr lang="en-US" smtClean="0"/>
-              <a:t>5/17/2012</a:t>
+              <a:t>5/18/2012</a:t>
             </a:fld>
             <a:endParaRPr lang="en-US"/>
           </a:p>
@@ -2716,7 +3409,7 @@
       </p:sp>
       <p:sp>
         <p:nvSpPr>
-          <p:cNvPr id="4" name="Footer Placeholder 3"/>
+          <p:cNvPr id="21" name="Footer Placeholder 20"/>
           <p:cNvSpPr>
             <a:spLocks noGrp="1"/>
           </p:cNvSpPr>
@@ -2735,7 +3428,7 @@
       </p:sp>
       <p:sp>
         <p:nvSpPr>
-          <p:cNvPr id="5" name="Slide Number Placeholder 4"/>
+          <p:cNvPr id="6" name="Slide Number Placeholder 5"/>
           <p:cNvSpPr>
             <a:spLocks noGrp="1"/>
           </p:cNvSpPr>
@@ -2757,11 +3450,6 @@
         </p:txBody>
       </p:sp>
     </p:spTree>
-    <p:extLst>
-      <p:ext uri="{BB962C8B-B14F-4D97-AF65-F5344CB8AC3E}">
-        <p14:creationId xmlns:p14="http://schemas.microsoft.com/office/powerpoint/2010/main" val="3044935872"/>
-      </p:ext>
-    </p:extLst>
   </p:cSld>
   <p:clrMapOvr>
     <a:masterClrMapping/>
@@ -2770,7 +3458,7 @@
 </file>
 
 <file path=ppt/slideLayouts/slideLayout7.xml><?xml version="1.0" encoding="utf-8"?>
-<p:sldLayout xmlns:a="http://schemas.openxmlformats.org/drawingml/2006/main" xmlns:r="http://schemas.openxmlformats.org/officeDocument/2006/relationships" xmlns:p="http://schemas.openxmlformats.org/presentationml/2006/main" type="blank" preserve="1">
+<p:sldLayout xmlns:a="http://schemas.openxmlformats.org/drawingml/2006/main" xmlns:r="http://schemas.openxmlformats.org/officeDocument/2006/relationships" xmlns:p="http://schemas.openxmlformats.org/presentationml/2006/main" showMasterSp="0" type="blank" preserve="1">
   <p:cSld name="Blank">
     <p:spTree>
       <p:nvGrpSpPr>
@@ -2788,7 +3476,7 @@
       </p:grpSpPr>
       <p:sp>
         <p:nvSpPr>
-          <p:cNvPr id="2" name="Date Placeholder 1"/>
+          <p:cNvPr id="3" name="Date Placeholder 2"/>
           <p:cNvSpPr>
             <a:spLocks noGrp="1"/>
           </p:cNvSpPr>
@@ -2803,7 +3491,7 @@
           <a:p>
             <a:fld id="{BACB522A-172F-43EC-BE00-BEF294CBFD59}" type="datetimeFigureOut">
               <a:rPr lang="en-US" smtClean="0"/>
-              <a:t>5/17/2012</a:t>
+              <a:t>5/18/2012</a:t>
             </a:fld>
             <a:endParaRPr lang="en-US"/>
           </a:p>
@@ -2811,7 +3499,7 @@
       </p:sp>
       <p:sp>
         <p:nvSpPr>
-          <p:cNvPr id="3" name="Footer Placeholder 2"/>
+          <p:cNvPr id="24" name="Footer Placeholder 23"/>
           <p:cNvSpPr>
             <a:spLocks noGrp="1"/>
           </p:cNvSpPr>
@@ -2830,7 +3518,7 @@
       </p:sp>
       <p:sp>
         <p:nvSpPr>
-          <p:cNvPr id="4" name="Slide Number Placeholder 3"/>
+          <p:cNvPr id="7" name="Slide Number Placeholder 6"/>
           <p:cNvSpPr>
             <a:spLocks noGrp="1"/>
           </p:cNvSpPr>
@@ -2852,11 +3540,6 @@
         </p:txBody>
       </p:sp>
     </p:spTree>
-    <p:extLst>
-      <p:ext uri="{BB962C8B-B14F-4D97-AF65-F5344CB8AC3E}">
-        <p14:creationId xmlns:p14="http://schemas.microsoft.com/office/powerpoint/2010/main" val="892446354"/>
-      </p:ext>
-    </p:extLst>
   </p:cSld>
   <p:clrMapOvr>
     <a:masterClrMapping/>
@@ -2865,7 +3548,7 @@
 </file>
 
 <file path=ppt/slideLayouts/slideLayout8.xml><?xml version="1.0" encoding="utf-8"?>
-<p:sldLayout xmlns:a="http://schemas.openxmlformats.org/drawingml/2006/main" xmlns:r="http://schemas.openxmlformats.org/officeDocument/2006/relationships" xmlns:p="http://schemas.openxmlformats.org/presentationml/2006/main" type="objTx" preserve="1">
+<p:sldLayout xmlns:a="http://schemas.openxmlformats.org/drawingml/2006/main" xmlns:r="http://schemas.openxmlformats.org/officeDocument/2006/relationships" xmlns:p="http://schemas.openxmlformats.org/presentationml/2006/main" showMasterSp="0" type="objTx" preserve="1">
   <p:cSld name="Content with Caption">
     <p:spTree>
       <p:nvGrpSpPr>
@@ -2883,7 +3566,57 @@
       </p:grpSpPr>
       <p:sp>
         <p:nvSpPr>
-          <p:cNvPr id="2" name="Title 1"/>
+          <p:cNvPr id="8" name="Straight Connector 7"/>
+          <p:cNvSpPr>
+            <a:spLocks noChangeShapeType="1"/>
+          </p:cNvSpPr>
+          <p:nvPr/>
+        </p:nvSpPr>
+        <p:spPr bwMode="auto">
+          <a:xfrm>
+            <a:off x="514350" y="5849117"/>
+            <a:ext cx="8629650" cy="2381"/>
+          </a:xfrm>
+          <a:prstGeom prst="line">
+            <a:avLst/>
+          </a:prstGeom>
+          <a:noFill/>
+          <a:ln w="9525" cap="flat" cmpd="sng" algn="ctr">
+            <a:gradFill flip="none" rotWithShape="1">
+              <a:gsLst>
+                <a:gs pos="0">
+                  <a:schemeClr val="accent1">
+                    <a:alpha val="0"/>
+                  </a:schemeClr>
+                </a:gs>
+                <a:gs pos="17000">
+                  <a:schemeClr val="accent1"/>
+                </a:gs>
+                <a:gs pos="100000">
+                  <a:schemeClr val="accent1"/>
+                </a:gs>
+              </a:gsLst>
+              <a:lin ang="0" scaled="1"/>
+              <a:tileRect/>
+            </a:gradFill>
+            <a:prstDash val="solid"/>
+            <a:round/>
+            <a:headEnd type="none" w="med" len="med"/>
+            <a:tailEnd type="none" w="med" len="med"/>
+          </a:ln>
+          <a:effectLst/>
+        </p:spPr>
+        <p:txBody>
+          <a:bodyPr vert="horz" wrap="square" lIns="91440" tIns="45720" rIns="91440" bIns="45720" anchor="t" compatLnSpc="1"/>
+          <a:lstStyle/>
+          <a:p>
+            <a:endParaRPr kumimoji="0" lang="en-US"/>
+          </a:p>
+        </p:txBody>
+      </p:sp>
+      <p:sp>
+        <p:nvSpPr>
+          <p:cNvPr id="12" name="Title 11"/>
           <p:cNvSpPr>
             <a:spLocks noGrp="1"/>
           </p:cNvSpPr>
@@ -2893,40 +3626,90 @@
         </p:nvSpPr>
         <p:spPr>
           <a:xfrm>
-            <a:off x="457200" y="273050"/>
-            <a:ext cx="3008313" cy="1162050"/>
+            <a:off x="457200" y="5486400"/>
+            <a:ext cx="8458200" cy="520700"/>
           </a:xfrm>
         </p:spPr>
         <p:txBody>
-          <a:bodyPr anchor="b"/>
+          <a:bodyPr anchor="ctr"/>
           <a:lstStyle>
             <a:lvl1pPr algn="l">
+              <a:buNone/>
               <a:defRPr sz="2000" b="1"/>
             </a:lvl1pPr>
           </a:lstStyle>
           <a:p>
             <a:r>
-              <a:rPr lang="en-US" smtClean="0"/>
+              <a:rPr kumimoji="0" lang="en-US" smtClean="0"/>
               <a:t>Click to edit Master title style</a:t>
             </a:r>
-            <a:endParaRPr lang="en-US"/>
-          </a:p>
-        </p:txBody>
-      </p:sp>
-      <p:sp>
-        <p:nvSpPr>
-          <p:cNvPr id="3" name="Content Placeholder 2"/>
-          <p:cNvSpPr>
-            <a:spLocks noGrp="1"/>
-          </p:cNvSpPr>
-          <p:nvPr>
-            <p:ph idx="1"/>
+            <a:endParaRPr kumimoji="0" lang="en-US"/>
+          </a:p>
+        </p:txBody>
+      </p:sp>
+      <p:sp>
+        <p:nvSpPr>
+          <p:cNvPr id="26" name="Text Placeholder 25"/>
+          <p:cNvSpPr>
+            <a:spLocks noGrp="1"/>
+          </p:cNvSpPr>
+          <p:nvPr>
+            <p:ph type="body" idx="2"/>
           </p:nvPr>
         </p:nvSpPr>
         <p:spPr>
           <a:xfrm>
-            <a:off x="3575050" y="273050"/>
-            <a:ext cx="5111750" cy="5853113"/>
+            <a:off x="457200" y="609600"/>
+            <a:ext cx="3008313" cy="4800600"/>
+          </a:xfrm>
+        </p:spPr>
+        <p:txBody>
+          <a:bodyPr/>
+          <a:lstStyle>
+            <a:lvl1pPr marL="0" indent="0">
+              <a:buNone/>
+              <a:defRPr sz="1400"/>
+            </a:lvl1pPr>
+            <a:lvl2pPr>
+              <a:buNone/>
+              <a:defRPr sz="1200"/>
+            </a:lvl2pPr>
+            <a:lvl3pPr>
+              <a:buNone/>
+              <a:defRPr sz="1000"/>
+            </a:lvl3pPr>
+            <a:lvl4pPr>
+              <a:buNone/>
+              <a:defRPr sz="900"/>
+            </a:lvl4pPr>
+            <a:lvl5pPr>
+              <a:buNone/>
+              <a:defRPr sz="900"/>
+            </a:lvl5pPr>
+          </a:lstStyle>
+          <a:p>
+            <a:pPr lvl="0" eaLnBrk="1" latinLnBrk="0" hangingPunct="1"/>
+            <a:r>
+              <a:rPr kumimoji="0" lang="en-US" smtClean="0"/>
+              <a:t>Click to edit Master text styles</a:t>
+            </a:r>
+          </a:p>
+        </p:txBody>
+      </p:sp>
+      <p:sp>
+        <p:nvSpPr>
+          <p:cNvPr id="14" name="Content Placeholder 13"/>
+          <p:cNvSpPr>
+            <a:spLocks noGrp="1"/>
+          </p:cNvSpPr>
+          <p:nvPr>
+            <p:ph sz="half" idx="1"/>
+          </p:nvPr>
+        </p:nvSpPr>
+        <p:spPr>
+          <a:xfrm>
+            <a:off x="3575050" y="609600"/>
+            <a:ext cx="5340350" cy="4800600"/>
           </a:xfrm>
         </p:spPr>
         <p:txBody>
@@ -2947,125 +3730,48 @@
             <a:lvl5pPr>
               <a:defRPr sz="2000"/>
             </a:lvl5pPr>
-            <a:lvl6pPr>
-              <a:defRPr sz="2000"/>
-            </a:lvl6pPr>
-            <a:lvl7pPr>
-              <a:defRPr sz="2000"/>
-            </a:lvl7pPr>
-            <a:lvl8pPr>
-              <a:defRPr sz="2000"/>
-            </a:lvl8pPr>
-            <a:lvl9pPr>
-              <a:defRPr sz="2000"/>
-            </a:lvl9pPr>
           </a:lstStyle>
           <a:p>
-            <a:pPr lvl="0"/>
+            <a:pPr lvl="0" eaLnBrk="1" latinLnBrk="0" hangingPunct="1"/>
             <a:r>
               <a:rPr lang="en-US" smtClean="0"/>
               <a:t>Click to edit Master text styles</a:t>
             </a:r>
           </a:p>
           <a:p>
-            <a:pPr lvl="1"/>
+            <a:pPr lvl="1" eaLnBrk="1" latinLnBrk="0" hangingPunct="1"/>
             <a:r>
               <a:rPr lang="en-US" smtClean="0"/>
               <a:t>Second level</a:t>
             </a:r>
           </a:p>
           <a:p>
-            <a:pPr lvl="2"/>
+            <a:pPr lvl="2" eaLnBrk="1" latinLnBrk="0" hangingPunct="1"/>
             <a:r>
               <a:rPr lang="en-US" smtClean="0"/>
               <a:t>Third level</a:t>
             </a:r>
           </a:p>
           <a:p>
-            <a:pPr lvl="3"/>
+            <a:pPr lvl="3" eaLnBrk="1" latinLnBrk="0" hangingPunct="1"/>
             <a:r>
               <a:rPr lang="en-US" smtClean="0"/>
               <a:t>Fourth level</a:t>
             </a:r>
           </a:p>
           <a:p>
-            <a:pPr lvl="4"/>
+            <a:pPr lvl="4" eaLnBrk="1" latinLnBrk="0" hangingPunct="1"/>
             <a:r>
               <a:rPr lang="en-US" smtClean="0"/>
               <a:t>Fifth level</a:t>
             </a:r>
-            <a:endParaRPr lang="en-US"/>
-          </a:p>
-        </p:txBody>
-      </p:sp>
-      <p:sp>
-        <p:nvSpPr>
-          <p:cNvPr id="4" name="Text Placeholder 3"/>
-          <p:cNvSpPr>
-            <a:spLocks noGrp="1"/>
-          </p:cNvSpPr>
-          <p:nvPr>
-            <p:ph type="body" sz="half" idx="2"/>
-          </p:nvPr>
-        </p:nvSpPr>
-        <p:spPr>
-          <a:xfrm>
-            <a:off x="457200" y="1435100"/>
-            <a:ext cx="3008313" cy="4691063"/>
-          </a:xfrm>
-        </p:spPr>
-        <p:txBody>
-          <a:bodyPr/>
-          <a:lstStyle>
-            <a:lvl1pPr marL="0" indent="0">
-              <a:buNone/>
-              <a:defRPr sz="1400"/>
-            </a:lvl1pPr>
-            <a:lvl2pPr marL="457200" indent="0">
-              <a:buNone/>
-              <a:defRPr sz="1200"/>
-            </a:lvl2pPr>
-            <a:lvl3pPr marL="914400" indent="0">
-              <a:buNone/>
-              <a:defRPr sz="1000"/>
-            </a:lvl3pPr>
-            <a:lvl4pPr marL="1371600" indent="0">
-              <a:buNone/>
-              <a:defRPr sz="900"/>
-            </a:lvl4pPr>
-            <a:lvl5pPr marL="1828800" indent="0">
-              <a:buNone/>
-              <a:defRPr sz="900"/>
-            </a:lvl5pPr>
-            <a:lvl6pPr marL="2286000" indent="0">
-              <a:buNone/>
-              <a:defRPr sz="900"/>
-            </a:lvl6pPr>
-            <a:lvl7pPr marL="2743200" indent="0">
-              <a:buNone/>
-              <a:defRPr sz="900"/>
-            </a:lvl7pPr>
-            <a:lvl8pPr marL="3200400" indent="0">
-              <a:buNone/>
-              <a:defRPr sz="900"/>
-            </a:lvl8pPr>
-            <a:lvl9pPr marL="3657600" indent="0">
-              <a:buNone/>
-              <a:defRPr sz="900"/>
-            </a:lvl9pPr>
-          </a:lstStyle>
-          <a:p>
-            <a:pPr lvl="0"/>
-            <a:r>
-              <a:rPr lang="en-US" smtClean="0"/>
-              <a:t>Click to edit Master text styles</a:t>
-            </a:r>
-          </a:p>
-        </p:txBody>
-      </p:sp>
-      <p:sp>
-        <p:nvSpPr>
-          <p:cNvPr id="5" name="Date Placeholder 4"/>
+            <a:endParaRPr kumimoji="0" lang="en-US"/>
+          </a:p>
+        </p:txBody>
+      </p:sp>
+      <p:sp>
+        <p:nvSpPr>
+          <p:cNvPr id="25" name="Date Placeholder 24"/>
           <p:cNvSpPr>
             <a:spLocks noGrp="1"/>
           </p:cNvSpPr>
@@ -3080,7 +3786,7 @@
           <a:p>
             <a:fld id="{BACB522A-172F-43EC-BE00-BEF294CBFD59}" type="datetimeFigureOut">
               <a:rPr lang="en-US" smtClean="0"/>
-              <a:t>5/17/2012</a:t>
+              <a:t>5/18/2012</a:t>
             </a:fld>
             <a:endParaRPr lang="en-US"/>
           </a:p>
@@ -3088,7 +3794,7 @@
       </p:sp>
       <p:sp>
         <p:nvSpPr>
-          <p:cNvPr id="6" name="Footer Placeholder 5"/>
+          <p:cNvPr id="29" name="Footer Placeholder 28"/>
           <p:cNvSpPr>
             <a:spLocks noGrp="1"/>
           </p:cNvSpPr>
@@ -3129,11 +3835,6 @@
         </p:txBody>
       </p:sp>
     </p:spTree>
-    <p:extLst>
-      <p:ext uri="{BB962C8B-B14F-4D97-AF65-F5344CB8AC3E}">
-        <p14:creationId xmlns:p14="http://schemas.microsoft.com/office/powerpoint/2010/main" val="4188250957"/>
-      </p:ext>
-    </p:extLst>
   </p:cSld>
   <p:clrMapOvr>
     <a:masterClrMapping/>
@@ -3142,7 +3843,7 @@
 </file>
 
 <file path=ppt/slideLayouts/slideLayout9.xml><?xml version="1.0" encoding="utf-8"?>
-<p:sldLayout xmlns:a="http://schemas.openxmlformats.org/drawingml/2006/main" xmlns:r="http://schemas.openxmlformats.org/officeDocument/2006/relationships" xmlns:p="http://schemas.openxmlformats.org/presentationml/2006/main" type="picTx" preserve="1">
+<p:sldLayout xmlns:a="http://schemas.openxmlformats.org/drawingml/2006/main" xmlns:r="http://schemas.openxmlformats.org/officeDocument/2006/relationships" xmlns:p="http://schemas.openxmlformats.org/presentationml/2006/main" showMasterSp="0" type="picTx" preserve="1">
   <p:cSld name="Picture with Caption">
     <p:spTree>
       <p:nvGrpSpPr>
@@ -3160,51 +3861,30 @@
       </p:grpSpPr>
       <p:sp>
         <p:nvSpPr>
-          <p:cNvPr id="2" name="Title 1"/>
-          <p:cNvSpPr>
-            <a:spLocks noGrp="1"/>
-          </p:cNvSpPr>
-          <p:nvPr>
-            <p:ph type="title"/>
+          <p:cNvPr id="13" name="Picture Placeholder 12"/>
+          <p:cNvSpPr>
+            <a:spLocks noGrp="1"/>
+          </p:cNvSpPr>
+          <p:nvPr>
+            <p:ph type="pic" idx="1"/>
           </p:nvPr>
         </p:nvSpPr>
         <p:spPr>
           <a:xfrm>
-            <a:off x="1792288" y="4800600"/>
-            <a:ext cx="5486400" cy="566738"/>
+            <a:off x="3505200" y="616634"/>
+            <a:ext cx="5029200" cy="3657600"/>
           </a:xfrm>
-        </p:spPr>
-        <p:txBody>
-          <a:bodyPr anchor="b"/>
-          <a:lstStyle>
-            <a:lvl1pPr algn="l">
-              <a:defRPr sz="2000" b="1"/>
-            </a:lvl1pPr>
-          </a:lstStyle>
-          <a:p>
-            <a:r>
-              <a:rPr lang="en-US" smtClean="0"/>
-              <a:t>Click to edit Master title style</a:t>
-            </a:r>
-            <a:endParaRPr lang="en-US"/>
-          </a:p>
-        </p:txBody>
-      </p:sp>
-      <p:sp>
-        <p:nvSpPr>
-          <p:cNvPr id="3" name="Picture Placeholder 2"/>
-          <p:cNvSpPr>
-            <a:spLocks noGrp="1"/>
-          </p:cNvSpPr>
-          <p:nvPr>
-            <p:ph type="pic" idx="1"/>
-          </p:nvPr>
-        </p:nvSpPr>
-        <p:spPr>
-          <a:xfrm>
-            <a:off x="1792288" y="612775"/>
-            <a:ext cx="5486400" cy="4114800"/>
-          </a:xfrm>
+          <a:solidFill>
+            <a:schemeClr val="bg1"/>
+          </a:solidFill>
+          <a:ln w="6350">
+            <a:solidFill>
+              <a:schemeClr val="accent1"/>
+            </a:solidFill>
+          </a:ln>
+          <a:effectLst>
+            <a:reflection blurRad="1000" stA="49000" endA="500" endPos="10000" dist="900" dir="5400000" sy="-90000" algn="bl" rotWithShape="0"/>
+          </a:effectLst>
         </p:spPr>
         <p:txBody>
           <a:bodyPr/>
@@ -3213,180 +3893,160 @@
               <a:buNone/>
               <a:defRPr sz="3200"/>
             </a:lvl1pPr>
-            <a:lvl2pPr marL="457200" indent="0">
-              <a:buNone/>
-              <a:defRPr sz="2800"/>
-            </a:lvl2pPr>
-            <a:lvl3pPr marL="914400" indent="0">
-              <a:buNone/>
-              <a:defRPr sz="2400"/>
-            </a:lvl3pPr>
-            <a:lvl4pPr marL="1371600" indent="0">
-              <a:buNone/>
-              <a:defRPr sz="2000"/>
-            </a:lvl4pPr>
-            <a:lvl5pPr marL="1828800" indent="0">
-              <a:buNone/>
-              <a:defRPr sz="2000"/>
-            </a:lvl5pPr>
-            <a:lvl6pPr marL="2286000" indent="0">
-              <a:buNone/>
-              <a:defRPr sz="2000"/>
-            </a:lvl6pPr>
-            <a:lvl7pPr marL="2743200" indent="0">
-              <a:buNone/>
-              <a:defRPr sz="2000"/>
-            </a:lvl7pPr>
-            <a:lvl8pPr marL="3200400" indent="0">
-              <a:buNone/>
-              <a:defRPr sz="2000"/>
-            </a:lvl8pPr>
-            <a:lvl9pPr marL="3657600" indent="0">
-              <a:buNone/>
-              <a:defRPr sz="2000"/>
-            </a:lvl9pPr>
           </a:lstStyle>
           <a:p>
+            <a:r>
+              <a:rPr kumimoji="0" lang="en-US" smtClean="0"/>
+              <a:t>Click icon to add picture</a:t>
+            </a:r>
+            <a:endParaRPr kumimoji="0" lang="en-US" dirty="0"/>
+          </a:p>
+        </p:txBody>
+      </p:sp>
+      <p:sp>
+        <p:nvSpPr>
+          <p:cNvPr id="7" name="Date Placeholder 6"/>
+          <p:cNvSpPr>
+            <a:spLocks noGrp="1"/>
+          </p:cNvSpPr>
+          <p:nvPr>
+            <p:ph type="dt" sz="half" idx="10"/>
+          </p:nvPr>
+        </p:nvSpPr>
+        <p:spPr/>
+        <p:txBody>
+          <a:bodyPr/>
+          <a:lstStyle/>
+          <a:p>
+            <a:fld id="{BACB522A-172F-43EC-BE00-BEF294CBFD59}" type="datetimeFigureOut">
+              <a:rPr lang="en-US" smtClean="0"/>
+              <a:t>5/18/2012</a:t>
+            </a:fld>
             <a:endParaRPr lang="en-US"/>
           </a:p>
         </p:txBody>
       </p:sp>
       <p:sp>
         <p:nvSpPr>
-          <p:cNvPr id="4" name="Text Placeholder 3"/>
-          <p:cNvSpPr>
-            <a:spLocks noGrp="1"/>
-          </p:cNvSpPr>
-          <p:nvPr>
-            <p:ph type="body" sz="half" idx="2"/>
+          <p:cNvPr id="5" name="Footer Placeholder 4"/>
+          <p:cNvSpPr>
+            <a:spLocks noGrp="1"/>
+          </p:cNvSpPr>
+          <p:nvPr>
+            <p:ph type="ftr" sz="quarter" idx="11"/>
+          </p:nvPr>
+        </p:nvSpPr>
+        <p:spPr/>
+        <p:txBody>
+          <a:bodyPr/>
+          <a:lstStyle/>
+          <a:p>
+            <a:endParaRPr lang="en-US"/>
+          </a:p>
+        </p:txBody>
+      </p:sp>
+      <p:sp>
+        <p:nvSpPr>
+          <p:cNvPr id="31" name="Slide Number Placeholder 30"/>
+          <p:cNvSpPr>
+            <a:spLocks noGrp="1"/>
+          </p:cNvSpPr>
+          <p:nvPr>
+            <p:ph type="sldNum" sz="quarter" idx="12"/>
+          </p:nvPr>
+        </p:nvSpPr>
+        <p:spPr/>
+        <p:txBody>
+          <a:bodyPr/>
+          <a:lstStyle/>
+          <a:p>
+            <a:fld id="{9B715B51-3949-4E15-950B-3BD591C459CF}" type="slidenum">
+              <a:rPr lang="en-US" smtClean="0"/>
+              <a:t>‹#›</a:t>
+            </a:fld>
+            <a:endParaRPr lang="en-US"/>
+          </a:p>
+        </p:txBody>
+      </p:sp>
+      <p:sp>
+        <p:nvSpPr>
+          <p:cNvPr id="17" name="Title 16"/>
+          <p:cNvSpPr>
+            <a:spLocks noGrp="1"/>
+          </p:cNvSpPr>
+          <p:nvPr>
+            <p:ph type="title"/>
           </p:nvPr>
         </p:nvSpPr>
         <p:spPr>
           <a:xfrm>
-            <a:off x="1792288" y="5367338"/>
-            <a:ext cx="5486400" cy="804862"/>
+            <a:off x="381000" y="4993760"/>
+            <a:ext cx="5867400" cy="522288"/>
           </a:xfrm>
         </p:spPr>
         <p:txBody>
-          <a:bodyPr/>
+          <a:bodyPr anchor="ctr"/>
+          <a:lstStyle>
+            <a:lvl1pPr algn="l">
+              <a:buNone/>
+              <a:defRPr sz="2000" b="1"/>
+            </a:lvl1pPr>
+          </a:lstStyle>
+          <a:p>
+            <a:r>
+              <a:rPr kumimoji="0" lang="en-US" smtClean="0"/>
+              <a:t>Click to edit Master title style</a:t>
+            </a:r>
+            <a:endParaRPr kumimoji="0" lang="en-US"/>
+          </a:p>
+        </p:txBody>
+      </p:sp>
+      <p:sp>
+        <p:nvSpPr>
+          <p:cNvPr id="26" name="Text Placeholder 25"/>
+          <p:cNvSpPr>
+            <a:spLocks noGrp="1"/>
+          </p:cNvSpPr>
+          <p:nvPr>
+            <p:ph type="body" sz="half" idx="2"/>
+          </p:nvPr>
+        </p:nvSpPr>
+        <p:spPr>
+          <a:xfrm>
+            <a:off x="381000" y="5533218"/>
+            <a:ext cx="5867400" cy="768350"/>
+          </a:xfrm>
+        </p:spPr>
+        <p:txBody>
+          <a:bodyPr lIns="109728" tIns="0"/>
           <a:lstStyle>
             <a:lvl1pPr marL="0" indent="0">
               <a:buNone/>
               <a:defRPr sz="1400"/>
             </a:lvl1pPr>
-            <a:lvl2pPr marL="457200" indent="0">
-              <a:buNone/>
+            <a:lvl2pPr>
               <a:defRPr sz="1200"/>
             </a:lvl2pPr>
-            <a:lvl3pPr marL="914400" indent="0">
-              <a:buNone/>
+            <a:lvl3pPr>
               <a:defRPr sz="1000"/>
             </a:lvl3pPr>
-            <a:lvl4pPr marL="1371600" indent="0">
-              <a:buNone/>
+            <a:lvl4pPr>
               <a:defRPr sz="900"/>
             </a:lvl4pPr>
-            <a:lvl5pPr marL="1828800" indent="0">
-              <a:buNone/>
+            <a:lvl5pPr>
               <a:defRPr sz="900"/>
             </a:lvl5pPr>
-            <a:lvl6pPr marL="2286000" indent="0">
-              <a:buNone/>
-              <a:defRPr sz="900"/>
-            </a:lvl6pPr>
-            <a:lvl7pPr marL="2743200" indent="0">
-              <a:buNone/>
-              <a:defRPr sz="900"/>
-            </a:lvl7pPr>
-            <a:lvl8pPr marL="3200400" indent="0">
-              <a:buNone/>
-              <a:defRPr sz="900"/>
-            </a:lvl8pPr>
-            <a:lvl9pPr marL="3657600" indent="0">
-              <a:buNone/>
-              <a:defRPr sz="900"/>
-            </a:lvl9pPr>
           </a:lstStyle>
           <a:p>
-            <a:pPr lvl="0"/>
-            <a:r>
-              <a:rPr lang="en-US" smtClean="0"/>
+            <a:pPr lvl="0" eaLnBrk="1" latinLnBrk="0" hangingPunct="1"/>
+            <a:r>
+              <a:rPr kumimoji="0" lang="en-US" smtClean="0"/>
               <a:t>Click to edit Master text styles</a:t>
             </a:r>
           </a:p>
         </p:txBody>
       </p:sp>
-      <p:sp>
-        <p:nvSpPr>
-          <p:cNvPr id="5" name="Date Placeholder 4"/>
-          <p:cNvSpPr>
-            <a:spLocks noGrp="1"/>
-          </p:cNvSpPr>
-          <p:nvPr>
-            <p:ph type="dt" sz="half" idx="10"/>
-          </p:nvPr>
-        </p:nvSpPr>
-        <p:spPr/>
-        <p:txBody>
-          <a:bodyPr/>
-          <a:lstStyle/>
-          <a:p>
-            <a:fld id="{BACB522A-172F-43EC-BE00-BEF294CBFD59}" type="datetimeFigureOut">
-              <a:rPr lang="en-US" smtClean="0"/>
-              <a:t>5/17/2012</a:t>
-            </a:fld>
-            <a:endParaRPr lang="en-US"/>
-          </a:p>
-        </p:txBody>
-      </p:sp>
-      <p:sp>
-        <p:nvSpPr>
-          <p:cNvPr id="6" name="Footer Placeholder 5"/>
-          <p:cNvSpPr>
-            <a:spLocks noGrp="1"/>
-          </p:cNvSpPr>
-          <p:nvPr>
-            <p:ph type="ftr" sz="quarter" idx="11"/>
-          </p:nvPr>
-        </p:nvSpPr>
-        <p:spPr/>
-        <p:txBody>
-          <a:bodyPr/>
-          <a:lstStyle/>
-          <a:p>
-            <a:endParaRPr lang="en-US"/>
-          </a:p>
-        </p:txBody>
-      </p:sp>
-      <p:sp>
-        <p:nvSpPr>
-          <p:cNvPr id="7" name="Slide Number Placeholder 6"/>
-          <p:cNvSpPr>
-            <a:spLocks noGrp="1"/>
-          </p:cNvSpPr>
-          <p:nvPr>
-            <p:ph type="sldNum" sz="quarter" idx="12"/>
-          </p:nvPr>
-        </p:nvSpPr>
-        <p:spPr/>
-        <p:txBody>
-          <a:bodyPr/>
-          <a:lstStyle/>
-          <a:p>
-            <a:fld id="{9B715B51-3949-4E15-950B-3BD591C459CF}" type="slidenum">
-              <a:rPr lang="en-US" smtClean="0"/>
-              <a:t>‹#›</a:t>
-            </a:fld>
-            <a:endParaRPr lang="en-US"/>
-          </a:p>
-        </p:txBody>
-      </p:sp>
     </p:spTree>
-    <p:extLst>
-      <p:ext uri="{BB962C8B-B14F-4D97-AF65-F5344CB8AC3E}">
-        <p14:creationId xmlns:p14="http://schemas.microsoft.com/office/powerpoint/2010/main" val="2176334205"/>
-      </p:ext>
-    </p:extLst>
   </p:cSld>
   <p:clrMapOvr>
     <a:masterClrMapping/>
@@ -3398,8 +4058,8 @@
 <p:sldMaster xmlns:a="http://schemas.openxmlformats.org/drawingml/2006/main" xmlns:r="http://schemas.openxmlformats.org/officeDocument/2006/relationships" xmlns:p="http://schemas.openxmlformats.org/presentationml/2006/main">
   <p:cSld>
     <p:bg>
-      <p:bgRef idx="1001">
-        <a:schemeClr val="bg1"/>
+      <p:bgRef idx="1003">
+        <a:schemeClr val="bg2"/>
       </p:bgRef>
     </p:bg>
     <p:spTree>
@@ -3418,250 +4078,398 @@
       </p:grpSpPr>
       <p:sp>
         <p:nvSpPr>
-          <p:cNvPr id="2" name="Title Placeholder 1"/>
-          <p:cNvSpPr>
-            <a:spLocks noGrp="1"/>
-          </p:cNvSpPr>
-          <p:nvPr>
-            <p:ph type="title"/>
+          <p:cNvPr id="7" name="Straight Connector 6"/>
+          <p:cNvSpPr>
+            <a:spLocks noChangeShapeType="1"/>
+          </p:cNvSpPr>
+          <p:nvPr/>
+        </p:nvSpPr>
+        <p:spPr bwMode="auto">
+          <a:xfrm>
+            <a:off x="514350" y="1050898"/>
+            <a:ext cx="8629650" cy="2381"/>
+          </a:xfrm>
+          <a:prstGeom prst="line">
+            <a:avLst/>
+          </a:prstGeom>
+          <a:noFill/>
+          <a:ln w="9525" cap="flat" cmpd="sng" algn="ctr">
+            <a:gradFill flip="none" rotWithShape="1">
+              <a:gsLst>
+                <a:gs pos="0">
+                  <a:schemeClr val="accent1">
+                    <a:alpha val="0"/>
+                  </a:schemeClr>
+                </a:gs>
+                <a:gs pos="17000">
+                  <a:schemeClr val="accent1"/>
+                </a:gs>
+                <a:gs pos="100000">
+                  <a:schemeClr val="accent1"/>
+                </a:gs>
+              </a:gsLst>
+              <a:lin ang="0" scaled="1"/>
+              <a:tileRect/>
+            </a:gradFill>
+            <a:prstDash val="solid"/>
+            <a:round/>
+            <a:headEnd type="none" w="med" len="med"/>
+            <a:tailEnd type="none" w="med" len="med"/>
+          </a:ln>
+          <a:effectLst/>
+        </p:spPr>
+        <p:txBody>
+          <a:bodyPr vert="horz" wrap="square" lIns="91440" tIns="45720" rIns="91440" bIns="45720" anchor="t" compatLnSpc="1"/>
+          <a:lstStyle/>
+          <a:p>
+            <a:endParaRPr kumimoji="0" lang="en-US"/>
+          </a:p>
+        </p:txBody>
+      </p:sp>
+      <p:sp>
+        <p:nvSpPr>
+          <p:cNvPr id="8" name="Text Placeholder 7"/>
+          <p:cNvSpPr>
+            <a:spLocks noGrp="1"/>
+          </p:cNvSpPr>
+          <p:nvPr>
+            <p:ph type="body" idx="1"/>
           </p:nvPr>
         </p:nvSpPr>
         <p:spPr>
           <a:xfrm>
-            <a:off x="457200" y="274638"/>
-            <a:ext cx="8229600" cy="1143000"/>
+            <a:off x="304800" y="1554162"/>
+            <a:ext cx="8686800" cy="4525963"/>
           </a:xfrm>
           <a:prstGeom prst="rect">
             <a:avLst/>
           </a:prstGeom>
         </p:spPr>
         <p:txBody>
-          <a:bodyPr vert="horz" lIns="91440" tIns="45720" rIns="91440" bIns="45720" rtlCol="0" anchor="ctr">
+          <a:bodyPr vert="horz">
             <a:normAutofit/>
           </a:bodyPr>
           <a:lstStyle/>
           <a:p>
-            <a:r>
-              <a:rPr lang="en-US" smtClean="0"/>
-              <a:t>Click to edit Master title style</a:t>
-            </a:r>
-            <a:endParaRPr lang="en-US"/>
-          </a:p>
-        </p:txBody>
-      </p:sp>
-      <p:sp>
-        <p:nvSpPr>
-          <p:cNvPr id="3" name="Text Placeholder 2"/>
-          <p:cNvSpPr>
-            <a:spLocks noGrp="1"/>
-          </p:cNvSpPr>
-          <p:nvPr>
-            <p:ph type="body" idx="1"/>
+            <a:pPr lvl="0" eaLnBrk="1" latinLnBrk="0" hangingPunct="1"/>
+            <a:r>
+              <a:rPr kumimoji="0" lang="en-US" smtClean="0"/>
+              <a:t>Click to edit Master text styles</a:t>
+            </a:r>
+          </a:p>
+          <a:p>
+            <a:pPr lvl="1" eaLnBrk="1" latinLnBrk="0" hangingPunct="1"/>
+            <a:r>
+              <a:rPr kumimoji="0" lang="en-US" smtClean="0"/>
+              <a:t>Second level</a:t>
+            </a:r>
+          </a:p>
+          <a:p>
+            <a:pPr lvl="2" eaLnBrk="1" latinLnBrk="0" hangingPunct="1"/>
+            <a:r>
+              <a:rPr kumimoji="0" lang="en-US" smtClean="0"/>
+              <a:t>Third level</a:t>
+            </a:r>
+          </a:p>
+          <a:p>
+            <a:pPr lvl="3" eaLnBrk="1" latinLnBrk="0" hangingPunct="1"/>
+            <a:r>
+              <a:rPr kumimoji="0" lang="en-US" smtClean="0"/>
+              <a:t>Fourth level</a:t>
+            </a:r>
+          </a:p>
+          <a:p>
+            <a:pPr lvl="4" eaLnBrk="1" latinLnBrk="0" hangingPunct="1"/>
+            <a:r>
+              <a:rPr kumimoji="0" lang="en-US" smtClean="0"/>
+              <a:t>Fifth level</a:t>
+            </a:r>
+            <a:endParaRPr kumimoji="0" lang="en-US"/>
+          </a:p>
+        </p:txBody>
+      </p:sp>
+      <p:sp>
+        <p:nvSpPr>
+          <p:cNvPr id="11" name="Date Placeholder 10"/>
+          <p:cNvSpPr>
+            <a:spLocks noGrp="1"/>
+          </p:cNvSpPr>
+          <p:nvPr>
+            <p:ph type="dt" sz="half" idx="2"/>
           </p:nvPr>
         </p:nvSpPr>
         <p:spPr>
           <a:xfrm>
-            <a:off x="457200" y="1600200"/>
-            <a:ext cx="8229600" cy="4525963"/>
+            <a:off x="6477000" y="76200"/>
+            <a:ext cx="2514600" cy="288925"/>
           </a:xfrm>
           <a:prstGeom prst="rect">
             <a:avLst/>
           </a:prstGeom>
         </p:spPr>
         <p:txBody>
-          <a:bodyPr vert="horz" lIns="91440" tIns="45720" rIns="91440" bIns="45720" rtlCol="0">
-            <a:normAutofit/>
-          </a:bodyPr>
-          <a:lstStyle/>
-          <a:p>
-            <a:pPr lvl="0"/>
-            <a:r>
-              <a:rPr lang="en-US" smtClean="0"/>
-              <a:t>Click to edit Master text styles</a:t>
-            </a:r>
-          </a:p>
-          <a:p>
-            <a:pPr lvl="1"/>
-            <a:r>
-              <a:rPr lang="en-US" smtClean="0"/>
-              <a:t>Second level</a:t>
-            </a:r>
-          </a:p>
-          <a:p>
-            <a:pPr lvl="2"/>
-            <a:r>
-              <a:rPr lang="en-US" smtClean="0"/>
-              <a:t>Third level</a:t>
-            </a:r>
-          </a:p>
-          <a:p>
-            <a:pPr lvl="3"/>
-            <a:r>
-              <a:rPr lang="en-US" smtClean="0"/>
-              <a:t>Fourth level</a:t>
-            </a:r>
-          </a:p>
-          <a:p>
-            <a:pPr lvl="4"/>
-            <a:r>
-              <a:rPr lang="en-US" smtClean="0"/>
-              <a:t>Fifth level</a:t>
-            </a:r>
+          <a:bodyPr vert="horz"/>
+          <a:lstStyle>
+            <a:lvl1pPr algn="l" eaLnBrk="1" latinLnBrk="0" hangingPunct="1">
+              <a:defRPr kumimoji="0" sz="1200">
+                <a:solidFill>
+                  <a:schemeClr val="accent1">
+                    <a:shade val="75000"/>
+                  </a:schemeClr>
+                </a:solidFill>
+              </a:defRPr>
+            </a:lvl1pPr>
+          </a:lstStyle>
+          <a:p>
+            <a:fld id="{BACB522A-172F-43EC-BE00-BEF294CBFD59}" type="datetimeFigureOut">
+              <a:rPr lang="en-US" smtClean="0"/>
+              <a:t>5/18/2012</a:t>
+            </a:fld>
             <a:endParaRPr lang="en-US"/>
           </a:p>
         </p:txBody>
       </p:sp>
       <p:sp>
         <p:nvSpPr>
-          <p:cNvPr id="4" name="Date Placeholder 3"/>
-          <p:cNvSpPr>
-            <a:spLocks noGrp="1"/>
-          </p:cNvSpPr>
-          <p:nvPr>
-            <p:ph type="dt" sz="half" idx="2"/>
+          <p:cNvPr id="28" name="Footer Placeholder 27"/>
+          <p:cNvSpPr>
+            <a:spLocks noGrp="1"/>
+          </p:cNvSpPr>
+          <p:nvPr>
+            <p:ph type="ftr" sz="quarter" idx="3"/>
           </p:nvPr>
         </p:nvSpPr>
         <p:spPr>
           <a:xfrm>
-            <a:off x="457200" y="6356350"/>
-            <a:ext cx="2133600" cy="365125"/>
+            <a:off x="3124200" y="76200"/>
+            <a:ext cx="3352800" cy="288925"/>
           </a:xfrm>
           <a:prstGeom prst="rect">
             <a:avLst/>
           </a:prstGeom>
         </p:spPr>
         <p:txBody>
-          <a:bodyPr vert="horz" lIns="91440" tIns="45720" rIns="91440" bIns="45720" rtlCol="0" anchor="ctr"/>
+          <a:bodyPr vert="horz"/>
           <a:lstStyle>
-            <a:lvl1pPr algn="l">
-              <a:defRPr sz="1200">
+            <a:lvl1pPr algn="r" eaLnBrk="1" latinLnBrk="0" hangingPunct="1">
+              <a:defRPr kumimoji="0" sz="1200">
                 <a:solidFill>
-                  <a:schemeClr val="tx1">
-                    <a:tint val="75000"/>
+                  <a:schemeClr val="accent1">
+                    <a:shade val="75000"/>
                   </a:schemeClr>
                 </a:solidFill>
               </a:defRPr>
             </a:lvl1pPr>
           </a:lstStyle>
           <a:p>
-            <a:fld id="{BACB522A-172F-43EC-BE00-BEF294CBFD59}" type="datetimeFigureOut">
-              <a:rPr lang="en-US" smtClean="0"/>
-              <a:t>5/17/2012</a:t>
-            </a:fld>
             <a:endParaRPr lang="en-US"/>
           </a:p>
         </p:txBody>
       </p:sp>
       <p:sp>
         <p:nvSpPr>
-          <p:cNvPr id="5" name="Footer Placeholder 4"/>
-          <p:cNvSpPr>
-            <a:spLocks noGrp="1"/>
-          </p:cNvSpPr>
-          <p:nvPr>
-            <p:ph type="ftr" sz="quarter" idx="3"/>
+          <p:cNvPr id="5" name="Slide Number Placeholder 4"/>
+          <p:cNvSpPr>
+            <a:spLocks noGrp="1"/>
+          </p:cNvSpPr>
+          <p:nvPr>
+            <p:ph type="sldNum" sz="quarter" idx="4"/>
           </p:nvPr>
         </p:nvSpPr>
         <p:spPr>
           <a:xfrm>
-            <a:off x="3124200" y="6356350"/>
-            <a:ext cx="2895600" cy="365125"/>
+            <a:off x="8229600" y="6477000"/>
+            <a:ext cx="762000" cy="244475"/>
           </a:xfrm>
           <a:prstGeom prst="rect">
             <a:avLst/>
           </a:prstGeom>
         </p:spPr>
         <p:txBody>
-          <a:bodyPr vert="horz" lIns="91440" tIns="45720" rIns="91440" bIns="45720" rtlCol="0" anchor="ctr"/>
+          <a:bodyPr vert="horz"/>
           <a:lstStyle>
-            <a:lvl1pPr algn="ctr">
-              <a:defRPr sz="1200">
+            <a:lvl1pPr algn="r" eaLnBrk="1" latinLnBrk="0" hangingPunct="1">
+              <a:defRPr kumimoji="0" sz="1200">
                 <a:solidFill>
-                  <a:schemeClr val="tx1">
-                    <a:tint val="75000"/>
+                  <a:schemeClr val="accent1">
+                    <a:shade val="75000"/>
                   </a:schemeClr>
                 </a:solidFill>
               </a:defRPr>
             </a:lvl1pPr>
           </a:lstStyle>
           <a:p>
+            <a:fld id="{9B715B51-3949-4E15-950B-3BD591C459CF}" type="slidenum">
+              <a:rPr lang="en-US" smtClean="0"/>
+              <a:t>‹#›</a:t>
+            </a:fld>
             <a:endParaRPr lang="en-US"/>
           </a:p>
         </p:txBody>
       </p:sp>
       <p:sp>
         <p:nvSpPr>
-          <p:cNvPr id="6" name="Slide Number Placeholder 5"/>
-          <p:cNvSpPr>
-            <a:spLocks noGrp="1"/>
-          </p:cNvSpPr>
-          <p:nvPr>
-            <p:ph type="sldNum" sz="quarter" idx="4"/>
+          <p:cNvPr id="10" name="Title Placeholder 9"/>
+          <p:cNvSpPr>
+            <a:spLocks noGrp="1"/>
+          </p:cNvSpPr>
+          <p:nvPr>
+            <p:ph type="title"/>
           </p:nvPr>
         </p:nvSpPr>
         <p:spPr>
           <a:xfrm>
-            <a:off x="6553200" y="6356350"/>
-            <a:ext cx="2133600" cy="365125"/>
+            <a:off x="304800" y="457200"/>
+            <a:ext cx="8686800" cy="838200"/>
           </a:xfrm>
           <a:prstGeom prst="rect">
             <a:avLst/>
           </a:prstGeom>
         </p:spPr>
         <p:txBody>
-          <a:bodyPr vert="horz" lIns="91440" tIns="45720" rIns="91440" bIns="45720" rtlCol="0" anchor="ctr"/>
-          <a:lstStyle>
-            <a:lvl1pPr algn="r">
-              <a:defRPr sz="1200">
-                <a:solidFill>
-                  <a:schemeClr val="tx1">
-                    <a:tint val="75000"/>
+          <a:bodyPr vert="horz" anchor="ctr">
+            <a:normAutofit/>
+          </a:bodyPr>
+          <a:lstStyle/>
+          <a:p>
+            <a:r>
+              <a:rPr kumimoji="0" lang="en-US" smtClean="0"/>
+              <a:t>Click to edit Master title style</a:t>
+            </a:r>
+            <a:endParaRPr kumimoji="0" lang="en-US"/>
+          </a:p>
+        </p:txBody>
+      </p:sp>
+      <p:sp>
+        <p:nvSpPr>
+          <p:cNvPr id="9" name="Straight Connector 8"/>
+          <p:cNvSpPr>
+            <a:spLocks noChangeShapeType="1"/>
+          </p:cNvSpPr>
+          <p:nvPr/>
+        </p:nvSpPr>
+        <p:spPr bwMode="auto">
+          <a:xfrm>
+            <a:off x="514350" y="1050898"/>
+            <a:ext cx="8629650" cy="2381"/>
+          </a:xfrm>
+          <a:prstGeom prst="line">
+            <a:avLst/>
+          </a:prstGeom>
+          <a:noFill/>
+          <a:ln w="9525" cap="flat" cmpd="sng" algn="ctr">
+            <a:gradFill flip="none" rotWithShape="1">
+              <a:gsLst>
+                <a:gs pos="0">
+                  <a:schemeClr val="accent1">
+                    <a:alpha val="0"/>
                   </a:schemeClr>
-                </a:solidFill>
-              </a:defRPr>
-            </a:lvl1pPr>
-          </a:lstStyle>
-          <a:p>
-            <a:fld id="{9B715B51-3949-4E15-950B-3BD591C459CF}" type="slidenum">
-              <a:rPr lang="en-US" smtClean="0"/>
-              <a:t>‹#›</a:t>
-            </a:fld>
-            <a:endParaRPr lang="en-US"/>
+                </a:gs>
+                <a:gs pos="17000">
+                  <a:schemeClr val="accent1"/>
+                </a:gs>
+                <a:gs pos="100000">
+                  <a:schemeClr val="accent1"/>
+                </a:gs>
+              </a:gsLst>
+              <a:lin ang="0" scaled="1"/>
+              <a:tileRect/>
+            </a:gradFill>
+            <a:prstDash val="solid"/>
+            <a:round/>
+            <a:headEnd type="none" w="med" len="med"/>
+            <a:tailEnd type="none" w="med" len="med"/>
+          </a:ln>
+          <a:effectLst/>
+        </p:spPr>
+        <p:txBody>
+          <a:bodyPr vert="horz" wrap="square" lIns="91440" tIns="45720" rIns="91440" bIns="45720" anchor="t" compatLnSpc="1"/>
+          <a:lstStyle/>
+          <a:p>
+            <a:endParaRPr kumimoji="0" lang="en-US"/>
+          </a:p>
+        </p:txBody>
+      </p:sp>
+      <p:sp>
+        <p:nvSpPr>
+          <p:cNvPr id="12" name="Straight Connector 11"/>
+          <p:cNvSpPr>
+            <a:spLocks noChangeShapeType="1"/>
+          </p:cNvSpPr>
+          <p:nvPr/>
+        </p:nvSpPr>
+        <p:spPr bwMode="auto">
+          <a:xfrm>
+            <a:off x="514350" y="1057986"/>
+            <a:ext cx="8629650" cy="2381"/>
+          </a:xfrm>
+          <a:prstGeom prst="line">
+            <a:avLst/>
+          </a:prstGeom>
+          <a:noFill/>
+          <a:ln w="9525" cap="flat" cmpd="sng" algn="ctr">
+            <a:gradFill flip="none" rotWithShape="1">
+              <a:gsLst>
+                <a:gs pos="0">
+                  <a:schemeClr val="accent1">
+                    <a:alpha val="0"/>
+                  </a:schemeClr>
+                </a:gs>
+                <a:gs pos="17000">
+                  <a:schemeClr val="accent1"/>
+                </a:gs>
+                <a:gs pos="100000">
+                  <a:schemeClr val="accent1"/>
+                </a:gs>
+              </a:gsLst>
+              <a:lin ang="0" scaled="1"/>
+              <a:tileRect/>
+            </a:gradFill>
+            <a:prstDash val="solid"/>
+            <a:round/>
+            <a:headEnd type="none" w="med" len="med"/>
+            <a:tailEnd type="none" w="med" len="med"/>
+          </a:ln>
+          <a:effectLst/>
+        </p:spPr>
+        <p:txBody>
+          <a:bodyPr vert="horz" wrap="square" lIns="91440" tIns="45720" rIns="91440" bIns="45720" anchor="t" compatLnSpc="1"/>
+          <a:lstStyle/>
+          <a:p>
+            <a:endParaRPr kumimoji="0" lang="en-US"/>
           </a:p>
         </p:txBody>
       </p:sp>
     </p:spTree>
-    <p:extLst>
-      <p:ext uri="{BB962C8B-B14F-4D97-AF65-F5344CB8AC3E}">
-        <p14:creationId xmlns:p14="http://schemas.microsoft.com/office/powerpoint/2010/main" val="1099532728"/>
-      </p:ext>
-    </p:extLst>
   </p:cSld>
   <p:clrMap bg1="lt1" tx1="dk1" bg2="lt2" tx2="dk2" accent1="accent1" accent2="accent2" accent3="accent3" accent4="accent4" accent5="accent5" accent6="accent6" hlink="hlink" folHlink="folHlink"/>
   <p:sldLayoutIdLst>
-    <p:sldLayoutId id="2147483649" r:id="rId1"/>
-    <p:sldLayoutId id="2147483650" r:id="rId2"/>
-    <p:sldLayoutId id="2147483651" r:id="rId3"/>
-    <p:sldLayoutId id="2147483652" r:id="rId4"/>
-    <p:sldLayoutId id="2147483653" r:id="rId5"/>
-    <p:sldLayoutId id="2147483654" r:id="rId6"/>
-    <p:sldLayoutId id="2147483655" r:id="rId7"/>
-    <p:sldLayoutId id="2147483656" r:id="rId8"/>
-    <p:sldLayoutId id="2147483657" r:id="rId9"/>
-    <p:sldLayoutId id="2147483658" r:id="rId10"/>
-    <p:sldLayoutId id="2147483659" r:id="rId11"/>
+    <p:sldLayoutId id="2147483697" r:id="rId1"/>
+    <p:sldLayoutId id="2147483698" r:id="rId2"/>
+    <p:sldLayoutId id="2147483699" r:id="rId3"/>
+    <p:sldLayoutId id="2147483700" r:id="rId4"/>
+    <p:sldLayoutId id="2147483701" r:id="rId5"/>
+    <p:sldLayoutId id="2147483702" r:id="rId6"/>
+    <p:sldLayoutId id="2147483703" r:id="rId7"/>
+    <p:sldLayoutId id="2147483704" r:id="rId8"/>
+    <p:sldLayoutId id="2147483705" r:id="rId9"/>
+    <p:sldLayoutId id="2147483706" r:id="rId10"/>
+    <p:sldLayoutId id="2147483707" r:id="rId11"/>
   </p:sldLayoutIdLst>
   <p:txStyles>
     <p:titleStyle>
-      <a:lvl1pPr algn="ctr" defTabSz="914400" rtl="0" eaLnBrk="1" latinLnBrk="0" hangingPunct="1">
+      <a:lvl1pPr algn="l" rtl="0" eaLnBrk="1" latinLnBrk="0" hangingPunct="1">
         <a:spcBef>
           <a:spcPct val="0"/>
         </a:spcBef>
         <a:buNone/>
-        <a:defRPr sz="4400" kern="1200">
+        <a:defRPr kumimoji="0" sz="3600" kern="1200" cap="all" baseline="0">
           <a:solidFill>
-            <a:schemeClr val="tx1"/>
+            <a:schemeClr val="tx2"/>
           </a:solidFill>
+          <a:effectLst>
+            <a:reflection blurRad="12700" stA="48000" endA="300" endPos="55000" dir="5400000" sy="-90000" algn="bl" rotWithShape="0"/>
+          </a:effectLst>
           <a:latin typeface="+mj-lt"/>
           <a:ea typeface="+mj-ea"/>
           <a:cs typeface="+mj-cs"/>
@@ -3669,13 +4477,181 @@
       </a:lvl1pPr>
     </p:titleStyle>
     <p:bodyStyle>
-      <a:lvl1pPr marL="342900" indent="-342900" algn="l" defTabSz="914400" rtl="0" eaLnBrk="1" latinLnBrk="0" hangingPunct="1">
+      <a:lvl1pPr marL="342900" indent="-342900" algn="l" rtl="0" eaLnBrk="1" latinLnBrk="0" hangingPunct="1">
         <a:spcBef>
           <a:spcPct val="20000"/>
         </a:spcBef>
-        <a:buFont typeface="Arial" pitchFamily="34" charset="0"/>
-        <a:buChar char="•"/>
-        <a:defRPr sz="3200" kern="1200">
+        <a:buClr>
+          <a:schemeClr val="accent1"/>
+        </a:buClr>
+        <a:buSzPct val="70000"/>
+        <a:buFont typeface="Wingdings 2"/>
+        <a:buChar char=""/>
+        <a:defRPr kumimoji="0" sz="3200" kern="1200">
+          <a:solidFill>
+            <a:schemeClr val="tx2"/>
+          </a:solidFill>
+          <a:latin typeface="+mn-lt"/>
+          <a:ea typeface="+mn-ea"/>
+          <a:cs typeface="+mn-cs"/>
+        </a:defRPr>
+      </a:lvl1pPr>
+      <a:lvl2pPr marL="742950" indent="-285750" algn="l" rtl="0" eaLnBrk="1" latinLnBrk="0" hangingPunct="1">
+        <a:spcBef>
+          <a:spcPct val="20000"/>
+        </a:spcBef>
+        <a:buClr>
+          <a:schemeClr val="accent1"/>
+        </a:buClr>
+        <a:buSzPct val="70000"/>
+        <a:buFont typeface="Wingdings 2"/>
+        <a:buChar char=""/>
+        <a:defRPr kumimoji="0" sz="2800" kern="1200">
+          <a:solidFill>
+            <a:schemeClr val="tx2"/>
+          </a:solidFill>
+          <a:latin typeface="+mn-lt"/>
+          <a:ea typeface="+mn-ea"/>
+          <a:cs typeface="+mn-cs"/>
+        </a:defRPr>
+      </a:lvl2pPr>
+      <a:lvl3pPr marL="1143000" indent="-228600" algn="l" rtl="0" eaLnBrk="1" latinLnBrk="0" hangingPunct="1">
+        <a:spcBef>
+          <a:spcPct val="20000"/>
+        </a:spcBef>
+        <a:buClr>
+          <a:schemeClr val="accent1"/>
+        </a:buClr>
+        <a:buSzPct val="70000"/>
+        <a:buFont typeface="Wingdings 2"/>
+        <a:buChar char=""/>
+        <a:defRPr kumimoji="0" sz="2400" kern="1200">
+          <a:solidFill>
+            <a:schemeClr val="tx2"/>
+          </a:solidFill>
+          <a:latin typeface="+mn-lt"/>
+          <a:ea typeface="+mn-ea"/>
+          <a:cs typeface="+mn-cs"/>
+        </a:defRPr>
+      </a:lvl3pPr>
+      <a:lvl4pPr marL="1600200" indent="-228600" algn="l" rtl="0" eaLnBrk="1" latinLnBrk="0" hangingPunct="1">
+        <a:spcBef>
+          <a:spcPct val="20000"/>
+        </a:spcBef>
+        <a:buClr>
+          <a:schemeClr val="accent1"/>
+        </a:buClr>
+        <a:buSzPct val="70000"/>
+        <a:buFont typeface="Wingdings 2"/>
+        <a:buChar char=""/>
+        <a:defRPr kumimoji="0" sz="2000" kern="1200">
+          <a:solidFill>
+            <a:schemeClr val="tx2"/>
+          </a:solidFill>
+          <a:latin typeface="+mn-lt"/>
+          <a:ea typeface="+mn-ea"/>
+          <a:cs typeface="+mn-cs"/>
+        </a:defRPr>
+      </a:lvl4pPr>
+      <a:lvl5pPr marL="2057400" indent="-228600" algn="l" rtl="0" eaLnBrk="1" latinLnBrk="0" hangingPunct="1">
+        <a:spcBef>
+          <a:spcPct val="20000"/>
+        </a:spcBef>
+        <a:buClr>
+          <a:schemeClr val="accent1"/>
+        </a:buClr>
+        <a:buSzPct val="60000"/>
+        <a:buFont typeface="Wingdings 2"/>
+        <a:buChar char=""/>
+        <a:defRPr kumimoji="0" sz="1800" kern="1200">
+          <a:solidFill>
+            <a:schemeClr val="tx2"/>
+          </a:solidFill>
+          <a:latin typeface="+mn-lt"/>
+          <a:ea typeface="+mn-ea"/>
+          <a:cs typeface="+mn-cs"/>
+        </a:defRPr>
+      </a:lvl5pPr>
+      <a:lvl6pPr marL="2514600" indent="-228600" algn="l" rtl="0" eaLnBrk="1" latinLnBrk="0" hangingPunct="1">
+        <a:spcBef>
+          <a:spcPct val="20000"/>
+        </a:spcBef>
+        <a:buClr>
+          <a:schemeClr val="accent1"/>
+        </a:buClr>
+        <a:buSzPct val="60000"/>
+        <a:buFont typeface="Wingdings 2"/>
+        <a:buChar char=""/>
+        <a:defRPr kumimoji="0" sz="1800" kern="1200">
+          <a:solidFill>
+            <a:schemeClr val="tx2"/>
+          </a:solidFill>
+          <a:latin typeface="+mn-lt"/>
+          <a:ea typeface="+mn-ea"/>
+          <a:cs typeface="+mn-cs"/>
+        </a:defRPr>
+      </a:lvl6pPr>
+      <a:lvl7pPr marL="2971800" indent="-228600" algn="l" rtl="0" eaLnBrk="1" latinLnBrk="0" hangingPunct="1">
+        <a:spcBef>
+          <a:spcPct val="20000"/>
+        </a:spcBef>
+        <a:buClr>
+          <a:schemeClr val="accent1"/>
+        </a:buClr>
+        <a:buSzPct val="60000"/>
+        <a:buFont typeface="Wingdings 2"/>
+        <a:buChar char=""/>
+        <a:defRPr kumimoji="0" sz="1600" kern="1200">
+          <a:solidFill>
+            <a:schemeClr val="tx2"/>
+          </a:solidFill>
+          <a:latin typeface="+mn-lt"/>
+          <a:ea typeface="+mn-ea"/>
+          <a:cs typeface="+mn-cs"/>
+        </a:defRPr>
+      </a:lvl7pPr>
+      <a:lvl8pPr marL="3429000" indent="-228600" algn="l" rtl="0" eaLnBrk="1" latinLnBrk="0" hangingPunct="1">
+        <a:spcBef>
+          <a:spcPct val="20000"/>
+        </a:spcBef>
+        <a:buClr>
+          <a:schemeClr val="accent1"/>
+        </a:buClr>
+        <a:buSzPct val="60000"/>
+        <a:buFont typeface="Wingdings 2"/>
+        <a:buChar char=""/>
+        <a:defRPr kumimoji="0" sz="1600" kern="1200" baseline="0">
+          <a:solidFill>
+            <a:schemeClr val="tx2"/>
+          </a:solidFill>
+          <a:latin typeface="+mn-lt"/>
+          <a:ea typeface="+mn-ea"/>
+          <a:cs typeface="+mn-cs"/>
+        </a:defRPr>
+      </a:lvl8pPr>
+      <a:lvl9pPr marL="3886200" indent="-228600" algn="l" rtl="0" eaLnBrk="1" latinLnBrk="0" hangingPunct="1">
+        <a:spcBef>
+          <a:spcPct val="20000"/>
+        </a:spcBef>
+        <a:buClr>
+          <a:schemeClr val="accent1"/>
+        </a:buClr>
+        <a:buSzPct val="60000"/>
+        <a:buFont typeface="Wingdings 2"/>
+        <a:buChar char=""/>
+        <a:defRPr kumimoji="0" sz="1400" kern="1200" baseline="0">
+          <a:solidFill>
+            <a:schemeClr val="tx2"/>
+          </a:solidFill>
+          <a:latin typeface="+mn-lt"/>
+          <a:ea typeface="+mn-ea"/>
+          <a:cs typeface="+mn-cs"/>
+        </a:defRPr>
+      </a:lvl9pPr>
+    </p:bodyStyle>
+    <p:otherStyle>
+      <a:lvl1pPr marL="0" algn="l" rtl="0" eaLnBrk="1" latinLnBrk="0" hangingPunct="1">
+        <a:defRPr kumimoji="0" kern="1200">
           <a:solidFill>
             <a:schemeClr val="tx1"/>
           </a:solidFill>
@@ -3684,13 +4660,8 @@
           <a:cs typeface="+mn-cs"/>
         </a:defRPr>
       </a:lvl1pPr>
-      <a:lvl2pPr marL="742950" indent="-285750" algn="l" defTabSz="914400" rtl="0" eaLnBrk="1" latinLnBrk="0" hangingPunct="1">
-        <a:spcBef>
-          <a:spcPct val="20000"/>
-        </a:spcBef>
-        <a:buFont typeface="Arial" pitchFamily="34" charset="0"/>
-        <a:buChar char="–"/>
-        <a:defRPr sz="2800" kern="1200">
+      <a:lvl2pPr marL="457200" algn="l" rtl="0" eaLnBrk="1" latinLnBrk="0" hangingPunct="1">
+        <a:defRPr kumimoji="0" kern="1200">
           <a:solidFill>
             <a:schemeClr val="tx1"/>
           </a:solidFill>
@@ -3699,13 +4670,8 @@
           <a:cs typeface="+mn-cs"/>
         </a:defRPr>
       </a:lvl2pPr>
-      <a:lvl3pPr marL="1143000" indent="-228600" algn="l" defTabSz="914400" rtl="0" eaLnBrk="1" latinLnBrk="0" hangingPunct="1">
-        <a:spcBef>
-          <a:spcPct val="20000"/>
-        </a:spcBef>
-        <a:buFont typeface="Arial" pitchFamily="34" charset="0"/>
-        <a:buChar char="•"/>
-        <a:defRPr sz="2400" kern="1200">
+      <a:lvl3pPr marL="914400" algn="l" rtl="0" eaLnBrk="1" latinLnBrk="0" hangingPunct="1">
+        <a:defRPr kumimoji="0" kern="1200">
           <a:solidFill>
             <a:schemeClr val="tx1"/>
           </a:solidFill>
@@ -3714,13 +4680,8 @@
           <a:cs typeface="+mn-cs"/>
         </a:defRPr>
       </a:lvl3pPr>
-      <a:lvl4pPr marL="1600200" indent="-228600" algn="l" defTabSz="914400" rtl="0" eaLnBrk="1" latinLnBrk="0" hangingPunct="1">
-        <a:spcBef>
-          <a:spcPct val="20000"/>
-        </a:spcBef>
-        <a:buFont typeface="Arial" pitchFamily="34" charset="0"/>
-        <a:buChar char="–"/>
-        <a:defRPr sz="2000" kern="1200">
+      <a:lvl4pPr marL="1371600" algn="l" rtl="0" eaLnBrk="1" latinLnBrk="0" hangingPunct="1">
+        <a:defRPr kumimoji="0" kern="1200">
           <a:solidFill>
             <a:schemeClr val="tx1"/>
           </a:solidFill>
@@ -3729,13 +4690,8 @@
           <a:cs typeface="+mn-cs"/>
         </a:defRPr>
       </a:lvl4pPr>
-      <a:lvl5pPr marL="2057400" indent="-228600" algn="l" defTabSz="914400" rtl="0" eaLnBrk="1" latinLnBrk="0" hangingPunct="1">
-        <a:spcBef>
-          <a:spcPct val="20000"/>
-        </a:spcBef>
-        <a:buFont typeface="Arial" pitchFamily="34" charset="0"/>
-        <a:buChar char="»"/>
-        <a:defRPr sz="2000" kern="1200">
+      <a:lvl5pPr marL="1828800" algn="l" rtl="0" eaLnBrk="1" latinLnBrk="0" hangingPunct="1">
+        <a:defRPr kumimoji="0" kern="1200">
           <a:solidFill>
             <a:schemeClr val="tx1"/>
           </a:solidFill>
@@ -3744,13 +4700,8 @@
           <a:cs typeface="+mn-cs"/>
         </a:defRPr>
       </a:lvl5pPr>
-      <a:lvl6pPr marL="2514600" indent="-228600" algn="l" defTabSz="914400" rtl="0" eaLnBrk="1" latinLnBrk="0" hangingPunct="1">
-        <a:spcBef>
-          <a:spcPct val="20000"/>
-        </a:spcBef>
-        <a:buFont typeface="Arial" pitchFamily="34" charset="0"/>
-        <a:buChar char="•"/>
-        <a:defRPr sz="2000" kern="1200">
+      <a:lvl6pPr marL="2286000" algn="l" rtl="0" eaLnBrk="1" latinLnBrk="0" hangingPunct="1">
+        <a:defRPr kumimoji="0" kern="1200">
           <a:solidFill>
             <a:schemeClr val="tx1"/>
           </a:solidFill>
@@ -3759,13 +4710,8 @@
           <a:cs typeface="+mn-cs"/>
         </a:defRPr>
       </a:lvl6pPr>
-      <a:lvl7pPr marL="2971800" indent="-228600" algn="l" defTabSz="914400" rtl="0" eaLnBrk="1" latinLnBrk="0" hangingPunct="1">
-        <a:spcBef>
-          <a:spcPct val="20000"/>
-        </a:spcBef>
-        <a:buFont typeface="Arial" pitchFamily="34" charset="0"/>
-        <a:buChar char="•"/>
-        <a:defRPr sz="2000" kern="1200">
+      <a:lvl7pPr marL="2743200" algn="l" rtl="0" eaLnBrk="1" latinLnBrk="0" hangingPunct="1">
+        <a:defRPr kumimoji="0" kern="1200">
           <a:solidFill>
             <a:schemeClr val="tx1"/>
           </a:solidFill>
@@ -3774,13 +4720,8 @@
           <a:cs typeface="+mn-cs"/>
         </a:defRPr>
       </a:lvl7pPr>
-      <a:lvl8pPr marL="3429000" indent="-228600" algn="l" defTabSz="914400" rtl="0" eaLnBrk="1" latinLnBrk="0" hangingPunct="1">
-        <a:spcBef>
-          <a:spcPct val="20000"/>
-        </a:spcBef>
-        <a:buFont typeface="Arial" pitchFamily="34" charset="0"/>
-        <a:buChar char="•"/>
-        <a:defRPr sz="2000" kern="1200">
+      <a:lvl8pPr marL="3200400" algn="l" rtl="0" eaLnBrk="1" latinLnBrk="0" hangingPunct="1">
+        <a:defRPr kumimoji="0" kern="1200">
           <a:solidFill>
             <a:schemeClr val="tx1"/>
           </a:solidFill>
@@ -3789,108 +4730,8 @@
           <a:cs typeface="+mn-cs"/>
         </a:defRPr>
       </a:lvl8pPr>
-      <a:lvl9pPr marL="3886200" indent="-228600" algn="l" defTabSz="914400" rtl="0" eaLnBrk="1" latinLnBrk="0" hangingPunct="1">
-        <a:spcBef>
-          <a:spcPct val="20000"/>
-        </a:spcBef>
-        <a:buFont typeface="Arial" pitchFamily="34" charset="0"/>
-        <a:buChar char="•"/>
-        <a:defRPr sz="2000" kern="1200">
-          <a:solidFill>
-            <a:schemeClr val="tx1"/>
-          </a:solidFill>
-          <a:latin typeface="+mn-lt"/>
-          <a:ea typeface="+mn-ea"/>
-          <a:cs typeface="+mn-cs"/>
-        </a:defRPr>
-      </a:lvl9pPr>
-    </p:bodyStyle>
-    <p:otherStyle>
-      <a:defPPr>
-        <a:defRPr lang="en-US"/>
-      </a:defPPr>
-      <a:lvl1pPr marL="0" algn="l" defTabSz="914400" rtl="0" eaLnBrk="1" latinLnBrk="0" hangingPunct="1">
-        <a:defRPr sz="1800" kern="1200">
-          <a:solidFill>
-            <a:schemeClr val="tx1"/>
-          </a:solidFill>
-          <a:latin typeface="+mn-lt"/>
-          <a:ea typeface="+mn-ea"/>
-          <a:cs typeface="+mn-cs"/>
-        </a:defRPr>
-      </a:lvl1pPr>
-      <a:lvl2pPr marL="457200" algn="l" defTabSz="914400" rtl="0" eaLnBrk="1" latinLnBrk="0" hangingPunct="1">
-        <a:defRPr sz="1800" kern="1200">
-          <a:solidFill>
-            <a:schemeClr val="tx1"/>
-          </a:solidFill>
-          <a:latin typeface="+mn-lt"/>
-          <a:ea typeface="+mn-ea"/>
-          <a:cs typeface="+mn-cs"/>
-        </a:defRPr>
-      </a:lvl2pPr>
-      <a:lvl3pPr marL="914400" algn="l" defTabSz="914400" rtl="0" eaLnBrk="1" latinLnBrk="0" hangingPunct="1">
-        <a:defRPr sz="1800" kern="1200">
-          <a:solidFill>
-            <a:schemeClr val="tx1"/>
-          </a:solidFill>
-          <a:latin typeface="+mn-lt"/>
-          <a:ea typeface="+mn-ea"/>
-          <a:cs typeface="+mn-cs"/>
-        </a:defRPr>
-      </a:lvl3pPr>
-      <a:lvl4pPr marL="1371600" algn="l" defTabSz="914400" rtl="0" eaLnBrk="1" latinLnBrk="0" hangingPunct="1">
-        <a:defRPr sz="1800" kern="1200">
-          <a:solidFill>
-            <a:schemeClr val="tx1"/>
-          </a:solidFill>
-          <a:latin typeface="+mn-lt"/>
-          <a:ea typeface="+mn-ea"/>
-          <a:cs typeface="+mn-cs"/>
-        </a:defRPr>
-      </a:lvl4pPr>
-      <a:lvl5pPr marL="1828800" algn="l" defTabSz="914400" rtl="0" eaLnBrk="1" latinLnBrk="0" hangingPunct="1">
-        <a:defRPr sz="1800" kern="1200">
-          <a:solidFill>
-            <a:schemeClr val="tx1"/>
-          </a:solidFill>
-          <a:latin typeface="+mn-lt"/>
-          <a:ea typeface="+mn-ea"/>
-          <a:cs typeface="+mn-cs"/>
-        </a:defRPr>
-      </a:lvl5pPr>
-      <a:lvl6pPr marL="2286000" algn="l" defTabSz="914400" rtl="0" eaLnBrk="1" latinLnBrk="0" hangingPunct="1">
-        <a:defRPr sz="1800" kern="1200">
-          <a:solidFill>
-            <a:schemeClr val="tx1"/>
-          </a:solidFill>
-          <a:latin typeface="+mn-lt"/>
-          <a:ea typeface="+mn-ea"/>
-          <a:cs typeface="+mn-cs"/>
-        </a:defRPr>
-      </a:lvl6pPr>
-      <a:lvl7pPr marL="2743200" algn="l" defTabSz="914400" rtl="0" eaLnBrk="1" latinLnBrk="0" hangingPunct="1">
-        <a:defRPr sz="1800" kern="1200">
-          <a:solidFill>
-            <a:schemeClr val="tx1"/>
-          </a:solidFill>
-          <a:latin typeface="+mn-lt"/>
-          <a:ea typeface="+mn-ea"/>
-          <a:cs typeface="+mn-cs"/>
-        </a:defRPr>
-      </a:lvl7pPr>
-      <a:lvl8pPr marL="3200400" algn="l" defTabSz="914400" rtl="0" eaLnBrk="1" latinLnBrk="0" hangingPunct="1">
-        <a:defRPr sz="1800" kern="1200">
-          <a:solidFill>
-            <a:schemeClr val="tx1"/>
-          </a:solidFill>
-          <a:latin typeface="+mn-lt"/>
-          <a:ea typeface="+mn-ea"/>
-          <a:cs typeface="+mn-cs"/>
-        </a:defRPr>
-      </a:lvl8pPr>
-      <a:lvl9pPr marL="3657600" algn="l" defTabSz="914400" rtl="0" eaLnBrk="1" latinLnBrk="0" hangingPunct="1">
-        <a:defRPr sz="1800" kern="1200">
+      <a:lvl9pPr marL="3657600" algn="l" rtl="0" eaLnBrk="1" latinLnBrk="0" hangingPunct="1">
+        <a:defRPr kumimoji="0" kern="1200">
           <a:solidFill>
             <a:schemeClr val="tx1"/>
           </a:solidFill>
@@ -3956,9 +4797,27 @@
         </p:nvSpPr>
         <p:spPr/>
         <p:txBody>
-          <a:bodyPr/>
+          <a:bodyPr>
+            <a:normAutofit fontScale="77500" lnSpcReduction="20000"/>
+          </a:bodyPr>
           <a:lstStyle/>
           <a:p>
+            <a:r>
+              <a:rPr lang="en-US" dirty="0" smtClean="0"/>
+              <a:t>Jake Schuenke</a:t>
+            </a:r>
+          </a:p>
+          <a:p>
+            <a:r>
+              <a:rPr lang="en-US" dirty="0" smtClean="0"/>
+              <a:t>Tyler Shelton</a:t>
+            </a:r>
+          </a:p>
+          <a:p>
+            <a:r>
+              <a:rPr lang="en-US" dirty="0" smtClean="0"/>
+              <a:t>Matt Spurr</a:t>
+            </a:r>
             <a:endParaRPr lang="en-US" dirty="0"/>
           </a:p>
         </p:txBody>
@@ -4431,7 +5290,7 @@
         </p:nvSpPr>
         <p:spPr>
           <a:xfrm>
-            <a:off x="304800" y="1234289"/>
+            <a:off x="304800" y="802802"/>
             <a:ext cx="8674811" cy="923330"/>
           </a:xfrm>
           <a:prstGeom prst="rect">
@@ -4572,7 +5431,7 @@
           <a:p>
             <a:r>
               <a:rPr lang="en-US" dirty="0" smtClean="0"/>
-              <a:t>Metrics Used</a:t>
+              <a:t>What We Learned</a:t>
             </a:r>
             <a:endParaRPr lang="en-US" dirty="0"/>
           </a:p>
@@ -4594,35 +5453,27 @@
           <a:lstStyle/>
           <a:p>
             <a:r>
-              <a:rPr lang="en-US" dirty="0"/>
-              <a:t>Percentage of Test Passed</a:t>
-            </a:r>
-          </a:p>
-          <a:p>
-            <a:r>
-              <a:rPr lang="en-US" dirty="0"/>
-              <a:t>Afferent Coupling</a:t>
-            </a:r>
-          </a:p>
-          <a:p>
-            <a:r>
-              <a:rPr lang="en-US" dirty="0"/>
-              <a:t>Efferent Coupling</a:t>
-            </a:r>
-          </a:p>
-          <a:p>
-            <a:r>
-              <a:rPr lang="en-US" dirty="0"/>
-              <a:t>Method Lines of Code </a:t>
-            </a:r>
-          </a:p>
-          <a:p>
-            <a:r>
-              <a:rPr lang="en-US" dirty="0"/>
-              <a:t>Depth of Inheritance Tree</a:t>
-            </a:r>
-          </a:p>
-          <a:p>
+              <a:rPr lang="en-US" dirty="0" smtClean="0"/>
+              <a:t>You have to have a very good plan</a:t>
+            </a:r>
+          </a:p>
+          <a:p>
+            <a:endParaRPr lang="en-US" dirty="0" smtClean="0"/>
+          </a:p>
+          <a:p>
+            <a:r>
+              <a:rPr lang="en-US" dirty="0" smtClean="0"/>
+              <a:t>You have to really understand the tools you use</a:t>
+            </a:r>
+          </a:p>
+          <a:p>
+            <a:endParaRPr lang="en-US" dirty="0"/>
+          </a:p>
+          <a:p>
+            <a:r>
+              <a:rPr lang="en-US" dirty="0" smtClean="0"/>
+              <a:t>Thinking about how you are going to test makes it easier to implement</a:t>
+            </a:r>
             <a:endParaRPr lang="en-US" dirty="0"/>
           </a:p>
         </p:txBody>
@@ -4630,7 +5481,7 @@
     </p:spTree>
     <p:extLst>
       <p:ext uri="{BB962C8B-B14F-4D97-AF65-F5344CB8AC3E}">
-        <p14:creationId xmlns:p14="http://schemas.microsoft.com/office/powerpoint/2010/main" val="1434219414"/>
+        <p14:creationId xmlns:p14="http://schemas.microsoft.com/office/powerpoint/2010/main" val="1627696018"/>
       </p:ext>
     </p:extLst>
   </p:cSld>
@@ -4681,7 +5532,7 @@
           <a:p>
             <a:r>
               <a:rPr lang="en-US" dirty="0" smtClean="0"/>
-              <a:t>Metrics Through Time</a:t>
+              <a:t>Metrics Used</a:t>
             </a:r>
             <a:endParaRPr lang="en-US" dirty="0"/>
           </a:p>
@@ -4702,10 +5553,175 @@
           <a:bodyPr/>
           <a:lstStyle/>
           <a:p>
-            <a:endParaRPr lang="en-US"/>
-          </a:p>
-        </p:txBody>
-      </p:sp>
+            <a:r>
+              <a:rPr lang="en-US" dirty="0"/>
+              <a:t>Percentage of </a:t>
+            </a:r>
+            <a:r>
+              <a:rPr lang="en-US" dirty="0" smtClean="0"/>
+              <a:t>Tests </a:t>
+            </a:r>
+            <a:r>
+              <a:rPr lang="en-US" dirty="0"/>
+              <a:t>Passed</a:t>
+            </a:r>
+          </a:p>
+          <a:p>
+            <a:r>
+              <a:rPr lang="en-US" dirty="0"/>
+              <a:t>Afferent Coupling</a:t>
+            </a:r>
+          </a:p>
+          <a:p>
+            <a:r>
+              <a:rPr lang="en-US" dirty="0"/>
+              <a:t>Efferent Coupling</a:t>
+            </a:r>
+          </a:p>
+          <a:p>
+            <a:r>
+              <a:rPr lang="en-US" dirty="0"/>
+              <a:t>Method Lines of Code </a:t>
+            </a:r>
+          </a:p>
+          <a:p>
+            <a:r>
+              <a:rPr lang="en-US" dirty="0"/>
+              <a:t>Depth of Inheritance Tree</a:t>
+            </a:r>
+          </a:p>
+          <a:p>
+            <a:endParaRPr lang="en-US" dirty="0"/>
+          </a:p>
+        </p:txBody>
+      </p:sp>
+    </p:spTree>
+    <p:extLst>
+      <p:ext uri="{BB962C8B-B14F-4D97-AF65-F5344CB8AC3E}">
+        <p14:creationId xmlns:p14="http://schemas.microsoft.com/office/powerpoint/2010/main" val="1434219414"/>
+      </p:ext>
+    </p:extLst>
+  </p:cSld>
+  <p:clrMapOvr>
+    <a:masterClrMapping/>
+  </p:clrMapOvr>
+  <p:timing>
+    <p:tnLst>
+      <p:par>
+        <p:cTn id="1" dur="indefinite" restart="never" nodeType="tmRoot"/>
+      </p:par>
+    </p:tnLst>
+  </p:timing>
+</p:sld>
+</file>
+
+<file path=ppt/slides/slide7.xml><?xml version="1.0" encoding="utf-8"?>
+<p:sld xmlns:a="http://schemas.openxmlformats.org/drawingml/2006/main" xmlns:r="http://schemas.openxmlformats.org/officeDocument/2006/relationships" xmlns:p="http://schemas.openxmlformats.org/presentationml/2006/main">
+  <p:cSld>
+    <p:spTree>
+      <p:nvGrpSpPr>
+        <p:cNvPr id="1" name=""/>
+        <p:cNvGrpSpPr/>
+        <p:nvPr/>
+      </p:nvGrpSpPr>
+      <p:grpSpPr>
+        <a:xfrm>
+          <a:off x="0" y="0"/>
+          <a:ext cx="0" cy="0"/>
+          <a:chOff x="0" y="0"/>
+          <a:chExt cx="0" cy="0"/>
+        </a:xfrm>
+      </p:grpSpPr>
+      <p:sp>
+        <p:nvSpPr>
+          <p:cNvPr id="2" name="Title 1"/>
+          <p:cNvSpPr>
+            <a:spLocks noGrp="1"/>
+          </p:cNvSpPr>
+          <p:nvPr>
+            <p:ph type="title"/>
+          </p:nvPr>
+        </p:nvSpPr>
+        <p:spPr/>
+        <p:txBody>
+          <a:bodyPr/>
+          <a:lstStyle/>
+          <a:p>
+            <a:r>
+              <a:rPr lang="en-US" dirty="0" smtClean="0"/>
+              <a:t>Metrics Through Time</a:t>
+            </a:r>
+            <a:endParaRPr lang="en-US" dirty="0"/>
+          </a:p>
+        </p:txBody>
+      </p:sp>
+      <p:sp>
+        <p:nvSpPr>
+          <p:cNvPr id="3" name="Content Placeholder 2"/>
+          <p:cNvSpPr>
+            <a:spLocks noGrp="1"/>
+          </p:cNvSpPr>
+          <p:nvPr>
+            <p:ph idx="1"/>
+          </p:nvPr>
+        </p:nvSpPr>
+        <p:spPr/>
+        <p:txBody>
+          <a:bodyPr/>
+          <a:lstStyle/>
+          <a:p>
+            <a:endParaRPr lang="en-US" dirty="0"/>
+          </a:p>
+        </p:txBody>
+      </p:sp>
+      <p:graphicFrame>
+        <p:nvGraphicFramePr>
+          <p:cNvPr id="5" name="Chart 4" title="Metrics"/>
+          <p:cNvGraphicFramePr>
+            <a:graphicFrameLocks/>
+          </p:cNvGraphicFramePr>
+          <p:nvPr>
+            <p:extLst>
+              <p:ext uri="{D42A27DB-BD31-4B8C-83A1-F6EECF244321}">
+                <p14:modId xmlns:p14="http://schemas.microsoft.com/office/powerpoint/2010/main" val="347087436"/>
+              </p:ext>
+            </p:extLst>
+          </p:nvPr>
+        </p:nvGraphicFramePr>
+        <p:xfrm>
+          <a:off x="4419600" y="2590800"/>
+          <a:ext cx="4572000" cy="2838450"/>
+        </p:xfrm>
+        <a:graphic>
+          <a:graphicData uri="http://schemas.openxmlformats.org/drawingml/2006/chart">
+            <c:chart xmlns:c="http://schemas.openxmlformats.org/drawingml/2006/chart" xmlns:r="http://schemas.openxmlformats.org/officeDocument/2006/relationships" r:id="rId2"/>
+          </a:graphicData>
+        </a:graphic>
+      </p:graphicFrame>
+      <p:graphicFrame>
+        <p:nvGraphicFramePr>
+          <p:cNvPr id="6" name="Chart 5"/>
+          <p:cNvGraphicFramePr>
+            <a:graphicFrameLocks/>
+          </p:cNvGraphicFramePr>
+          <p:nvPr>
+            <p:extLst>
+              <p:ext uri="{D42A27DB-BD31-4B8C-83A1-F6EECF244321}">
+                <p14:modId xmlns:p14="http://schemas.microsoft.com/office/powerpoint/2010/main" val="2782570196"/>
+              </p:ext>
+            </p:extLst>
+          </p:nvPr>
+        </p:nvGraphicFramePr>
+        <p:xfrm>
+          <a:off x="0" y="2590800"/>
+          <a:ext cx="4168239" cy="2743200"/>
+        </p:xfrm>
+        <a:graphic>
+          <a:graphicData uri="http://schemas.openxmlformats.org/drawingml/2006/chart">
+            <c:chart xmlns:c="http://schemas.openxmlformats.org/drawingml/2006/chart" xmlns:r="http://schemas.openxmlformats.org/officeDocument/2006/relationships" r:id="rId3"/>
+          </a:graphicData>
+        </a:graphic>
+      </p:graphicFrame>
     </p:spTree>
     <p:extLst>
       <p:ext uri="{BB962C8B-B14F-4D97-AF65-F5344CB8AC3E}">
@@ -4727,9 +5743,9 @@
 </file>
 
 <file path=ppt/theme/theme1.xml><?xml version="1.0" encoding="utf-8"?>
-<a:theme xmlns:a="http://schemas.openxmlformats.org/drawingml/2006/main" name="Office Theme">
+<a:theme xmlns:a="http://schemas.openxmlformats.org/drawingml/2006/main" name="Trek">
   <a:themeElements>
-    <a:clrScheme name="Office">
+    <a:clrScheme name="Trek">
       <a:dk1>
         <a:sysClr val="windowText" lastClr="000000"/>
       </a:dk1>
@@ -4737,83 +5753,48 @@
         <a:sysClr val="window" lastClr="FFFFFF"/>
       </a:lt1>
       <a:dk2>
-        <a:srgbClr val="1F497D"/>
+        <a:srgbClr val="4E3B30"/>
       </a:dk2>
       <a:lt2>
-        <a:srgbClr val="EEECE1"/>
+        <a:srgbClr val="FBEEC9"/>
       </a:lt2>
       <a:accent1>
-        <a:srgbClr val="4F81BD"/>
+        <a:srgbClr val="F0A22E"/>
       </a:accent1>
       <a:accent2>
-        <a:srgbClr val="C0504D"/>
+        <a:srgbClr val="A5644E"/>
       </a:accent2>
       <a:accent3>
-        <a:srgbClr val="9BBB59"/>
+        <a:srgbClr val="B58B80"/>
       </a:accent3>
       <a:accent4>
-        <a:srgbClr val="8064A2"/>
+        <a:srgbClr val="C3986D"/>
       </a:accent4>
       <a:accent5>
-        <a:srgbClr val="4BACC6"/>
+        <a:srgbClr val="A19574"/>
       </a:accent5>
       <a:accent6>
-        <a:srgbClr val="F79646"/>
+        <a:srgbClr val="C17529"/>
       </a:accent6>
       <a:hlink>
-        <a:srgbClr val="0000FF"/>
+        <a:srgbClr val="AD1F1F"/>
       </a:hlink>
       <a:folHlink>
-        <a:srgbClr val="800080"/>
+        <a:srgbClr val="FFC42F"/>
       </a:folHlink>
     </a:clrScheme>
-    <a:fontScheme name="Office">
+    <a:fontScheme name="Trek">
       <a:majorFont>
-        <a:latin typeface="Calibri"/>
+        <a:latin typeface="Franklin Gothic Medium"/>
         <a:ea typeface=""/>
         <a:cs typeface=""/>
-        <a:font script="Jpan" typeface="ＭＳ Ｐゴシック"/>
-        <a:font script="Hang" typeface="맑은 고딕"/>
-        <a:font script="Hans" typeface="宋体"/>
-        <a:font script="Hant" typeface="新細明體"/>
-        <a:font script="Arab" typeface="Times New Roman"/>
-        <a:font script="Hebr" typeface="Times New Roman"/>
-        <a:font script="Thai" typeface="Angsana New"/>
-        <a:font script="Ethi" typeface="Nyala"/>
-        <a:font script="Beng" typeface="Vrinda"/>
-        <a:font script="Gujr" typeface="Shruti"/>
-        <a:font script="Khmr" typeface="MoolBoran"/>
-        <a:font script="Knda" typeface="Tunga"/>
-        <a:font script="Guru" typeface="Raavi"/>
-        <a:font script="Cans" typeface="Euphemia"/>
-        <a:font script="Cher" typeface="Plantagenet Cherokee"/>
-        <a:font script="Yiii" typeface="Microsoft Yi Baiti"/>
-        <a:font script="Tibt" typeface="Microsoft Himalaya"/>
-        <a:font script="Thaa" typeface="MV Boli"/>
-        <a:font script="Deva" typeface="Mangal"/>
-        <a:font script="Telu" typeface="Gautami"/>
-        <a:font script="Taml" typeface="Latha"/>
-        <a:font script="Syrc" typeface="Estrangelo Edessa"/>
-        <a:font script="Orya" typeface="Kalinga"/>
-        <a:font script="Mlym" typeface="Kartika"/>
-        <a:font script="Laoo" typeface="DokChampa"/>
-        <a:font script="Sinh" typeface="Iskoola Pota"/>
-        <a:font script="Mong" typeface="Mongolian Baiti"/>
-        <a:font script="Viet" typeface="Times New Roman"/>
-        <a:font script="Uigh" typeface="Microsoft Uighur"/>
-        <a:font script="Geor" typeface="Sylfaen"/>
-      </a:majorFont>
-      <a:minorFont>
-        <a:latin typeface="Calibri"/>
-        <a:ea typeface=""/>
-        <a:cs typeface=""/>
-        <a:font script="Jpan" typeface="ＭＳ Ｐゴシック"/>
-        <a:font script="Hang" typeface="맑은 고딕"/>
-        <a:font script="Hans" typeface="宋体"/>
-        <a:font script="Hant" typeface="新細明體"/>
-        <a:font script="Arab" typeface="Arial"/>
-        <a:font script="Hebr" typeface="Arial"/>
-        <a:font script="Thai" typeface="Cordia New"/>
+        <a:font script="Jpan" typeface="HG創英角ｺﾞｼｯｸUB"/>
+        <a:font script="Hang" typeface="돋움"/>
+        <a:font script="Hans" typeface="隶书"/>
+        <a:font script="Hant" typeface="微軟正黑體"/>
+        <a:font script="Arab" typeface="Tahoma"/>
+        <a:font script="Hebr" typeface="Aharoni"/>
+        <a:font script="Thai" typeface="LilyUPC"/>
         <a:font script="Ethi" typeface="Nyala"/>
         <a:font script="Beng" typeface="Vrinda"/>
         <a:font script="Gujr" typeface="Shruti"/>
@@ -4837,9 +5818,44 @@
         <a:font script="Viet" typeface="Arial"/>
         <a:font script="Uigh" typeface="Microsoft Uighur"/>
         <a:font script="Geor" typeface="Sylfaen"/>
+      </a:majorFont>
+      <a:minorFont>
+        <a:latin typeface="Franklin Gothic Book"/>
+        <a:ea typeface=""/>
+        <a:cs typeface=""/>
+        <a:font script="Jpan" typeface="HGｺﾞｼｯｸE"/>
+        <a:font script="Hang" typeface="돋움"/>
+        <a:font script="Hans" typeface="华文楷体"/>
+        <a:font script="Hant" typeface="微軟正黑體"/>
+        <a:font script="Arab" typeface="Tahoma"/>
+        <a:font script="Hebr" typeface="Aharoni"/>
+        <a:font script="Thai" typeface="LilyUPC"/>
+        <a:font script="Ethi" typeface="Nyala"/>
+        <a:font script="Beng" typeface="Vrinda"/>
+        <a:font script="Gujr" typeface="Shruti"/>
+        <a:font script="Khmr" typeface="DaunPenh"/>
+        <a:font script="Knda" typeface="Tunga"/>
+        <a:font script="Guru" typeface="Raavi"/>
+        <a:font script="Cans" typeface="Euphemia"/>
+        <a:font script="Cher" typeface="Plantagenet Cherokee"/>
+        <a:font script="Yiii" typeface="Microsoft Yi Baiti"/>
+        <a:font script="Tibt" typeface="Microsoft Himalaya"/>
+        <a:font script="Thaa" typeface="MV Boli"/>
+        <a:font script="Deva" typeface="Mangal"/>
+        <a:font script="Telu" typeface="Gautami"/>
+        <a:font script="Taml" typeface="Latha"/>
+        <a:font script="Syrc" typeface="Estrangelo Edessa"/>
+        <a:font script="Orya" typeface="Kalinga"/>
+        <a:font script="Mlym" typeface="Kartika"/>
+        <a:font script="Laoo" typeface="DokChampa"/>
+        <a:font script="Sinh" typeface="Iskoola Pota"/>
+        <a:font script="Mong" typeface="Mongolian Baiti"/>
+        <a:font script="Viet" typeface="Tahoma"/>
+        <a:font script="Uigh" typeface="Microsoft Uighur"/>
+        <a:font script="Geor" typeface="Sylfaen"/>
       </a:minorFont>
     </a:fontScheme>
-    <a:fmtScheme name="Office">
+    <a:fmtScheme name="Trek">
       <a:fillStyleLst>
         <a:solidFill>
           <a:schemeClr val="phClr"/>
@@ -4848,56 +5864,77 @@
           <a:gsLst>
             <a:gs pos="0">
               <a:schemeClr val="phClr">
-                <a:tint val="50000"/>
-                <a:satMod val="300000"/>
+                <a:tint val="30000"/>
+                <a:satMod val="250000"/>
               </a:schemeClr>
             </a:gs>
-            <a:gs pos="35000">
+            <a:gs pos="72000">
               <a:schemeClr val="phClr">
-                <a:tint val="37000"/>
-                <a:satMod val="300000"/>
+                <a:tint val="75000"/>
+                <a:satMod val="210000"/>
               </a:schemeClr>
             </a:gs>
             <a:gs pos="100000">
               <a:schemeClr val="phClr">
-                <a:tint val="15000"/>
-                <a:satMod val="350000"/>
+                <a:tint val="85000"/>
+                <a:satMod val="210000"/>
               </a:schemeClr>
             </a:gs>
           </a:gsLst>
-          <a:lin ang="16200000" scaled="1"/>
+          <a:lin ang="5400000" scaled="1"/>
         </a:gradFill>
         <a:gradFill rotWithShape="1">
           <a:gsLst>
             <a:gs pos="0">
               <a:schemeClr val="phClr">
-                <a:shade val="51000"/>
-                <a:satMod val="130000"/>
+                <a:tint val="75000"/>
+                <a:shade val="85000"/>
+                <a:satMod val="230000"/>
+              </a:schemeClr>
+            </a:gs>
+            <a:gs pos="25000">
+              <a:schemeClr val="phClr">
+                <a:tint val="90000"/>
+                <a:shade val="70000"/>
+                <a:satMod val="220000"/>
+              </a:schemeClr>
+            </a:gs>
+            <a:gs pos="50000">
+              <a:schemeClr val="phClr">
+                <a:tint val="90000"/>
+                <a:shade val="58000"/>
+                <a:satMod val="225000"/>
+              </a:schemeClr>
+            </a:gs>
+            <a:gs pos="65000">
+              <a:schemeClr val="phClr">
+                <a:tint val="90000"/>
+                <a:shade val="58000"/>
+                <a:satMod val="225000"/>
               </a:schemeClr>
             </a:gs>
             <a:gs pos="80000">
               <a:schemeClr val="phClr">
-                <a:shade val="93000"/>
-                <a:satMod val="130000"/>
+                <a:tint val="90000"/>
+                <a:shade val="69000"/>
+                <a:satMod val="220000"/>
               </a:schemeClr>
             </a:gs>
             <a:gs pos="100000">
               <a:schemeClr val="phClr">
-                <a:shade val="94000"/>
-                <a:satMod val="135000"/>
+                <a:tint val="77000"/>
+                <a:shade val="80000"/>
+                <a:satMod val="230000"/>
               </a:schemeClr>
             </a:gs>
           </a:gsLst>
-          <a:lin ang="16200000" scaled="0"/>
+          <a:lin ang="5400000" scaled="1"/>
         </a:gradFill>
       </a:fillStyleLst>
       <a:lnStyleLst>
-        <a:ln w="9525" cap="flat" cmpd="sng" algn="ctr">
+        <a:ln w="10000" cap="flat" cmpd="sng" algn="ctr">
           <a:solidFill>
-            <a:schemeClr val="phClr">
-              <a:shade val="95000"/>
-              <a:satMod val="105000"/>
-            </a:schemeClr>
+            <a:schemeClr val="phClr"/>
           </a:solidFill>
           <a:prstDash val="solid"/>
         </a:ln>
@@ -4917,27 +5954,18 @@
       <a:effectStyleLst>
         <a:effectStyle>
           <a:effectLst>
-            <a:outerShdw blurRad="40000" dist="20000" dir="5400000" rotWithShape="0">
-              <a:srgbClr val="000000">
-                <a:alpha val="38000"/>
+            <a:outerShdw blurRad="76200" dist="50800" dir="5400000" rotWithShape="0">
+              <a:srgbClr val="4E3B30">
+                <a:alpha val="60000"/>
               </a:srgbClr>
             </a:outerShdw>
           </a:effectLst>
         </a:effectStyle>
         <a:effectStyle>
           <a:effectLst>
-            <a:outerShdw blurRad="40000" dist="23000" dir="5400000" rotWithShape="0">
-              <a:srgbClr val="000000">
-                <a:alpha val="35000"/>
-              </a:srgbClr>
-            </a:outerShdw>
-          </a:effectLst>
-        </a:effectStyle>
-        <a:effectStyle>
-          <a:effectLst>
-            <a:outerShdw blurRad="40000" dist="23000" dir="5400000" rotWithShape="0">
-              <a:srgbClr val="000000">
-                <a:alpha val="35000"/>
+            <a:outerShdw blurRad="76200" dist="50800" dir="5400000" rotWithShape="0">
+              <a:srgbClr val="4E3B30">
+                <a:alpha val="60000"/>
               </a:srgbClr>
             </a:outerShdw>
           </a:effectLst>
@@ -4945,12 +5973,38 @@
             <a:camera prst="orthographicFront">
               <a:rot lat="0" lon="0" rev="0"/>
             </a:camera>
-            <a:lightRig rig="threePt" dir="t">
-              <a:rot lat="0" lon="0" rev="1200000"/>
+            <a:lightRig rig="threePt" dir="tl">
+              <a:rot lat="0" lon="0" rev="0"/>
             </a:lightRig>
           </a:scene3d>
-          <a:sp3d>
-            <a:bevelT w="63500" h="25400"/>
+          <a:sp3d prstMaterial="metal">
+            <a:bevelT w="10000" h="10000"/>
+          </a:sp3d>
+        </a:effectStyle>
+        <a:effectStyle>
+          <a:effectLst>
+            <a:outerShdw blurRad="76200" dist="50800" dir="5400000" rotWithShape="0">
+              <a:srgbClr val="4E3B30">
+                <a:alpha val="60000"/>
+              </a:srgbClr>
+            </a:outerShdw>
+          </a:effectLst>
+          <a:scene3d>
+            <a:camera prst="obliqueTopLeft" fov="600000">
+              <a:rot lat="0" lon="0" rev="0"/>
+            </a:camera>
+            <a:lightRig rig="balanced" dir="t">
+              <a:rot lat="0" lon="0" rev="19200000"/>
+            </a:lightRig>
+          </a:scene3d>
+          <a:sp3d contourW="12700" prstMaterial="matte">
+            <a:bevelT w="60000" h="50800"/>
+            <a:contourClr>
+              <a:schemeClr val="phClr">
+                <a:shade val="60000"/>
+                <a:satMod val="110000"/>
+              </a:schemeClr>
+            </a:contourClr>
           </a:sp3d>
         </a:effectStyle>
       </a:effectStyleLst>
@@ -4958,51 +6012,38 @@
         <a:solidFill>
           <a:schemeClr val="phClr"/>
         </a:solidFill>
-        <a:gradFill rotWithShape="1">
-          <a:gsLst>
-            <a:gs pos="0">
+        <a:blipFill>
+          <a:blip xmlns:r="http://schemas.openxmlformats.org/officeDocument/2006/relationships" r:embed="rId1">
+            <a:duotone>
               <a:schemeClr val="phClr">
-                <a:tint val="40000"/>
-                <a:satMod val="350000"/>
+                <a:shade val="90000"/>
+                <a:satMod val="150000"/>
               </a:schemeClr>
-            </a:gs>
-            <a:gs pos="40000">
               <a:schemeClr val="phClr">
-                <a:tint val="45000"/>
-                <a:shade val="99000"/>
-                <a:satMod val="350000"/>
+                <a:tint val="88000"/>
+                <a:satMod val="105000"/>
               </a:schemeClr>
-            </a:gs>
-            <a:gs pos="100000">
-              <a:schemeClr val="phClr">
-                <a:shade val="20000"/>
-                <a:satMod val="255000"/>
-              </a:schemeClr>
-            </a:gs>
-          </a:gsLst>
-          <a:path path="circle">
-            <a:fillToRect l="50000" t="-80000" r="50000" b="180000"/>
-          </a:path>
-        </a:gradFill>
-        <a:gradFill rotWithShape="1">
-          <a:gsLst>
-            <a:gs pos="0">
-              <a:schemeClr val="phClr">
-                <a:tint val="80000"/>
-                <a:satMod val="300000"/>
-              </a:schemeClr>
-            </a:gs>
-            <a:gs pos="100000">
+            </a:duotone>
+          </a:blip>
+          <a:tile tx="0" ty="0" sx="95000" sy="95000" flip="none" algn="t"/>
+        </a:blipFill>
+        <a:blipFill>
+          <a:blip xmlns:r="http://schemas.openxmlformats.org/officeDocument/2006/relationships" r:embed="rId2">
+            <a:duotone>
               <a:schemeClr val="phClr">
                 <a:shade val="30000"/>
-                <a:satMod val="200000"/>
+                <a:satMod val="455000"/>
               </a:schemeClr>
-            </a:gs>
-          </a:gsLst>
-          <a:path path="circle">
-            <a:fillToRect l="50000" t="50000" r="50000" b="50000"/>
-          </a:path>
-        </a:gradFill>
+              <a:schemeClr val="phClr">
+                <a:tint val="95000"/>
+                <a:satMod val="120000"/>
+              </a:schemeClr>
+            </a:duotone>
+          </a:blip>
+          <a:stretch>
+            <a:fillRect/>
+          </a:stretch>
+        </a:blipFill>
       </a:bgFillStyleLst>
     </a:fmtScheme>
   </a:themeElements>
@@ -5294,4 +6335,566 @@
   <a:objectDefaults/>
   <a:extraClrSchemeLst/>
 </a:theme>
+</file>
+
+<file path=ppt/theme/themeOverride1.xml><?xml version="1.0" encoding="utf-8"?>
+<a:themeOverride xmlns:a="http://schemas.openxmlformats.org/drawingml/2006/main">
+  <a:clrScheme name="Office">
+    <a:dk1>
+      <a:sysClr val="windowText" lastClr="000000"/>
+    </a:dk1>
+    <a:lt1>
+      <a:sysClr val="window" lastClr="FFFFFF"/>
+    </a:lt1>
+    <a:dk2>
+      <a:srgbClr val="1F497D"/>
+    </a:dk2>
+    <a:lt2>
+      <a:srgbClr val="EEECE1"/>
+    </a:lt2>
+    <a:accent1>
+      <a:srgbClr val="4F81BD"/>
+    </a:accent1>
+    <a:accent2>
+      <a:srgbClr val="C0504D"/>
+    </a:accent2>
+    <a:accent3>
+      <a:srgbClr val="9BBB59"/>
+    </a:accent3>
+    <a:accent4>
+      <a:srgbClr val="8064A2"/>
+    </a:accent4>
+    <a:accent5>
+      <a:srgbClr val="4BACC6"/>
+    </a:accent5>
+    <a:accent6>
+      <a:srgbClr val="F79646"/>
+    </a:accent6>
+    <a:hlink>
+      <a:srgbClr val="0000FF"/>
+    </a:hlink>
+    <a:folHlink>
+      <a:srgbClr val="800080"/>
+    </a:folHlink>
+  </a:clrScheme>
+  <a:fontScheme name="Office">
+    <a:majorFont>
+      <a:latin typeface="Cambria"/>
+      <a:ea typeface=""/>
+      <a:cs typeface=""/>
+      <a:font script="Jpan" typeface="ＭＳ Ｐゴシック"/>
+      <a:font script="Hang" typeface="맑은 고딕"/>
+      <a:font script="Hans" typeface="宋体"/>
+      <a:font script="Hant" typeface="新細明體"/>
+      <a:font script="Arab" typeface="Times New Roman"/>
+      <a:font script="Hebr" typeface="Times New Roman"/>
+      <a:font script="Thai" typeface="Tahoma"/>
+      <a:font script="Ethi" typeface="Nyala"/>
+      <a:font script="Beng" typeface="Vrinda"/>
+      <a:font script="Gujr" typeface="Shruti"/>
+      <a:font script="Khmr" typeface="MoolBoran"/>
+      <a:font script="Knda" typeface="Tunga"/>
+      <a:font script="Guru" typeface="Raavi"/>
+      <a:font script="Cans" typeface="Euphemia"/>
+      <a:font script="Cher" typeface="Plantagenet Cherokee"/>
+      <a:font script="Yiii" typeface="Microsoft Yi Baiti"/>
+      <a:font script="Tibt" typeface="Microsoft Himalaya"/>
+      <a:font script="Thaa" typeface="MV Boli"/>
+      <a:font script="Deva" typeface="Mangal"/>
+      <a:font script="Telu" typeface="Gautami"/>
+      <a:font script="Taml" typeface="Latha"/>
+      <a:font script="Syrc" typeface="Estrangelo Edessa"/>
+      <a:font script="Orya" typeface="Kalinga"/>
+      <a:font script="Mlym" typeface="Kartika"/>
+      <a:font script="Laoo" typeface="DokChampa"/>
+      <a:font script="Sinh" typeface="Iskoola Pota"/>
+      <a:font script="Mong" typeface="Mongolian Baiti"/>
+      <a:font script="Viet" typeface="Times New Roman"/>
+      <a:font script="Uigh" typeface="Microsoft Uighur"/>
+      <a:font script="Geor" typeface="Sylfaen"/>
+    </a:majorFont>
+    <a:minorFont>
+      <a:latin typeface="Calibri"/>
+      <a:ea typeface=""/>
+      <a:cs typeface=""/>
+      <a:font script="Jpan" typeface="ＭＳ Ｐゴシック"/>
+      <a:font script="Hang" typeface="맑은 고딕"/>
+      <a:font script="Hans" typeface="宋体"/>
+      <a:font script="Hant" typeface="新細明體"/>
+      <a:font script="Arab" typeface="Arial"/>
+      <a:font script="Hebr" typeface="Arial"/>
+      <a:font script="Thai" typeface="Tahoma"/>
+      <a:font script="Ethi" typeface="Nyala"/>
+      <a:font script="Beng" typeface="Vrinda"/>
+      <a:font script="Gujr" typeface="Shruti"/>
+      <a:font script="Khmr" typeface="DaunPenh"/>
+      <a:font script="Knda" typeface="Tunga"/>
+      <a:font script="Guru" typeface="Raavi"/>
+      <a:font script="Cans" typeface="Euphemia"/>
+      <a:font script="Cher" typeface="Plantagenet Cherokee"/>
+      <a:font script="Yiii" typeface="Microsoft Yi Baiti"/>
+      <a:font script="Tibt" typeface="Microsoft Himalaya"/>
+      <a:font script="Thaa" typeface="MV Boli"/>
+      <a:font script="Deva" typeface="Mangal"/>
+      <a:font script="Telu" typeface="Gautami"/>
+      <a:font script="Taml" typeface="Latha"/>
+      <a:font script="Syrc" typeface="Estrangelo Edessa"/>
+      <a:font script="Orya" typeface="Kalinga"/>
+      <a:font script="Mlym" typeface="Kartika"/>
+      <a:font script="Laoo" typeface="DokChampa"/>
+      <a:font script="Sinh" typeface="Iskoola Pota"/>
+      <a:font script="Mong" typeface="Mongolian Baiti"/>
+      <a:font script="Viet" typeface="Arial"/>
+      <a:font script="Uigh" typeface="Microsoft Uighur"/>
+      <a:font script="Geor" typeface="Sylfaen"/>
+    </a:minorFont>
+  </a:fontScheme>
+  <a:fmtScheme name="Office">
+    <a:fillStyleLst>
+      <a:solidFill>
+        <a:schemeClr val="phClr"/>
+      </a:solidFill>
+      <a:gradFill rotWithShape="1">
+        <a:gsLst>
+          <a:gs pos="0">
+            <a:schemeClr val="phClr">
+              <a:tint val="50000"/>
+              <a:satMod val="300000"/>
+            </a:schemeClr>
+          </a:gs>
+          <a:gs pos="35000">
+            <a:schemeClr val="phClr">
+              <a:tint val="37000"/>
+              <a:satMod val="300000"/>
+            </a:schemeClr>
+          </a:gs>
+          <a:gs pos="100000">
+            <a:schemeClr val="phClr">
+              <a:tint val="15000"/>
+              <a:satMod val="350000"/>
+            </a:schemeClr>
+          </a:gs>
+        </a:gsLst>
+        <a:lin ang="16200000" scaled="1"/>
+      </a:gradFill>
+      <a:gradFill rotWithShape="1">
+        <a:gsLst>
+          <a:gs pos="0">
+            <a:schemeClr val="phClr">
+              <a:shade val="51000"/>
+              <a:satMod val="130000"/>
+            </a:schemeClr>
+          </a:gs>
+          <a:gs pos="80000">
+            <a:schemeClr val="phClr">
+              <a:shade val="93000"/>
+              <a:satMod val="130000"/>
+            </a:schemeClr>
+          </a:gs>
+          <a:gs pos="100000">
+            <a:schemeClr val="phClr">
+              <a:shade val="94000"/>
+              <a:satMod val="135000"/>
+            </a:schemeClr>
+          </a:gs>
+        </a:gsLst>
+        <a:lin ang="16200000" scaled="0"/>
+      </a:gradFill>
+    </a:fillStyleLst>
+    <a:lnStyleLst>
+      <a:ln w="9525" cap="flat" cmpd="sng" algn="ctr">
+        <a:solidFill>
+          <a:schemeClr val="phClr">
+            <a:shade val="95000"/>
+            <a:satMod val="105000"/>
+          </a:schemeClr>
+        </a:solidFill>
+        <a:prstDash val="solid"/>
+      </a:ln>
+      <a:ln w="25400" cap="flat" cmpd="sng" algn="ctr">
+        <a:solidFill>
+          <a:schemeClr val="phClr"/>
+        </a:solidFill>
+        <a:prstDash val="solid"/>
+      </a:ln>
+      <a:ln w="38100" cap="flat" cmpd="sng" algn="ctr">
+        <a:solidFill>
+          <a:schemeClr val="phClr"/>
+        </a:solidFill>
+        <a:prstDash val="solid"/>
+      </a:ln>
+    </a:lnStyleLst>
+    <a:effectStyleLst>
+      <a:effectStyle>
+        <a:effectLst>
+          <a:outerShdw blurRad="40000" dist="20000" dir="5400000" rotWithShape="0">
+            <a:srgbClr val="000000">
+              <a:alpha val="38000"/>
+            </a:srgbClr>
+          </a:outerShdw>
+        </a:effectLst>
+      </a:effectStyle>
+      <a:effectStyle>
+        <a:effectLst>
+          <a:outerShdw blurRad="40000" dist="23000" dir="5400000" rotWithShape="0">
+            <a:srgbClr val="000000">
+              <a:alpha val="35000"/>
+            </a:srgbClr>
+          </a:outerShdw>
+        </a:effectLst>
+      </a:effectStyle>
+      <a:effectStyle>
+        <a:effectLst>
+          <a:outerShdw blurRad="40000" dist="23000" dir="5400000" rotWithShape="0">
+            <a:srgbClr val="000000">
+              <a:alpha val="35000"/>
+            </a:srgbClr>
+          </a:outerShdw>
+        </a:effectLst>
+        <a:scene3d>
+          <a:camera prst="orthographicFront">
+            <a:rot lat="0" lon="0" rev="0"/>
+          </a:camera>
+          <a:lightRig rig="threePt" dir="t">
+            <a:rot lat="0" lon="0" rev="1200000"/>
+          </a:lightRig>
+        </a:scene3d>
+        <a:sp3d>
+          <a:bevelT w="63500" h="25400"/>
+        </a:sp3d>
+      </a:effectStyle>
+    </a:effectStyleLst>
+    <a:bgFillStyleLst>
+      <a:solidFill>
+        <a:schemeClr val="phClr"/>
+      </a:solidFill>
+      <a:gradFill rotWithShape="1">
+        <a:gsLst>
+          <a:gs pos="0">
+            <a:schemeClr val="phClr">
+              <a:tint val="40000"/>
+              <a:satMod val="350000"/>
+            </a:schemeClr>
+          </a:gs>
+          <a:gs pos="40000">
+            <a:schemeClr val="phClr">
+              <a:tint val="45000"/>
+              <a:shade val="99000"/>
+              <a:satMod val="350000"/>
+            </a:schemeClr>
+          </a:gs>
+          <a:gs pos="100000">
+            <a:schemeClr val="phClr">
+              <a:shade val="20000"/>
+              <a:satMod val="255000"/>
+            </a:schemeClr>
+          </a:gs>
+        </a:gsLst>
+        <a:path path="circle">
+          <a:fillToRect l="50000" t="-80000" r="50000" b="180000"/>
+        </a:path>
+      </a:gradFill>
+      <a:gradFill rotWithShape="1">
+        <a:gsLst>
+          <a:gs pos="0">
+            <a:schemeClr val="phClr">
+              <a:tint val="80000"/>
+              <a:satMod val="300000"/>
+            </a:schemeClr>
+          </a:gs>
+          <a:gs pos="100000">
+            <a:schemeClr val="phClr">
+              <a:shade val="30000"/>
+              <a:satMod val="200000"/>
+            </a:schemeClr>
+          </a:gs>
+        </a:gsLst>
+        <a:path path="circle">
+          <a:fillToRect l="50000" t="50000" r="50000" b="50000"/>
+        </a:path>
+      </a:gradFill>
+    </a:bgFillStyleLst>
+  </a:fmtScheme>
+</a:themeOverride>
+</file>
+
+<file path=ppt/theme/themeOverride2.xml><?xml version="1.0" encoding="utf-8"?>
+<a:themeOverride xmlns:a="http://schemas.openxmlformats.org/drawingml/2006/main">
+  <a:clrScheme name="Office">
+    <a:dk1>
+      <a:sysClr val="windowText" lastClr="000000"/>
+    </a:dk1>
+    <a:lt1>
+      <a:sysClr val="window" lastClr="FFFFFF"/>
+    </a:lt1>
+    <a:dk2>
+      <a:srgbClr val="1F497D"/>
+    </a:dk2>
+    <a:lt2>
+      <a:srgbClr val="EEECE1"/>
+    </a:lt2>
+    <a:accent1>
+      <a:srgbClr val="4F81BD"/>
+    </a:accent1>
+    <a:accent2>
+      <a:srgbClr val="C0504D"/>
+    </a:accent2>
+    <a:accent3>
+      <a:srgbClr val="9BBB59"/>
+    </a:accent3>
+    <a:accent4>
+      <a:srgbClr val="8064A2"/>
+    </a:accent4>
+    <a:accent5>
+      <a:srgbClr val="4BACC6"/>
+    </a:accent5>
+    <a:accent6>
+      <a:srgbClr val="F79646"/>
+    </a:accent6>
+    <a:hlink>
+      <a:srgbClr val="0000FF"/>
+    </a:hlink>
+    <a:folHlink>
+      <a:srgbClr val="800080"/>
+    </a:folHlink>
+  </a:clrScheme>
+  <a:fontScheme name="Office">
+    <a:majorFont>
+      <a:latin typeface="Cambria"/>
+      <a:ea typeface=""/>
+      <a:cs typeface=""/>
+      <a:font script="Jpan" typeface="ＭＳ Ｐゴシック"/>
+      <a:font script="Hang" typeface="맑은 고딕"/>
+      <a:font script="Hans" typeface="宋体"/>
+      <a:font script="Hant" typeface="新細明體"/>
+      <a:font script="Arab" typeface="Times New Roman"/>
+      <a:font script="Hebr" typeface="Times New Roman"/>
+      <a:font script="Thai" typeface="Tahoma"/>
+      <a:font script="Ethi" typeface="Nyala"/>
+      <a:font script="Beng" typeface="Vrinda"/>
+      <a:font script="Gujr" typeface="Shruti"/>
+      <a:font script="Khmr" typeface="MoolBoran"/>
+      <a:font script="Knda" typeface="Tunga"/>
+      <a:font script="Guru" typeface="Raavi"/>
+      <a:font script="Cans" typeface="Euphemia"/>
+      <a:font script="Cher" typeface="Plantagenet Cherokee"/>
+      <a:font script="Yiii" typeface="Microsoft Yi Baiti"/>
+      <a:font script="Tibt" typeface="Microsoft Himalaya"/>
+      <a:font script="Thaa" typeface="MV Boli"/>
+      <a:font script="Deva" typeface="Mangal"/>
+      <a:font script="Telu" typeface="Gautami"/>
+      <a:font script="Taml" typeface="Latha"/>
+      <a:font script="Syrc" typeface="Estrangelo Edessa"/>
+      <a:font script="Orya" typeface="Kalinga"/>
+      <a:font script="Mlym" typeface="Kartika"/>
+      <a:font script="Laoo" typeface="DokChampa"/>
+      <a:font script="Sinh" typeface="Iskoola Pota"/>
+      <a:font script="Mong" typeface="Mongolian Baiti"/>
+      <a:font script="Viet" typeface="Times New Roman"/>
+      <a:font script="Uigh" typeface="Microsoft Uighur"/>
+      <a:font script="Geor" typeface="Sylfaen"/>
+    </a:majorFont>
+    <a:minorFont>
+      <a:latin typeface="Calibri"/>
+      <a:ea typeface=""/>
+      <a:cs typeface=""/>
+      <a:font script="Jpan" typeface="ＭＳ Ｐゴシック"/>
+      <a:font script="Hang" typeface="맑은 고딕"/>
+      <a:font script="Hans" typeface="宋体"/>
+      <a:font script="Hant" typeface="新細明體"/>
+      <a:font script="Arab" typeface="Arial"/>
+      <a:font script="Hebr" typeface="Arial"/>
+      <a:font script="Thai" typeface="Tahoma"/>
+      <a:font script="Ethi" typeface="Nyala"/>
+      <a:font script="Beng" typeface="Vrinda"/>
+      <a:font script="Gujr" typeface="Shruti"/>
+      <a:font script="Khmr" typeface="DaunPenh"/>
+      <a:font script="Knda" typeface="Tunga"/>
+      <a:font script="Guru" typeface="Raavi"/>
+      <a:font script="Cans" typeface="Euphemia"/>
+      <a:font script="Cher" typeface="Plantagenet Cherokee"/>
+      <a:font script="Yiii" typeface="Microsoft Yi Baiti"/>
+      <a:font script="Tibt" typeface="Microsoft Himalaya"/>
+      <a:font script="Thaa" typeface="MV Boli"/>
+      <a:font script="Deva" typeface="Mangal"/>
+      <a:font script="Telu" typeface="Gautami"/>
+      <a:font script="Taml" typeface="Latha"/>
+      <a:font script="Syrc" typeface="Estrangelo Edessa"/>
+      <a:font script="Orya" typeface="Kalinga"/>
+      <a:font script="Mlym" typeface="Kartika"/>
+      <a:font script="Laoo" typeface="DokChampa"/>
+      <a:font script="Sinh" typeface="Iskoola Pota"/>
+      <a:font script="Mong" typeface="Mongolian Baiti"/>
+      <a:font script="Viet" typeface="Arial"/>
+      <a:font script="Uigh" typeface="Microsoft Uighur"/>
+      <a:font script="Geor" typeface="Sylfaen"/>
+    </a:minorFont>
+  </a:fontScheme>
+  <a:fmtScheme name="Office">
+    <a:fillStyleLst>
+      <a:solidFill>
+        <a:schemeClr val="phClr"/>
+      </a:solidFill>
+      <a:gradFill rotWithShape="1">
+        <a:gsLst>
+          <a:gs pos="0">
+            <a:schemeClr val="phClr">
+              <a:tint val="50000"/>
+              <a:satMod val="300000"/>
+            </a:schemeClr>
+          </a:gs>
+          <a:gs pos="35000">
+            <a:schemeClr val="phClr">
+              <a:tint val="37000"/>
+              <a:satMod val="300000"/>
+            </a:schemeClr>
+          </a:gs>
+          <a:gs pos="100000">
+            <a:schemeClr val="phClr">
+              <a:tint val="15000"/>
+              <a:satMod val="350000"/>
+            </a:schemeClr>
+          </a:gs>
+        </a:gsLst>
+        <a:lin ang="16200000" scaled="1"/>
+      </a:gradFill>
+      <a:gradFill rotWithShape="1">
+        <a:gsLst>
+          <a:gs pos="0">
+            <a:schemeClr val="phClr">
+              <a:shade val="51000"/>
+              <a:satMod val="130000"/>
+            </a:schemeClr>
+          </a:gs>
+          <a:gs pos="80000">
+            <a:schemeClr val="phClr">
+              <a:shade val="93000"/>
+              <a:satMod val="130000"/>
+            </a:schemeClr>
+          </a:gs>
+          <a:gs pos="100000">
+            <a:schemeClr val="phClr">
+              <a:shade val="94000"/>
+              <a:satMod val="135000"/>
+            </a:schemeClr>
+          </a:gs>
+        </a:gsLst>
+        <a:lin ang="16200000" scaled="0"/>
+      </a:gradFill>
+    </a:fillStyleLst>
+    <a:lnStyleLst>
+      <a:ln w="9525" cap="flat" cmpd="sng" algn="ctr">
+        <a:solidFill>
+          <a:schemeClr val="phClr">
+            <a:shade val="95000"/>
+            <a:satMod val="105000"/>
+          </a:schemeClr>
+        </a:solidFill>
+        <a:prstDash val="solid"/>
+      </a:ln>
+      <a:ln w="25400" cap="flat" cmpd="sng" algn="ctr">
+        <a:solidFill>
+          <a:schemeClr val="phClr"/>
+        </a:solidFill>
+        <a:prstDash val="solid"/>
+      </a:ln>
+      <a:ln w="38100" cap="flat" cmpd="sng" algn="ctr">
+        <a:solidFill>
+          <a:schemeClr val="phClr"/>
+        </a:solidFill>
+        <a:prstDash val="solid"/>
+      </a:ln>
+    </a:lnStyleLst>
+    <a:effectStyleLst>
+      <a:effectStyle>
+        <a:effectLst>
+          <a:outerShdw blurRad="40000" dist="20000" dir="5400000" rotWithShape="0">
+            <a:srgbClr val="000000">
+              <a:alpha val="38000"/>
+            </a:srgbClr>
+          </a:outerShdw>
+        </a:effectLst>
+      </a:effectStyle>
+      <a:effectStyle>
+        <a:effectLst>
+          <a:outerShdw blurRad="40000" dist="23000" dir="5400000" rotWithShape="0">
+            <a:srgbClr val="000000">
+              <a:alpha val="35000"/>
+            </a:srgbClr>
+          </a:outerShdw>
+        </a:effectLst>
+      </a:effectStyle>
+      <a:effectStyle>
+        <a:effectLst>
+          <a:outerShdw blurRad="40000" dist="23000" dir="5400000" rotWithShape="0">
+            <a:srgbClr val="000000">
+              <a:alpha val="35000"/>
+            </a:srgbClr>
+          </a:outerShdw>
+        </a:effectLst>
+        <a:scene3d>
+          <a:camera prst="orthographicFront">
+            <a:rot lat="0" lon="0" rev="0"/>
+          </a:camera>
+          <a:lightRig rig="threePt" dir="t">
+            <a:rot lat="0" lon="0" rev="1200000"/>
+          </a:lightRig>
+        </a:scene3d>
+        <a:sp3d>
+          <a:bevelT w="63500" h="25400"/>
+        </a:sp3d>
+      </a:effectStyle>
+    </a:effectStyleLst>
+    <a:bgFillStyleLst>
+      <a:solidFill>
+        <a:schemeClr val="phClr"/>
+      </a:solidFill>
+      <a:gradFill rotWithShape="1">
+        <a:gsLst>
+          <a:gs pos="0">
+            <a:schemeClr val="phClr">
+              <a:tint val="40000"/>
+              <a:satMod val="350000"/>
+            </a:schemeClr>
+          </a:gs>
+          <a:gs pos="40000">
+            <a:schemeClr val="phClr">
+              <a:tint val="45000"/>
+              <a:shade val="99000"/>
+              <a:satMod val="350000"/>
+            </a:schemeClr>
+          </a:gs>
+          <a:gs pos="100000">
+            <a:schemeClr val="phClr">
+              <a:shade val="20000"/>
+              <a:satMod val="255000"/>
+            </a:schemeClr>
+          </a:gs>
+        </a:gsLst>
+        <a:path path="circle">
+          <a:fillToRect l="50000" t="-80000" r="50000" b="180000"/>
+        </a:path>
+      </a:gradFill>
+      <a:gradFill rotWithShape="1">
+        <a:gsLst>
+          <a:gs pos="0">
+            <a:schemeClr val="phClr">
+              <a:tint val="80000"/>
+              <a:satMod val="300000"/>
+            </a:schemeClr>
+          </a:gs>
+          <a:gs pos="100000">
+            <a:schemeClr val="phClr">
+              <a:shade val="30000"/>
+              <a:satMod val="200000"/>
+            </a:schemeClr>
+          </a:gs>
+        </a:gsLst>
+        <a:path path="circle">
+          <a:fillToRect l="50000" t="50000" r="50000" b="50000"/>
+        </a:path>
+      </a:gradFill>
+    </a:bgFillStyleLst>
+  </a:fmtScheme>
+</a:themeOverride>
 </file>